--- a/week7/2014-7-functions-boyd.pptx
+++ b/week7/2014-7-functions-boyd.pptx
@@ -5,10 +5,10 @@
     <p:sldMasterId id="2147483648" r:id="rId1"/>
   </p:sldMasterIdLst>
   <p:notesMasterIdLst>
-    <p:notesMasterId r:id="rId22"/>
+    <p:notesMasterId r:id="rId20"/>
   </p:notesMasterIdLst>
   <p:handoutMasterIdLst>
-    <p:handoutMasterId r:id="rId23"/>
+    <p:handoutMasterId r:id="rId21"/>
   </p:handoutMasterIdLst>
   <p:sldIdLst>
     <p:sldId id="256" r:id="rId2"/>
@@ -16,21 +16,19 @@
     <p:sldId id="386" r:id="rId4"/>
     <p:sldId id="443" r:id="rId5"/>
     <p:sldId id="387" r:id="rId6"/>
-    <p:sldId id="483" r:id="rId7"/>
-    <p:sldId id="391" r:id="rId8"/>
-    <p:sldId id="455" r:id="rId9"/>
-    <p:sldId id="453" r:id="rId10"/>
-    <p:sldId id="454" r:id="rId11"/>
-    <p:sldId id="486" r:id="rId12"/>
-    <p:sldId id="487" r:id="rId13"/>
-    <p:sldId id="488" r:id="rId14"/>
-    <p:sldId id="381" r:id="rId15"/>
-    <p:sldId id="489" r:id="rId16"/>
-    <p:sldId id="444" r:id="rId17"/>
-    <p:sldId id="490" r:id="rId18"/>
-    <p:sldId id="380" r:id="rId19"/>
-    <p:sldId id="417" r:id="rId20"/>
-    <p:sldId id="320" r:id="rId21"/>
+    <p:sldId id="391" r:id="rId7"/>
+    <p:sldId id="455" r:id="rId8"/>
+    <p:sldId id="453" r:id="rId9"/>
+    <p:sldId id="454" r:id="rId10"/>
+    <p:sldId id="486" r:id="rId11"/>
+    <p:sldId id="488" r:id="rId12"/>
+    <p:sldId id="381" r:id="rId13"/>
+    <p:sldId id="489" r:id="rId14"/>
+    <p:sldId id="444" r:id="rId15"/>
+    <p:sldId id="490" r:id="rId16"/>
+    <p:sldId id="380" r:id="rId17"/>
+    <p:sldId id="417" r:id="rId18"/>
+    <p:sldId id="320" r:id="rId19"/>
   </p:sldIdLst>
   <p:sldSz cx="9144000" cy="6858000" type="screen4x3"/>
   <p:notesSz cx="6858000" cy="9144000"/>
@@ -828,10 +826,6 @@
           <a:bodyPr/>
           <a:lstStyle/>
           <a:p>
-            <a:r>
-              <a:rPr lang="nl-NL" dirty="0" smtClean="0"/>
-              <a:t>Hoeveel events?</a:t>
-            </a:r>
             <a:endParaRPr lang="nl-NL" dirty="0"/>
           </a:p>
         </p:txBody>
@@ -854,7 +848,7 @@
             <a:fld id="{38075BC8-9B54-074D-AB05-EEC369B5EB13}" type="slidenum">
               <a:rPr lang="nl-NL" smtClean="0"/>
               <a:pPr/>
-              <a:t>16</a:t>
+              <a:t>17</a:t>
             </a:fld>
             <a:endParaRPr lang="nl-NL"/>
           </a:p>
@@ -917,23 +911,7 @@
           <a:bodyPr/>
           <a:lstStyle/>
           <a:p>
-            <a:r>
-              <a:rPr lang="nl-NL" dirty="0" smtClean="0"/>
-              <a:t>De code staat in de sheets,</a:t>
-            </a:r>
-            <a:r>
-              <a:rPr lang="nl-NL" baseline="0" dirty="0" smtClean="0"/>
-              <a:t> maar is misschien handiger om ook samen te maken in </a:t>
-            </a:r>
-            <a:r>
-              <a:rPr lang="nl-NL" baseline="0" dirty="0" err="1" smtClean="0"/>
-              <a:t>php</a:t>
-            </a:r>
-            <a:r>
-              <a:rPr lang="nl-NL" baseline="0" dirty="0" smtClean="0"/>
-              <a:t> storm.</a:t>
-            </a:r>
-            <a:endParaRPr lang="nl-NL" dirty="0"/>
+            <a:endParaRPr lang="nl-NL" dirty="0" smtClean="0"/>
           </a:p>
         </p:txBody>
       </p:sp>
@@ -955,181 +933,7 @@
             <a:fld id="{38075BC8-9B54-074D-AB05-EEC369B5EB13}" type="slidenum">
               <a:rPr lang="nl-NL" smtClean="0"/>
               <a:pPr/>
-              <a:t>17</a:t>
-            </a:fld>
-            <a:endParaRPr lang="nl-NL"/>
-          </a:p>
-        </p:txBody>
-      </p:sp>
-    </p:spTree>
-    <p:extLst>
-      <p:ext uri="{BB962C8B-B14F-4D97-AF65-F5344CB8AC3E}">
-        <p14:creationId xmlns="" xmlns:p14="http://schemas.microsoft.com/office/powerpoint/2010/main" val="781563344"/>
-      </p:ext>
-    </p:extLst>
-  </p:cSld>
-  <p:clrMapOvr>
-    <a:masterClrMapping/>
-  </p:clrMapOvr>
-</p:notes>
-</file>
-
-<file path=ppt/notesSlides/notesSlide12.xml><?xml version="1.0" encoding="utf-8"?>
-<p:notes xmlns:a="http://schemas.openxmlformats.org/drawingml/2006/main" xmlns:r="http://schemas.openxmlformats.org/officeDocument/2006/relationships" xmlns:p="http://schemas.openxmlformats.org/presentationml/2006/main">
-  <p:cSld>
-    <p:spTree>
-      <p:nvGrpSpPr>
-        <p:cNvPr id="1" name=""/>
-        <p:cNvGrpSpPr/>
-        <p:nvPr/>
-      </p:nvGrpSpPr>
-      <p:grpSpPr>
-        <a:xfrm>
-          <a:off x="0" y="0"/>
-          <a:ext cx="0" cy="0"/>
-          <a:chOff x="0" y="0"/>
-          <a:chExt cx="0" cy="0"/>
-        </a:xfrm>
-      </p:grpSpPr>
-      <p:sp>
-        <p:nvSpPr>
-          <p:cNvPr id="2" name="Tijdelijke aanduiding voor dia-afbeelding 1"/>
-          <p:cNvSpPr>
-            <a:spLocks noGrp="1" noRot="1" noChangeAspect="1"/>
-          </p:cNvSpPr>
-          <p:nvPr>
-            <p:ph type="sldImg"/>
-          </p:nvPr>
-        </p:nvSpPr>
-        <p:spPr/>
-      </p:sp>
-      <p:sp>
-        <p:nvSpPr>
-          <p:cNvPr id="3" name="Tijdelijke aanduiding voor notities 2"/>
-          <p:cNvSpPr>
-            <a:spLocks noGrp="1"/>
-          </p:cNvSpPr>
-          <p:nvPr>
-            <p:ph type="body" idx="1"/>
-          </p:nvPr>
-        </p:nvSpPr>
-        <p:spPr/>
-        <p:txBody>
-          <a:bodyPr/>
-          <a:lstStyle/>
-          <a:p>
-            <a:r>
-              <a:rPr lang="nl-NL" dirty="0" smtClean="0"/>
-              <a:t>Hoeveel events?</a:t>
-            </a:r>
-            <a:endParaRPr lang="nl-NL" dirty="0"/>
-          </a:p>
-        </p:txBody>
-      </p:sp>
-      <p:sp>
-        <p:nvSpPr>
-          <p:cNvPr id="4" name="Tijdelijke aanduiding voor dianummer 3"/>
-          <p:cNvSpPr>
-            <a:spLocks noGrp="1"/>
-          </p:cNvSpPr>
-          <p:nvPr>
-            <p:ph type="sldNum" sz="quarter" idx="10"/>
-          </p:nvPr>
-        </p:nvSpPr>
-        <p:spPr/>
-        <p:txBody>
-          <a:bodyPr/>
-          <a:lstStyle/>
-          <a:p>
-            <a:fld id="{38075BC8-9B54-074D-AB05-EEC369B5EB13}" type="slidenum">
-              <a:rPr lang="nl-NL" smtClean="0"/>
-              <a:pPr/>
-              <a:t>19</a:t>
-            </a:fld>
-            <a:endParaRPr lang="nl-NL"/>
-          </a:p>
-        </p:txBody>
-      </p:sp>
-    </p:spTree>
-    <p:extLst>
-      <p:ext uri="{BB962C8B-B14F-4D97-AF65-F5344CB8AC3E}">
-        <p14:creationId xmlns="" xmlns:p14="http://schemas.microsoft.com/office/powerpoint/2010/main" val="1099155352"/>
-      </p:ext>
-    </p:extLst>
-  </p:cSld>
-  <p:clrMapOvr>
-    <a:masterClrMapping/>
-  </p:clrMapOvr>
-</p:notes>
-</file>
-
-<file path=ppt/notesSlides/notesSlide13.xml><?xml version="1.0" encoding="utf-8"?>
-<p:notes xmlns:a="http://schemas.openxmlformats.org/drawingml/2006/main" xmlns:r="http://schemas.openxmlformats.org/officeDocument/2006/relationships" xmlns:p="http://schemas.openxmlformats.org/presentationml/2006/main">
-  <p:cSld>
-    <p:spTree>
-      <p:nvGrpSpPr>
-        <p:cNvPr id="1" name=""/>
-        <p:cNvGrpSpPr/>
-        <p:nvPr/>
-      </p:nvGrpSpPr>
-      <p:grpSpPr>
-        <a:xfrm>
-          <a:off x="0" y="0"/>
-          <a:ext cx="0" cy="0"/>
-          <a:chOff x="0" y="0"/>
-          <a:chExt cx="0" cy="0"/>
-        </a:xfrm>
-      </p:grpSpPr>
-      <p:sp>
-        <p:nvSpPr>
-          <p:cNvPr id="2" name="Tijdelijke aanduiding voor dia-afbeelding 1"/>
-          <p:cNvSpPr>
-            <a:spLocks noGrp="1" noRot="1" noChangeAspect="1"/>
-          </p:cNvSpPr>
-          <p:nvPr>
-            <p:ph type="sldImg"/>
-          </p:nvPr>
-        </p:nvSpPr>
-        <p:spPr/>
-      </p:sp>
-      <p:sp>
-        <p:nvSpPr>
-          <p:cNvPr id="3" name="Tijdelijke aanduiding voor notities 2"/>
-          <p:cNvSpPr>
-            <a:spLocks noGrp="1"/>
-          </p:cNvSpPr>
-          <p:nvPr>
-            <p:ph type="body" idx="1"/>
-          </p:nvPr>
-        </p:nvSpPr>
-        <p:spPr/>
-        <p:txBody>
-          <a:bodyPr/>
-          <a:lstStyle/>
-          <a:p>
-            <a:endParaRPr lang="nl-NL" dirty="0" smtClean="0"/>
-          </a:p>
-        </p:txBody>
-      </p:sp>
-      <p:sp>
-        <p:nvSpPr>
-          <p:cNvPr id="4" name="Tijdelijke aanduiding voor dianummer 3"/>
-          <p:cNvSpPr>
-            <a:spLocks noGrp="1"/>
-          </p:cNvSpPr>
-          <p:nvPr>
-            <p:ph type="sldNum" sz="quarter" idx="10"/>
-          </p:nvPr>
-        </p:nvSpPr>
-        <p:spPr/>
-        <p:txBody>
-          <a:bodyPr/>
-          <a:lstStyle/>
-          <a:p>
-            <a:fld id="{38075BC8-9B54-074D-AB05-EEC369B5EB13}" type="slidenum">
-              <a:rPr lang="nl-NL" smtClean="0"/>
-              <a:pPr/>
-              <a:t>20</a:t>
+              <a:t>18</a:t>
             </a:fld>
             <a:endParaRPr lang="nl-NL"/>
           </a:p>
@@ -1564,6 +1368,14 @@
           <a:bodyPr/>
           <a:lstStyle/>
           <a:p>
+            <a:r>
+              <a:rPr lang="nl-NL" dirty="0" smtClean="0"/>
+              <a:t>Stukje</a:t>
+            </a:r>
+            <a:r>
+              <a:rPr lang="nl-NL" baseline="0" dirty="0" smtClean="0"/>
+              <a:t> herhaling maar dan anders.</a:t>
+            </a:r>
             <a:endParaRPr lang="nl-NL" dirty="0"/>
           </a:p>
         </p:txBody>
@@ -1595,7 +1407,7 @@
     </p:spTree>
     <p:extLst>
       <p:ext uri="{BB962C8B-B14F-4D97-AF65-F5344CB8AC3E}">
-        <p14:creationId xmlns="" xmlns:p14="http://schemas.microsoft.com/office/powerpoint/2010/main" val="170127230"/>
+        <p14:creationId xmlns="" xmlns:p14="http://schemas.microsoft.com/office/powerpoint/2010/main" val="2318464804"/>
       </p:ext>
     </p:extLst>
   </p:cSld>
@@ -1651,11 +1463,11 @@
           <a:p>
             <a:r>
               <a:rPr lang="nl-NL" dirty="0" smtClean="0"/>
-              <a:t>Stukje</a:t>
+              <a:t>Vraag:</a:t>
             </a:r>
             <a:r>
               <a:rPr lang="nl-NL" baseline="0" dirty="0" smtClean="0"/>
-              <a:t> herhaling maar dan anders.</a:t>
+              <a:t> welke functies zie je. Neem daar 3 minuten voor.</a:t>
             </a:r>
             <a:endParaRPr lang="nl-NL" dirty="0"/>
           </a:p>
@@ -1679,7 +1491,7 @@
             <a:fld id="{38075BC8-9B54-074D-AB05-EEC369B5EB13}" type="slidenum">
               <a:rPr lang="nl-NL" smtClean="0"/>
               <a:pPr/>
-              <a:t>7</a:t>
+              <a:t>13</a:t>
             </a:fld>
             <a:endParaRPr lang="nl-NL"/>
           </a:p>
@@ -1688,7 +1500,7 @@
     </p:spTree>
     <p:extLst>
       <p:ext uri="{BB962C8B-B14F-4D97-AF65-F5344CB8AC3E}">
-        <p14:creationId xmlns="" xmlns:p14="http://schemas.microsoft.com/office/powerpoint/2010/main" val="2318464804"/>
+        <p14:creationId xmlns="" xmlns:p14="http://schemas.microsoft.com/office/powerpoint/2010/main" val="1099155352"/>
       </p:ext>
     </p:extLst>
   </p:cSld>
@@ -1742,6 +1554,10 @@
           <a:bodyPr/>
           <a:lstStyle/>
           <a:p>
+            <a:r>
+              <a:rPr lang="nl-NL" dirty="0" smtClean="0"/>
+              <a:t>Hoeveel events?</a:t>
+            </a:r>
             <a:endParaRPr lang="nl-NL" dirty="0"/>
           </a:p>
         </p:txBody>
@@ -1764,7 +1580,7 @@
             <a:fld id="{38075BC8-9B54-074D-AB05-EEC369B5EB13}" type="slidenum">
               <a:rPr lang="nl-NL" smtClean="0"/>
               <a:pPr/>
-              <a:t>12</a:t>
+              <a:t>14</a:t>
             </a:fld>
             <a:endParaRPr lang="nl-NL"/>
           </a:p>
@@ -1773,7 +1589,7 @@
     </p:spTree>
     <p:extLst>
       <p:ext uri="{BB962C8B-B14F-4D97-AF65-F5344CB8AC3E}">
-        <p14:creationId xmlns="" xmlns:p14="http://schemas.microsoft.com/office/powerpoint/2010/main" val="2531556722"/>
+        <p14:creationId xmlns="" xmlns:p14="http://schemas.microsoft.com/office/powerpoint/2010/main" val="1099155352"/>
       </p:ext>
     </p:extLst>
   </p:cSld>
@@ -1829,11 +1645,19 @@
           <a:p>
             <a:r>
               <a:rPr lang="nl-NL" dirty="0" smtClean="0"/>
-              <a:t>Vraag:</a:t>
+              <a:t>De code staat in de sheets,</a:t>
             </a:r>
             <a:r>
               <a:rPr lang="nl-NL" baseline="0" dirty="0" smtClean="0"/>
-              <a:t> welke functies zie je. Neem daar 3 minuten voor.</a:t>
+              <a:t> maar is misschien handiger om ook samen te maken in </a:t>
+            </a:r>
+            <a:r>
+              <a:rPr lang="nl-NL" baseline="0" dirty="0" err="1" smtClean="0"/>
+              <a:t>php</a:t>
+            </a:r>
+            <a:r>
+              <a:rPr lang="nl-NL" baseline="0" dirty="0" smtClean="0"/>
+              <a:t> storm.</a:t>
             </a:r>
             <a:endParaRPr lang="nl-NL" dirty="0"/>
           </a:p>
@@ -1866,7 +1690,7 @@
     </p:spTree>
     <p:extLst>
       <p:ext uri="{BB962C8B-B14F-4D97-AF65-F5344CB8AC3E}">
-        <p14:creationId xmlns="" xmlns:p14="http://schemas.microsoft.com/office/powerpoint/2010/main" val="1099155352"/>
+        <p14:creationId xmlns="" xmlns:p14="http://schemas.microsoft.com/office/powerpoint/2010/main" val="781563344"/>
       </p:ext>
     </p:extLst>
   </p:cSld>
@@ -5010,6 +4834,14 @@
 <file path=ppt/slides/slide10.xml><?xml version="1.0" encoding="utf-8"?>
 <p:sld xmlns:a="http://schemas.openxmlformats.org/drawingml/2006/main" xmlns:r="http://schemas.openxmlformats.org/officeDocument/2006/relationships" xmlns:p="http://schemas.openxmlformats.org/presentationml/2006/main">
   <p:cSld>
+    <p:bg>
+      <p:bgPr>
+        <a:solidFill>
+          <a:srgbClr val="1C88DA"/>
+        </a:solidFill>
+        <a:effectLst/>
+      </p:bgPr>
+    </p:bg>
     <p:spTree>
       <p:nvGrpSpPr>
         <p:cNvPr id="1" name=""/>
@@ -5024,85 +4856,338 @@
           <a:chExt cx="0" cy="0"/>
         </a:xfrm>
       </p:grpSpPr>
-      <p:pic>
-        <p:nvPicPr>
-          <p:cNvPr id="2" name="Afbeelding 1" descr="Screen Shot 2012-10-16 at 2.01.30 PM.png"/>
-          <p:cNvPicPr>
-            <a:picLocks noChangeAspect="1"/>
-          </p:cNvPicPr>
+      <p:sp>
+        <p:nvSpPr>
+          <p:cNvPr id="2" name="Tekstvak 1"/>
+          <p:cNvSpPr txBox="1"/>
           <p:nvPr/>
-        </p:nvPicPr>
-        <p:blipFill rotWithShape="1">
-          <a:blip r:embed="rId2">
-            <a:extLst>
-              <a:ext uri="{28A0092B-C50C-407E-A947-70E740481C1C}">
-                <a14:useLocalDpi xmlns="" xmlns:a14="http://schemas.microsoft.com/office/drawing/2010/main" val="0"/>
-              </a:ext>
-            </a:extLst>
-          </a:blip>
-          <a:srcRect l="14465" r="6562"/>
-          <a:stretch/>
-        </p:blipFill>
+        </p:nvSpPr>
         <p:spPr>
           <a:xfrm>
-            <a:off x="0" y="193524"/>
-            <a:ext cx="8938382" cy="6446762"/>
+            <a:off x="1682788" y="1844771"/>
+            <a:ext cx="6646371" cy="2123658"/>
           </a:xfrm>
           <a:prstGeom prst="rect">
             <a:avLst/>
           </a:prstGeom>
+          <a:noFill/>
         </p:spPr>
-      </p:pic>
-      <p:sp>
-        <p:nvSpPr>
-          <p:cNvPr id="3" name="Rechthoek 2"/>
-          <p:cNvSpPr/>
+        <p:txBody>
+          <a:bodyPr wrap="none" rtlCol="0">
+            <a:spAutoFit/>
+          </a:bodyPr>
+          <a:lstStyle/>
+          <a:p>
+            <a:r>
+              <a:rPr lang="nl-NL" sz="6600" dirty="0" smtClean="0">
+                <a:solidFill>
+                  <a:schemeClr val="bg1"/>
+                </a:solidFill>
+                <a:latin typeface="Century Gothic"/>
+                <a:cs typeface="Century Gothic"/>
+              </a:rPr>
+              <a:t>2-dimensionale </a:t>
+            </a:r>
+          </a:p>
+          <a:p>
+            <a:r>
+              <a:rPr lang="nl-NL" sz="6600" dirty="0" smtClean="0">
+                <a:solidFill>
+                  <a:schemeClr val="bg1"/>
+                </a:solidFill>
+                <a:latin typeface="Century Gothic"/>
+                <a:cs typeface="Century Gothic"/>
+              </a:rPr>
+              <a:t>array</a:t>
+            </a:r>
+            <a:endParaRPr lang="nl-NL" sz="6600" dirty="0">
+              <a:solidFill>
+                <a:schemeClr val="bg1"/>
+              </a:solidFill>
+              <a:latin typeface="Century Gothic"/>
+              <a:cs typeface="Century Gothic"/>
+            </a:endParaRPr>
+          </a:p>
+        </p:txBody>
+      </p:sp>
+    </p:spTree>
+    <p:extLst>
+      <p:ext uri="{BB962C8B-B14F-4D97-AF65-F5344CB8AC3E}">
+        <p14:creationId xmlns="" xmlns:p14="http://schemas.microsoft.com/office/powerpoint/2010/main" val="305279122"/>
+      </p:ext>
+    </p:extLst>
+  </p:cSld>
+  <p:clrMapOvr>
+    <a:masterClrMapping/>
+  </p:clrMapOvr>
+  <p:timing>
+    <p:tnLst>
+      <p:par>
+        <p:cTn id="1" dur="indefinite" restart="never" nodeType="tmRoot"/>
+      </p:par>
+    </p:tnLst>
+  </p:timing>
+</p:sld>
+</file>
+
+<file path=ppt/slides/slide11.xml><?xml version="1.0" encoding="utf-8"?>
+<p:sld xmlns:a="http://schemas.openxmlformats.org/drawingml/2006/main" xmlns:r="http://schemas.openxmlformats.org/officeDocument/2006/relationships" xmlns:p="http://schemas.openxmlformats.org/presentationml/2006/main">
+  <p:cSld>
+    <p:spTree>
+      <p:nvGrpSpPr>
+        <p:cNvPr id="1" name=""/>
+        <p:cNvGrpSpPr/>
+        <p:nvPr/>
+      </p:nvGrpSpPr>
+      <p:grpSpPr>
+        <a:xfrm>
+          <a:off x="0" y="0"/>
+          <a:ext cx="0" cy="0"/>
+          <a:chOff x="0" y="0"/>
+          <a:chExt cx="0" cy="0"/>
+        </a:xfrm>
+      </p:grpSpPr>
+      <p:sp>
+        <p:nvSpPr>
+          <p:cNvPr id="2" name="Tekstvak 1"/>
+          <p:cNvSpPr txBox="1"/>
           <p:nvPr/>
         </p:nvSpPr>
         <p:spPr>
           <a:xfrm>
-            <a:off x="0" y="471714"/>
-            <a:ext cx="3217333" cy="2382762"/>
+            <a:off x="1391478" y="1656522"/>
+            <a:ext cx="6493565" cy="3693319"/>
           </a:xfrm>
           <a:prstGeom prst="rect">
             <a:avLst/>
           </a:prstGeom>
-          <a:solidFill>
-            <a:schemeClr val="bg1"/>
-          </a:solidFill>
-          <a:ln w="6350" cmpd="sng">
-            <a:noFill/>
-            <a:prstDash val="lgDash"/>
-          </a:ln>
-          <a:effectLst/>
+          <a:noFill/>
         </p:spPr>
-        <p:style>
-          <a:lnRef idx="2">
-            <a:schemeClr val="accent1"/>
-          </a:lnRef>
-          <a:fillRef idx="0">
-            <a:schemeClr val="accent1"/>
-          </a:fillRef>
-          <a:effectRef idx="1">
-            <a:schemeClr val="accent1"/>
-          </a:effectRef>
-          <a:fontRef idx="minor">
-            <a:schemeClr val="tx1"/>
-          </a:fontRef>
-        </p:style>
-        <p:txBody>
-          <a:bodyPr rtlCol="0" anchor="ctr"/>
+        <p:txBody>
+          <a:bodyPr wrap="square" rtlCol="0">
+            <a:normAutofit lnSpcReduction="10000"/>
+          </a:bodyPr>
           <a:lstStyle/>
           <a:p>
             <a:pPr algn="ctr"/>
-            <a:endParaRPr lang="nl-NL"/>
+            <a:r>
+              <a:rPr lang="nl-NL" sz="2800" dirty="0" smtClean="0">
+                <a:solidFill>
+                  <a:srgbClr val="FF0000"/>
+                </a:solidFill>
+                <a:latin typeface="Century Gothic"/>
+                <a:cs typeface="Century Gothic"/>
+              </a:rPr>
+              <a:t>OPDRACHT</a:t>
+            </a:r>
+          </a:p>
+          <a:p>
+            <a:pPr algn="ctr"/>
+            <a:endParaRPr lang="nl-NL" dirty="0" smtClean="0">
+              <a:latin typeface="Century Gothic"/>
+              <a:cs typeface="Century Gothic"/>
+            </a:endParaRPr>
+          </a:p>
+          <a:p>
+            <a:pPr marL="285750" indent="-285750">
+              <a:buFont typeface="Arial"/>
+              <a:buChar char="•"/>
+            </a:pPr>
+            <a:r>
+              <a:rPr lang="nl-NL" dirty="0" smtClean="0">
+                <a:latin typeface="Century Gothic"/>
+                <a:cs typeface="Century Gothic"/>
+              </a:rPr>
+              <a:t>Maak een array </a:t>
+            </a:r>
+            <a:r>
+              <a:rPr lang="nl-NL" dirty="0" smtClean="0">
+                <a:latin typeface="Courier New"/>
+                <a:cs typeface="Courier New"/>
+              </a:rPr>
+              <a:t>Mercedes</a:t>
+            </a:r>
+            <a:r>
+              <a:rPr lang="nl-NL" dirty="0" smtClean="0">
+                <a:latin typeface="Century Gothic"/>
+                <a:cs typeface="Century Gothic"/>
+              </a:rPr>
+              <a:t> met daarin twee waarden op positie 0 de versie (a1) en op positie 1 de aanschafprijs (18.750)</a:t>
+            </a:r>
+          </a:p>
+          <a:p>
+            <a:pPr marL="285750" indent="-285750">
+              <a:buFont typeface="Arial"/>
+              <a:buChar char="•"/>
+            </a:pPr>
+            <a:endParaRPr lang="nl-NL" dirty="0">
+              <a:latin typeface="Century Gothic"/>
+              <a:cs typeface="Century Gothic"/>
+            </a:endParaRPr>
+          </a:p>
+          <a:p>
+            <a:pPr marL="285750" indent="-285750">
+              <a:buFont typeface="Arial"/>
+              <a:buChar char="•"/>
+            </a:pPr>
+            <a:r>
+              <a:rPr lang="nl-NL" dirty="0" smtClean="0">
+                <a:latin typeface="Century Gothic"/>
+                <a:cs typeface="Century Gothic"/>
+              </a:rPr>
+              <a:t>Voeg een </a:t>
+            </a:r>
+            <a:r>
+              <a:rPr lang="nl-NL" dirty="0" smtClean="0">
+                <a:latin typeface="Courier New"/>
+                <a:cs typeface="Courier New"/>
+              </a:rPr>
+              <a:t>Opel</a:t>
+            </a:r>
+            <a:r>
+              <a:rPr lang="nl-NL" dirty="0" smtClean="0">
+                <a:latin typeface="Century Gothic"/>
+                <a:cs typeface="Century Gothic"/>
+              </a:rPr>
+              <a:t> Adam toe met de prijs 13.450 en ook nog een </a:t>
+            </a:r>
+            <a:r>
+              <a:rPr lang="nl-NL" dirty="0" smtClean="0">
+                <a:latin typeface="Courier New"/>
+                <a:cs typeface="Courier New"/>
+              </a:rPr>
+              <a:t>Ford</a:t>
+            </a:r>
+            <a:r>
+              <a:rPr lang="nl-NL" dirty="0" smtClean="0">
+                <a:latin typeface="Century Gothic"/>
+                <a:cs typeface="Century Gothic"/>
+              </a:rPr>
+              <a:t> Focus van 23.000.</a:t>
+            </a:r>
+          </a:p>
+          <a:p>
+            <a:pPr marL="285750" indent="-285750">
+              <a:buFont typeface="Arial"/>
+              <a:buChar char="•"/>
+            </a:pPr>
+            <a:endParaRPr lang="nl-NL" dirty="0">
+              <a:latin typeface="Century Gothic"/>
+              <a:cs typeface="Century Gothic"/>
+            </a:endParaRPr>
+          </a:p>
+          <a:p>
+            <a:pPr marL="285750" indent="-285750">
+              <a:buFont typeface="Arial"/>
+              <a:buChar char="•"/>
+            </a:pPr>
+            <a:r>
+              <a:rPr lang="nl-NL" dirty="0" smtClean="0">
+                <a:latin typeface="Century Gothic"/>
+                <a:cs typeface="Century Gothic"/>
+              </a:rPr>
+              <a:t>Voeg de de array </a:t>
+            </a:r>
+            <a:r>
+              <a:rPr lang="nl-NL" dirty="0" smtClean="0">
+                <a:latin typeface="Courier New"/>
+                <a:cs typeface="Courier New"/>
+              </a:rPr>
+              <a:t>Mercedes</a:t>
+            </a:r>
+            <a:r>
+              <a:rPr lang="nl-NL" dirty="0" smtClean="0">
+                <a:latin typeface="Century Gothic"/>
+                <a:cs typeface="Century Gothic"/>
+              </a:rPr>
+              <a:t>, </a:t>
+            </a:r>
+            <a:r>
+              <a:rPr lang="nl-NL" dirty="0" smtClean="0">
+                <a:latin typeface="Courier New"/>
+                <a:cs typeface="Courier New"/>
+              </a:rPr>
+              <a:t>Opel</a:t>
+            </a:r>
+            <a:r>
+              <a:rPr lang="nl-NL" dirty="0" smtClean="0">
+                <a:latin typeface="Century Gothic"/>
+                <a:cs typeface="Century Gothic"/>
+              </a:rPr>
+              <a:t> en </a:t>
+            </a:r>
+            <a:r>
+              <a:rPr lang="nl-NL" dirty="0" smtClean="0">
+                <a:latin typeface="Courier New"/>
+                <a:cs typeface="Courier New"/>
+              </a:rPr>
+              <a:t>Ford</a:t>
+            </a:r>
+            <a:r>
+              <a:rPr lang="nl-NL" dirty="0" smtClean="0">
+                <a:latin typeface="Century Gothic"/>
+                <a:cs typeface="Century Gothic"/>
+              </a:rPr>
+              <a:t> toe aan een array </a:t>
+            </a:r>
+            <a:r>
+              <a:rPr lang="nl-NL" dirty="0" err="1" smtClean="0">
+                <a:latin typeface="Courier New"/>
+                <a:cs typeface="Courier New"/>
+              </a:rPr>
+              <a:t>autos</a:t>
+            </a:r>
+            <a:r>
+              <a:rPr lang="nl-NL" dirty="0" smtClean="0">
+                <a:latin typeface="Century Gothic"/>
+                <a:cs typeface="Century Gothic"/>
+              </a:rPr>
+              <a:t>.</a:t>
+            </a:r>
+          </a:p>
+          <a:p>
+            <a:pPr marL="285750" indent="-285750">
+              <a:buFont typeface="Arial"/>
+              <a:buChar char="•"/>
+            </a:pPr>
+            <a:endParaRPr lang="nl-NL" dirty="0">
+              <a:latin typeface="Century Gothic"/>
+              <a:cs typeface="Century Gothic"/>
+            </a:endParaRPr>
+          </a:p>
+          <a:p>
+            <a:pPr marL="285750" indent="-285750">
+              <a:buFont typeface="Arial"/>
+              <a:buChar char="•"/>
+            </a:pPr>
+            <a:r>
+              <a:rPr lang="nl-NL" dirty="0" smtClean="0">
+                <a:latin typeface="Century Gothic"/>
+                <a:cs typeface="Century Gothic"/>
+              </a:rPr>
+              <a:t>Maak een </a:t>
+            </a:r>
+            <a:r>
+              <a:rPr lang="nl-NL" dirty="0" err="1" smtClean="0">
+                <a:latin typeface="Century Gothic"/>
+                <a:cs typeface="Century Gothic"/>
+              </a:rPr>
+              <a:t>forloop</a:t>
+            </a:r>
+            <a:r>
+              <a:rPr lang="nl-NL" dirty="0" smtClean="0">
+                <a:latin typeface="Century Gothic"/>
+                <a:cs typeface="Century Gothic"/>
+              </a:rPr>
+              <a:t> om van alle 3 de auto’s de prijs naar de console te schrijven</a:t>
+            </a:r>
           </a:p>
         </p:txBody>
       </p:sp>
     </p:spTree>
     <p:extLst>
       <p:ext uri="{BB962C8B-B14F-4D97-AF65-F5344CB8AC3E}">
-        <p14:creationId xmlns="" xmlns:p14="http://schemas.microsoft.com/office/powerpoint/2010/main" val="514779248"/>
+        <p14:creationId xmlns="" xmlns:p14="http://schemas.microsoft.com/office/powerpoint/2010/main" val="1575269767"/>
       </p:ext>
     </p:extLst>
   </p:cSld>
@@ -5112,7 +5197,7 @@
 </p:sld>
 </file>
 
-<file path=ppt/slides/slide11.xml><?xml version="1.0" encoding="utf-8"?>
+<file path=ppt/slides/slide12.xml><?xml version="1.0" encoding="utf-8"?>
 <p:sld xmlns:a="http://schemas.openxmlformats.org/drawingml/2006/main" xmlns:r="http://schemas.openxmlformats.org/officeDocument/2006/relationships" xmlns:p="http://schemas.openxmlformats.org/presentationml/2006/main">
   <p:cSld>
     <p:bg>
@@ -5145,8 +5230,8 @@
         </p:nvSpPr>
         <p:spPr>
           <a:xfrm>
-            <a:off x="1682788" y="1844771"/>
-            <a:ext cx="6646371" cy="2123658"/>
+            <a:off x="2274619" y="3091198"/>
+            <a:ext cx="5178258" cy="1107996"/>
           </a:xfrm>
           <a:prstGeom prst="rect">
             <a:avLst/>
@@ -5167,19 +5252,7 @@
                 <a:latin typeface="Century Gothic"/>
                 <a:cs typeface="Century Gothic"/>
               </a:rPr>
-              <a:t>2-dimensionale </a:t>
-            </a:r>
-          </a:p>
-          <a:p>
-            <a:r>
-              <a:rPr lang="nl-NL" sz="6600" dirty="0" smtClean="0">
-                <a:solidFill>
-                  <a:schemeClr val="bg1"/>
-                </a:solidFill>
-                <a:latin typeface="Century Gothic"/>
-                <a:cs typeface="Century Gothic"/>
-              </a:rPr>
-              <a:t>array</a:t>
+              <a:t>VOORBEELD</a:t>
             </a:r>
             <a:endParaRPr lang="nl-NL" sz="6600" dirty="0">
               <a:solidFill>
@@ -5191,289 +5264,44 @@
           </a:p>
         </p:txBody>
       </p:sp>
-    </p:spTree>
-    <p:extLst>
-      <p:ext uri="{BB962C8B-B14F-4D97-AF65-F5344CB8AC3E}">
-        <p14:creationId xmlns="" xmlns:p14="http://schemas.microsoft.com/office/powerpoint/2010/main" val="305279122"/>
-      </p:ext>
-    </p:extLst>
-  </p:cSld>
-  <p:clrMapOvr>
-    <a:masterClrMapping/>
-  </p:clrMapOvr>
-  <p:timing>
-    <p:tnLst>
-      <p:par>
-        <p:cTn id="1" dur="indefinite" restart="never" nodeType="tmRoot"/>
-      </p:par>
-    </p:tnLst>
-  </p:timing>
-</p:sld>
-</file>
-
-<file path=ppt/slides/slide12.xml><?xml version="1.0" encoding="utf-8"?>
-<p:sld xmlns:a="http://schemas.openxmlformats.org/drawingml/2006/main" xmlns:r="http://schemas.openxmlformats.org/officeDocument/2006/relationships" xmlns:p="http://schemas.openxmlformats.org/presentationml/2006/main">
-  <p:cSld>
-    <p:spTree>
-      <p:nvGrpSpPr>
-        <p:cNvPr id="1" name=""/>
-        <p:cNvGrpSpPr/>
-        <p:nvPr/>
-      </p:nvGrpSpPr>
-      <p:grpSpPr>
-        <a:xfrm>
-          <a:off x="0" y="0"/>
-          <a:ext cx="0" cy="0"/>
-          <a:chOff x="0" y="0"/>
-          <a:chExt cx="0" cy="0"/>
-        </a:xfrm>
-      </p:grpSpPr>
-      <p:sp>
-        <p:nvSpPr>
-          <p:cNvPr id="2" name="Tekstvak 1"/>
+      <p:sp>
+        <p:nvSpPr>
+          <p:cNvPr id="3" name="Tekstvak 2"/>
           <p:cNvSpPr txBox="1"/>
           <p:nvPr/>
         </p:nvSpPr>
         <p:spPr>
-          <a:xfrm>
-            <a:off x="200643" y="999255"/>
-            <a:ext cx="8771488" cy="2616101"/>
+          <a:xfrm rot="19431109">
+            <a:off x="1790876" y="2906533"/>
+            <a:ext cx="1272216" cy="369332"/>
           </a:xfrm>
           <a:prstGeom prst="rect">
             <a:avLst/>
           </a:prstGeom>
           <a:solidFill>
-            <a:schemeClr val="bg1">
-              <a:lumMod val="85000"/>
-            </a:schemeClr>
+            <a:srgbClr val="CD2400"/>
           </a:solidFill>
+          <a:ln>
+            <a:noFill/>
+          </a:ln>
         </p:spPr>
         <p:txBody>
-          <a:bodyPr wrap="square" rtlCol="0">
+          <a:bodyPr wrap="none" rtlCol="0">
             <a:spAutoFit/>
           </a:bodyPr>
           <a:lstStyle/>
           <a:p>
             <a:r>
-              <a:rPr lang="nl-NL" b="1" dirty="0" smtClean="0">
-                <a:solidFill>
-                  <a:srgbClr val="CD2400"/>
-                </a:solidFill>
-                <a:latin typeface="Courier New"/>
-                <a:cs typeface="Courier New"/>
-              </a:rPr>
-              <a:t>//MULTI DIMENSIONALE ARRAYS</a:t>
-            </a:r>
-          </a:p>
-          <a:p>
-            <a:endParaRPr lang="nl-NL" dirty="0">
-              <a:latin typeface="Courier New"/>
-              <a:cs typeface="Courier New"/>
-            </a:endParaRPr>
-          </a:p>
-          <a:p>
-            <a:r>
-              <a:rPr lang="nl-NL" sz="1600" dirty="0">
-                <a:latin typeface="Courier New"/>
-                <a:cs typeface="Courier New"/>
-              </a:rPr>
-              <a:t>var </a:t>
-            </a:r>
-            <a:r>
-              <a:rPr lang="nl-NL" sz="1600" dirty="0" err="1">
-                <a:latin typeface="Courier New"/>
-                <a:cs typeface="Courier New"/>
-              </a:rPr>
-              <a:t>products</a:t>
-            </a:r>
-            <a:r>
-              <a:rPr lang="nl-NL" sz="1600" dirty="0">
-                <a:latin typeface="Courier New"/>
-                <a:cs typeface="Courier New"/>
-              </a:rPr>
-              <a:t> = </a:t>
-            </a:r>
-            <a:r>
-              <a:rPr lang="nl-NL" sz="1600" dirty="0" smtClean="0">
-                <a:latin typeface="Courier New"/>
-                <a:cs typeface="Courier New"/>
-              </a:rPr>
-              <a:t>[];</a:t>
-            </a:r>
-            <a:endParaRPr lang="nl-NL" sz="1600" dirty="0">
-              <a:latin typeface="Courier New"/>
-              <a:cs typeface="Courier New"/>
-            </a:endParaRPr>
-          </a:p>
-          <a:p>
-            <a:endParaRPr lang="nl-NL" sz="1600" dirty="0">
-              <a:latin typeface="Courier New"/>
-              <a:cs typeface="Courier New"/>
-            </a:endParaRPr>
-          </a:p>
-          <a:p>
-            <a:r>
-              <a:rPr lang="nl-NL" sz="1600" dirty="0">
-                <a:latin typeface="Courier New"/>
-                <a:cs typeface="Courier New"/>
-              </a:rPr>
-              <a:t>var kaas = </a:t>
-            </a:r>
-            <a:r>
-              <a:rPr lang="nl-NL" sz="1600" dirty="0" smtClean="0">
-                <a:latin typeface="Courier New"/>
-                <a:cs typeface="Courier New"/>
-              </a:rPr>
-              <a:t>['kaas</a:t>
-            </a:r>
-            <a:r>
-              <a:rPr lang="nl-NL" sz="1600" dirty="0">
-                <a:latin typeface="Courier New"/>
-                <a:cs typeface="Courier New"/>
-              </a:rPr>
-              <a:t>', </a:t>
-            </a:r>
-            <a:r>
-              <a:rPr lang="nl-NL" sz="1600" dirty="0" smtClean="0">
-                <a:latin typeface="Courier New"/>
-                <a:cs typeface="Courier New"/>
-              </a:rPr>
-              <a:t>1.89];</a:t>
-            </a:r>
-            <a:endParaRPr lang="nl-NL" sz="1600" dirty="0">
-              <a:latin typeface="Courier New"/>
-              <a:cs typeface="Courier New"/>
-            </a:endParaRPr>
-          </a:p>
-          <a:p>
-            <a:endParaRPr lang="nl-NL" sz="1600" dirty="0">
-              <a:latin typeface="Courier New"/>
-              <a:cs typeface="Courier New"/>
-            </a:endParaRPr>
-          </a:p>
-          <a:p>
-            <a:r>
-              <a:rPr lang="nl-NL" sz="1600" dirty="0" err="1">
-                <a:latin typeface="Courier New"/>
-                <a:cs typeface="Courier New"/>
-              </a:rPr>
-              <a:t>products.push</a:t>
-            </a:r>
-            <a:r>
-              <a:rPr lang="nl-NL" sz="1600" dirty="0">
-                <a:latin typeface="Courier New"/>
-                <a:cs typeface="Courier New"/>
-              </a:rPr>
-              <a:t>(kaas);</a:t>
-            </a:r>
-          </a:p>
-          <a:p>
-            <a:endParaRPr lang="nl-NL" sz="1600" dirty="0">
-              <a:latin typeface="Courier New"/>
-              <a:cs typeface="Courier New"/>
-            </a:endParaRPr>
-          </a:p>
-          <a:p>
-            <a:r>
-              <a:rPr lang="nl-NL" sz="1600" dirty="0" err="1">
-                <a:latin typeface="Courier New"/>
-                <a:cs typeface="Courier New"/>
-              </a:rPr>
-              <a:t>console.log</a:t>
-            </a:r>
-            <a:r>
-              <a:rPr lang="nl-NL" sz="1600" dirty="0">
-                <a:latin typeface="Courier New"/>
-                <a:cs typeface="Courier New"/>
-              </a:rPr>
-              <a:t>('De productnaam' + </a:t>
-            </a:r>
-            <a:r>
-              <a:rPr lang="nl-NL" sz="1600" dirty="0" err="1">
-                <a:latin typeface="Courier New"/>
-                <a:cs typeface="Courier New"/>
-              </a:rPr>
-              <a:t>products</a:t>
-            </a:r>
-            <a:r>
-              <a:rPr lang="nl-NL" sz="1600" dirty="0">
-                <a:latin typeface="Courier New"/>
-                <a:cs typeface="Courier New"/>
-              </a:rPr>
-              <a:t>[0][0]);</a:t>
-            </a:r>
-          </a:p>
-          <a:p>
-            <a:r>
-              <a:rPr lang="nl-NL" sz="1600" dirty="0" err="1">
-                <a:latin typeface="Courier New"/>
-                <a:cs typeface="Courier New"/>
-              </a:rPr>
-              <a:t>console.log</a:t>
-            </a:r>
-            <a:r>
-              <a:rPr lang="nl-NL" sz="1600" dirty="0">
-                <a:latin typeface="Courier New"/>
-                <a:cs typeface="Courier New"/>
-              </a:rPr>
-              <a:t>('De productprijs' + </a:t>
-            </a:r>
-            <a:r>
-              <a:rPr lang="nl-NL" sz="1600" dirty="0" err="1">
-                <a:latin typeface="Courier New"/>
-                <a:cs typeface="Courier New"/>
-              </a:rPr>
-              <a:t>products</a:t>
-            </a:r>
-            <a:r>
-              <a:rPr lang="nl-NL" sz="1600" dirty="0">
-                <a:latin typeface="Courier New"/>
-                <a:cs typeface="Courier New"/>
-              </a:rPr>
-              <a:t>[0][1]);</a:t>
-            </a:r>
-            <a:endParaRPr lang="nl-NL" sz="1600" dirty="0" smtClean="0">
-              <a:latin typeface="Courier New"/>
-              <a:cs typeface="Courier New"/>
-            </a:endParaRPr>
-          </a:p>
-        </p:txBody>
-      </p:sp>
-      <p:sp>
-        <p:nvSpPr>
-          <p:cNvPr id="7" name="Tekstvak 6"/>
-          <p:cNvSpPr txBox="1"/>
-          <p:nvPr/>
-        </p:nvSpPr>
-        <p:spPr>
-          <a:xfrm>
-            <a:off x="200644" y="228003"/>
-            <a:ext cx="652988" cy="584776"/>
-          </a:xfrm>
-          <a:prstGeom prst="rect">
-            <a:avLst/>
-          </a:prstGeom>
-          <a:solidFill>
-            <a:srgbClr val="1C88DA"/>
-          </a:solidFill>
-        </p:spPr>
-        <p:txBody>
-          <a:bodyPr wrap="square" rtlCol="0">
-            <a:spAutoFit/>
-          </a:bodyPr>
-          <a:lstStyle/>
-          <a:p>
-            <a:r>
-              <a:rPr lang="nl-NL" sz="3200" dirty="0" smtClean="0">
+              <a:rPr lang="nl-NL" dirty="0" smtClean="0">
                 <a:solidFill>
                   <a:schemeClr val="bg1"/>
                 </a:solidFill>
                 <a:latin typeface="Century Gothic"/>
                 <a:cs typeface="Century Gothic"/>
               </a:rPr>
-              <a:t>JS</a:t>
-            </a:r>
-            <a:endParaRPr lang="nl-NL" sz="3200" dirty="0">
+              <a:t>VERVOLG</a:t>
+            </a:r>
+            <a:endParaRPr lang="nl-NL" dirty="0">
               <a:solidFill>
                 <a:schemeClr val="bg1"/>
               </a:solidFill>
@@ -5483,400 +5311,10 @@
           </a:p>
         </p:txBody>
       </p:sp>
-      <p:sp>
-        <p:nvSpPr>
-          <p:cNvPr id="4" name="Tekstvak 3"/>
-          <p:cNvSpPr txBox="1"/>
-          <p:nvPr/>
-        </p:nvSpPr>
-        <p:spPr>
-          <a:xfrm>
-            <a:off x="874451" y="346276"/>
-            <a:ext cx="4425310" cy="369332"/>
-          </a:xfrm>
-          <a:prstGeom prst="rect">
-            <a:avLst/>
-          </a:prstGeom>
-          <a:noFill/>
-        </p:spPr>
-        <p:txBody>
-          <a:bodyPr wrap="none" rtlCol="0">
-            <a:spAutoFit/>
-          </a:bodyPr>
-          <a:lstStyle/>
-          <a:p>
-            <a:r>
-              <a:rPr lang="nl-NL" dirty="0">
-                <a:solidFill>
-                  <a:srgbClr val="000000"/>
-                </a:solidFill>
-                <a:latin typeface="Century Gothic"/>
-                <a:cs typeface="Century Gothic"/>
-              </a:rPr>
-              <a:t>6.oefening</a:t>
-            </a:r>
-            <a:r>
-              <a:rPr lang="nl-NL" dirty="0" smtClean="0">
-                <a:solidFill>
-                  <a:srgbClr val="000000"/>
-                </a:solidFill>
-                <a:latin typeface="Century Gothic"/>
-                <a:cs typeface="Century Gothic"/>
-              </a:rPr>
-              <a:t>-multidimensionale-arrays.js</a:t>
-            </a:r>
-            <a:endParaRPr lang="nl-NL" dirty="0">
-              <a:solidFill>
-                <a:srgbClr val="000000"/>
-              </a:solidFill>
-              <a:latin typeface="Century Gothic"/>
-              <a:cs typeface="Century Gothic"/>
-            </a:endParaRPr>
-          </a:p>
-        </p:txBody>
-      </p:sp>
-      <p:sp>
-        <p:nvSpPr>
-          <p:cNvPr id="3" name="Tekstvak 2"/>
-          <p:cNvSpPr txBox="1"/>
-          <p:nvPr/>
-        </p:nvSpPr>
-        <p:spPr>
-          <a:xfrm>
-            <a:off x="200644" y="4601499"/>
-            <a:ext cx="956812" cy="307777"/>
-          </a:xfrm>
-          <a:prstGeom prst="rect">
-            <a:avLst/>
-          </a:prstGeom>
-          <a:noFill/>
-        </p:spPr>
-        <p:txBody>
-          <a:bodyPr wrap="none" rtlCol="0">
-            <a:spAutoFit/>
-          </a:bodyPr>
-          <a:lstStyle/>
-          <a:p>
-            <a:r>
-              <a:rPr lang="nl-NL" sz="1400" dirty="0" err="1" smtClean="0">
-                <a:latin typeface="Century Gothic"/>
-                <a:cs typeface="Century Gothic"/>
-              </a:rPr>
-              <a:t>products</a:t>
-            </a:r>
-            <a:endParaRPr lang="nl-NL" sz="1400" dirty="0">
-              <a:latin typeface="Century Gothic"/>
-              <a:cs typeface="Century Gothic"/>
-            </a:endParaRPr>
-          </a:p>
-        </p:txBody>
-      </p:sp>
-      <p:sp>
-        <p:nvSpPr>
-          <p:cNvPr id="6" name="Rechthoek 5"/>
-          <p:cNvSpPr/>
-          <p:nvPr/>
-        </p:nvSpPr>
-        <p:spPr>
-          <a:xfrm>
-            <a:off x="1383564" y="4143429"/>
-            <a:ext cx="2613927" cy="1395023"/>
-          </a:xfrm>
-          <a:prstGeom prst="rect">
-            <a:avLst/>
-          </a:prstGeom>
-          <a:ln w="12700" cmpd="sng">
-            <a:solidFill>
-              <a:srgbClr val="1C88DA"/>
-            </a:solidFill>
-            <a:prstDash val="solid"/>
-          </a:ln>
-          <a:effectLst/>
-        </p:spPr>
-        <p:style>
-          <a:lnRef idx="2">
-            <a:schemeClr val="accent1"/>
-          </a:lnRef>
-          <a:fillRef idx="0">
-            <a:schemeClr val="accent1"/>
-          </a:fillRef>
-          <a:effectRef idx="1">
-            <a:schemeClr val="accent1"/>
-          </a:effectRef>
-          <a:fontRef idx="minor">
-            <a:schemeClr val="tx1"/>
-          </a:fontRef>
-        </p:style>
-        <p:txBody>
-          <a:bodyPr rtlCol="0" anchor="ctr"/>
-          <a:lstStyle/>
-          <a:p>
-            <a:pPr algn="ctr"/>
-            <a:endParaRPr lang="nl-NL" sz="1400">
-              <a:latin typeface="Century Gothic"/>
-              <a:cs typeface="Century Gothic"/>
-            </a:endParaRPr>
-          </a:p>
-        </p:txBody>
-      </p:sp>
-      <p:sp>
-        <p:nvSpPr>
-          <p:cNvPr id="9" name="Tekstvak 8"/>
-          <p:cNvSpPr txBox="1"/>
-          <p:nvPr/>
-        </p:nvSpPr>
-        <p:spPr>
-          <a:xfrm>
-            <a:off x="2415151" y="5611327"/>
-            <a:ext cx="284165" cy="307777"/>
-          </a:xfrm>
-          <a:prstGeom prst="rect">
-            <a:avLst/>
-          </a:prstGeom>
-          <a:noFill/>
-        </p:spPr>
-        <p:txBody>
-          <a:bodyPr wrap="none" rtlCol="0">
-            <a:spAutoFit/>
-          </a:bodyPr>
-          <a:lstStyle/>
-          <a:p>
-            <a:r>
-              <a:rPr lang="nl-NL" sz="1400" dirty="0" smtClean="0">
-                <a:latin typeface="Century Gothic"/>
-                <a:cs typeface="Century Gothic"/>
-              </a:rPr>
-              <a:t>0</a:t>
-            </a:r>
-            <a:endParaRPr lang="nl-NL" sz="1400" dirty="0">
-              <a:latin typeface="Century Gothic"/>
-              <a:cs typeface="Century Gothic"/>
-            </a:endParaRPr>
-          </a:p>
-        </p:txBody>
-      </p:sp>
-      <p:sp>
-        <p:nvSpPr>
-          <p:cNvPr id="10" name="Tekstvak 9"/>
-          <p:cNvSpPr txBox="1"/>
-          <p:nvPr/>
-        </p:nvSpPr>
-        <p:spPr>
-          <a:xfrm>
-            <a:off x="1512236" y="4601499"/>
-            <a:ext cx="589762" cy="307777"/>
-          </a:xfrm>
-          <a:prstGeom prst="rect">
-            <a:avLst/>
-          </a:prstGeom>
-          <a:noFill/>
-        </p:spPr>
-        <p:txBody>
-          <a:bodyPr wrap="none" rtlCol="0">
-            <a:spAutoFit/>
-          </a:bodyPr>
-          <a:lstStyle/>
-          <a:p>
-            <a:r>
-              <a:rPr lang="nl-NL" sz="1400" dirty="0" smtClean="0">
-                <a:latin typeface="Century Gothic"/>
-                <a:cs typeface="Century Gothic"/>
-              </a:rPr>
-              <a:t>kaas</a:t>
-            </a:r>
-            <a:endParaRPr lang="nl-NL" sz="1400" dirty="0">
-              <a:latin typeface="Century Gothic"/>
-              <a:cs typeface="Century Gothic"/>
-            </a:endParaRPr>
-          </a:p>
-        </p:txBody>
-      </p:sp>
-      <p:sp>
-        <p:nvSpPr>
-          <p:cNvPr id="11" name="Rechthoek 10"/>
-          <p:cNvSpPr/>
-          <p:nvPr/>
-        </p:nvSpPr>
-        <p:spPr>
-          <a:xfrm>
-            <a:off x="2204233" y="4483221"/>
-            <a:ext cx="707888" cy="614227"/>
-          </a:xfrm>
-          <a:prstGeom prst="rect">
-            <a:avLst/>
-          </a:prstGeom>
-          <a:ln w="12700" cmpd="sng">
-            <a:solidFill>
-              <a:srgbClr val="1C88DA"/>
-            </a:solidFill>
-            <a:prstDash val="solid"/>
-          </a:ln>
-          <a:effectLst/>
-        </p:spPr>
-        <p:style>
-          <a:lnRef idx="2">
-            <a:schemeClr val="accent1"/>
-          </a:lnRef>
-          <a:fillRef idx="0">
-            <a:schemeClr val="accent1"/>
-          </a:fillRef>
-          <a:effectRef idx="1">
-            <a:schemeClr val="accent1"/>
-          </a:effectRef>
-          <a:fontRef idx="minor">
-            <a:schemeClr val="tx1"/>
-          </a:fontRef>
-        </p:style>
-        <p:txBody>
-          <a:bodyPr rtlCol="0" anchor="ctr"/>
-          <a:lstStyle/>
-          <a:p>
-            <a:pPr algn="ctr"/>
-            <a:r>
-              <a:rPr lang="nl-NL" sz="1400" dirty="0" smtClean="0">
-                <a:latin typeface="Century Gothic"/>
-                <a:cs typeface="Century Gothic"/>
-              </a:rPr>
-              <a:t>‘kaas’</a:t>
-            </a:r>
-            <a:endParaRPr lang="nl-NL" sz="1400" dirty="0">
-              <a:latin typeface="Century Gothic"/>
-              <a:cs typeface="Century Gothic"/>
-            </a:endParaRPr>
-          </a:p>
-        </p:txBody>
-      </p:sp>
-      <p:sp>
-        <p:nvSpPr>
-          <p:cNvPr id="13" name="Rechthoek 12"/>
-          <p:cNvSpPr/>
-          <p:nvPr/>
-        </p:nvSpPr>
-        <p:spPr>
-          <a:xfrm>
-            <a:off x="3088057" y="4483221"/>
-            <a:ext cx="707888" cy="614227"/>
-          </a:xfrm>
-          <a:prstGeom prst="rect">
-            <a:avLst/>
-          </a:prstGeom>
-          <a:ln w="12700" cmpd="sng">
-            <a:solidFill>
-              <a:srgbClr val="1C88DA"/>
-            </a:solidFill>
-            <a:prstDash val="solid"/>
-          </a:ln>
-          <a:effectLst/>
-        </p:spPr>
-        <p:style>
-          <a:lnRef idx="2">
-            <a:schemeClr val="accent1"/>
-          </a:lnRef>
-          <a:fillRef idx="0">
-            <a:schemeClr val="accent1"/>
-          </a:fillRef>
-          <a:effectRef idx="1">
-            <a:schemeClr val="accent1"/>
-          </a:effectRef>
-          <a:fontRef idx="minor">
-            <a:schemeClr val="tx1"/>
-          </a:fontRef>
-        </p:style>
-        <p:txBody>
-          <a:bodyPr rtlCol="0" anchor="ctr"/>
-          <a:lstStyle/>
-          <a:p>
-            <a:pPr algn="ctr"/>
-            <a:r>
-              <a:rPr lang="nl-NL" sz="1400" dirty="0" smtClean="0">
-                <a:latin typeface="Century Gothic"/>
-                <a:cs typeface="Century Gothic"/>
-              </a:rPr>
-              <a:t>1.89</a:t>
-            </a:r>
-            <a:endParaRPr lang="nl-NL" sz="1400" dirty="0">
-              <a:latin typeface="Century Gothic"/>
-              <a:cs typeface="Century Gothic"/>
-            </a:endParaRPr>
-          </a:p>
-        </p:txBody>
-      </p:sp>
-      <p:sp>
-        <p:nvSpPr>
-          <p:cNvPr id="14" name="Tekstvak 13"/>
-          <p:cNvSpPr txBox="1"/>
-          <p:nvPr/>
-        </p:nvSpPr>
-        <p:spPr>
-          <a:xfrm>
-            <a:off x="2415151" y="5097448"/>
-            <a:ext cx="284165" cy="307777"/>
-          </a:xfrm>
-          <a:prstGeom prst="rect">
-            <a:avLst/>
-          </a:prstGeom>
-          <a:noFill/>
-        </p:spPr>
-        <p:txBody>
-          <a:bodyPr wrap="none" rtlCol="0">
-            <a:spAutoFit/>
-          </a:bodyPr>
-          <a:lstStyle/>
-          <a:p>
-            <a:r>
-              <a:rPr lang="nl-NL" sz="1400" dirty="0" smtClean="0">
-                <a:latin typeface="Century Gothic"/>
-                <a:cs typeface="Century Gothic"/>
-              </a:rPr>
-              <a:t>0</a:t>
-            </a:r>
-            <a:endParaRPr lang="nl-NL" sz="1400" dirty="0">
-              <a:latin typeface="Century Gothic"/>
-              <a:cs typeface="Century Gothic"/>
-            </a:endParaRPr>
-          </a:p>
-        </p:txBody>
-      </p:sp>
-      <p:sp>
-        <p:nvSpPr>
-          <p:cNvPr id="15" name="Tekstvak 14"/>
-          <p:cNvSpPr txBox="1"/>
-          <p:nvPr/>
-        </p:nvSpPr>
-        <p:spPr>
-          <a:xfrm>
-            <a:off x="3284514" y="5097448"/>
-            <a:ext cx="284165" cy="307777"/>
-          </a:xfrm>
-          <a:prstGeom prst="rect">
-            <a:avLst/>
-          </a:prstGeom>
-          <a:noFill/>
-        </p:spPr>
-        <p:txBody>
-          <a:bodyPr wrap="none" rtlCol="0">
-            <a:spAutoFit/>
-          </a:bodyPr>
-          <a:lstStyle/>
-          <a:p>
-            <a:r>
-              <a:rPr lang="nl-NL" sz="1400" dirty="0" smtClean="0">
-                <a:latin typeface="Century Gothic"/>
-                <a:cs typeface="Century Gothic"/>
-              </a:rPr>
-              <a:t>1</a:t>
-            </a:r>
-            <a:endParaRPr lang="nl-NL" sz="1400" dirty="0">
-              <a:latin typeface="Century Gothic"/>
-              <a:cs typeface="Century Gothic"/>
-            </a:endParaRPr>
-          </a:p>
-        </p:txBody>
-      </p:sp>
     </p:spTree>
     <p:extLst>
       <p:ext uri="{BB962C8B-B14F-4D97-AF65-F5344CB8AC3E}">
-        <p14:creationId xmlns="" xmlns:p14="http://schemas.microsoft.com/office/powerpoint/2010/main" val="4227310980"/>
+        <p14:creationId xmlns="" xmlns:p14="http://schemas.microsoft.com/office/powerpoint/2010/main" val="2965063915"/>
       </p:ext>
     </p:extLst>
   </p:cSld>
@@ -5912,14 +5350,130 @@
       </p:grpSpPr>
       <p:sp>
         <p:nvSpPr>
-          <p:cNvPr id="2" name="Tekstvak 1"/>
+          <p:cNvPr id="2" name="Rechthoek 1"/>
+          <p:cNvSpPr/>
+          <p:nvPr/>
+        </p:nvSpPr>
+        <p:spPr>
+          <a:xfrm>
+            <a:off x="2649273" y="1778999"/>
+            <a:ext cx="3277394" cy="635048"/>
+          </a:xfrm>
+          <a:prstGeom prst="rect">
+            <a:avLst/>
+          </a:prstGeom>
+          <a:ln w="6350" cmpd="sng">
+            <a:solidFill>
+              <a:schemeClr val="tx1"/>
+            </a:solidFill>
+            <a:prstDash val="lgDash"/>
+          </a:ln>
+          <a:effectLst/>
+        </p:spPr>
+        <p:style>
+          <a:lnRef idx="2">
+            <a:schemeClr val="accent1"/>
+          </a:lnRef>
+          <a:fillRef idx="0">
+            <a:schemeClr val="accent1"/>
+          </a:fillRef>
+          <a:effectRef idx="1">
+            <a:schemeClr val="accent1"/>
+          </a:effectRef>
+          <a:fontRef idx="minor">
+            <a:schemeClr val="tx1"/>
+          </a:fontRef>
+        </p:style>
+        <p:txBody>
+          <a:bodyPr rtlCol="0" anchor="ctr"/>
+          <a:lstStyle/>
+          <a:p>
+            <a:r>
+              <a:rPr lang="nl-NL" dirty="0" smtClean="0">
+                <a:solidFill>
+                  <a:schemeClr val="bg1">
+                    <a:lumMod val="75000"/>
+                  </a:schemeClr>
+                </a:solidFill>
+              </a:rPr>
+              <a:t>item</a:t>
+            </a:r>
+            <a:endParaRPr lang="nl-NL" dirty="0">
+              <a:solidFill>
+                <a:schemeClr val="bg1">
+                  <a:lumMod val="75000"/>
+                </a:schemeClr>
+              </a:solidFill>
+            </a:endParaRPr>
+          </a:p>
+        </p:txBody>
+      </p:sp>
+      <p:sp>
+        <p:nvSpPr>
+          <p:cNvPr id="3" name="Rechthoek 2"/>
+          <p:cNvSpPr/>
+          <p:nvPr/>
+        </p:nvSpPr>
+        <p:spPr>
+          <a:xfrm>
+            <a:off x="2649273" y="2527882"/>
+            <a:ext cx="3277394" cy="635048"/>
+          </a:xfrm>
+          <a:prstGeom prst="rect">
+            <a:avLst/>
+          </a:prstGeom>
+          <a:ln w="6350" cmpd="sng">
+            <a:solidFill>
+              <a:schemeClr val="tx1"/>
+            </a:solidFill>
+            <a:prstDash val="lgDash"/>
+          </a:ln>
+          <a:effectLst/>
+        </p:spPr>
+        <p:style>
+          <a:lnRef idx="2">
+            <a:schemeClr val="accent1"/>
+          </a:lnRef>
+          <a:fillRef idx="0">
+            <a:schemeClr val="accent1"/>
+          </a:fillRef>
+          <a:effectRef idx="1">
+            <a:schemeClr val="accent1"/>
+          </a:effectRef>
+          <a:fontRef idx="minor">
+            <a:schemeClr val="tx1"/>
+          </a:fontRef>
+        </p:style>
+        <p:txBody>
+          <a:bodyPr rtlCol="0" anchor="ctr"/>
+          <a:lstStyle/>
+          <a:p>
+            <a:r>
+              <a:rPr lang="nl-NL" dirty="0" smtClean="0">
+                <a:solidFill>
+                  <a:srgbClr val="FF0000"/>
+                </a:solidFill>
+              </a:rPr>
+              <a:t>datum</a:t>
+            </a:r>
+            <a:endParaRPr lang="nl-NL" dirty="0">
+              <a:solidFill>
+                <a:srgbClr val="FF0000"/>
+              </a:solidFill>
+            </a:endParaRPr>
+          </a:p>
+        </p:txBody>
+      </p:sp>
+      <p:sp>
+        <p:nvSpPr>
+          <p:cNvPr id="4" name="Tekstvak 3"/>
           <p:cNvSpPr txBox="1"/>
           <p:nvPr/>
         </p:nvSpPr>
         <p:spPr>
           <a:xfrm>
-            <a:off x="1391478" y="1656522"/>
-            <a:ext cx="6493565" cy="3693319"/>
+            <a:off x="2649273" y="1093172"/>
+            <a:ext cx="2690510" cy="461665"/>
           </a:xfrm>
           <a:prstGeom prst="rect">
             <a:avLst/>
@@ -5927,250 +5481,255 @@
           <a:noFill/>
         </p:spPr>
         <p:txBody>
+          <a:bodyPr wrap="none" rtlCol="0">
+            <a:spAutoFit/>
+          </a:bodyPr>
+          <a:lstStyle/>
+          <a:p>
+            <a:r>
+              <a:rPr lang="nl-NL" sz="2400" b="1" dirty="0" err="1" smtClean="0">
+                <a:latin typeface="Century Gothic"/>
+                <a:cs typeface="Century Gothic"/>
+              </a:rPr>
+              <a:t>What</a:t>
+            </a:r>
+            <a:r>
+              <a:rPr lang="nl-NL" sz="2400" b="1" dirty="0" smtClean="0">
+                <a:latin typeface="Century Gothic"/>
+                <a:cs typeface="Century Gothic"/>
+              </a:rPr>
+              <a:t> </a:t>
+            </a:r>
+            <a:r>
+              <a:rPr lang="nl-NL" sz="2400" b="1" dirty="0" err="1" smtClean="0">
+                <a:latin typeface="Century Gothic"/>
+                <a:cs typeface="Century Gothic"/>
+              </a:rPr>
+              <a:t>todo</a:t>
+            </a:r>
+            <a:r>
+              <a:rPr lang="nl-NL" sz="2400" b="1" dirty="0" smtClean="0">
+                <a:latin typeface="Century Gothic"/>
+                <a:cs typeface="Century Gothic"/>
+              </a:rPr>
+              <a:t> </a:t>
+            </a:r>
+            <a:r>
+              <a:rPr lang="nl-NL" sz="2400" b="1" dirty="0" err="1" smtClean="0">
+                <a:latin typeface="Century Gothic"/>
+                <a:cs typeface="Century Gothic"/>
+              </a:rPr>
+              <a:t>today</a:t>
+            </a:r>
+            <a:endParaRPr lang="nl-NL" sz="2400" b="1" dirty="0">
+              <a:latin typeface="Century Gothic"/>
+              <a:cs typeface="Century Gothic"/>
+            </a:endParaRPr>
+          </a:p>
+        </p:txBody>
+      </p:sp>
+      <p:sp>
+        <p:nvSpPr>
+          <p:cNvPr id="6" name="Tekstvak 5"/>
+          <p:cNvSpPr txBox="1"/>
+          <p:nvPr/>
+        </p:nvSpPr>
+        <p:spPr>
+          <a:xfrm>
+            <a:off x="2649273" y="3721301"/>
+            <a:ext cx="4736610" cy="923330"/>
+          </a:xfrm>
+          <a:prstGeom prst="rect">
+            <a:avLst/>
+          </a:prstGeom>
+          <a:noFill/>
+        </p:spPr>
+        <p:txBody>
           <a:bodyPr wrap="square" rtlCol="0">
-            <a:normAutofit lnSpcReduction="10000"/>
+            <a:spAutoFit/>
           </a:bodyPr>
           <a:lstStyle/>
           <a:p>
+            <a:r>
+              <a:rPr lang="nl-NL" dirty="0" smtClean="0"/>
+              <a:t>Reading the syllabus			2 okt 2013</a:t>
+            </a:r>
+            <a:endParaRPr lang="nl-NL" dirty="0" smtClean="0">
+              <a:solidFill>
+                <a:schemeClr val="tx2">
+                  <a:lumMod val="40000"/>
+                  <a:lumOff val="60000"/>
+                </a:schemeClr>
+              </a:solidFill>
+            </a:endParaRPr>
+          </a:p>
+          <a:p>
+            <a:r>
+              <a:rPr lang="nl-NL" dirty="0" smtClean="0"/>
+              <a:t>Clean </a:t>
+            </a:r>
+            <a:r>
+              <a:rPr lang="nl-NL" dirty="0" err="1" smtClean="0"/>
+              <a:t>my</a:t>
+            </a:r>
+            <a:r>
+              <a:rPr lang="nl-NL" dirty="0" smtClean="0"/>
+              <a:t> room				</a:t>
+            </a:r>
+            <a:r>
+              <a:rPr lang="nl-NL" dirty="0"/>
+              <a:t>2 okt </a:t>
+            </a:r>
+            <a:r>
+              <a:rPr lang="nl-NL" dirty="0" smtClean="0"/>
+              <a:t>2013</a:t>
+            </a:r>
+            <a:endParaRPr lang="nl-NL" dirty="0"/>
+          </a:p>
+          <a:p>
+            <a:r>
+              <a:rPr lang="nl-NL" dirty="0" err="1" smtClean="0"/>
+              <a:t>Buy</a:t>
+            </a:r>
+            <a:r>
+              <a:rPr lang="nl-NL" dirty="0" smtClean="0"/>
+              <a:t> a card					</a:t>
+            </a:r>
+            <a:r>
+              <a:rPr lang="nl-NL" dirty="0"/>
+              <a:t>2 okt </a:t>
+            </a:r>
+            <a:r>
+              <a:rPr lang="nl-NL" dirty="0" smtClean="0"/>
+              <a:t>2013</a:t>
+            </a:r>
+            <a:endParaRPr lang="nl-NL" dirty="0" smtClean="0">
+              <a:solidFill>
+                <a:srgbClr val="8EB4E3"/>
+              </a:solidFill>
+            </a:endParaRPr>
+          </a:p>
+        </p:txBody>
+      </p:sp>
+      <p:sp>
+        <p:nvSpPr>
+          <p:cNvPr id="9" name="Rechthoek 8"/>
+          <p:cNvSpPr/>
+          <p:nvPr/>
+        </p:nvSpPr>
+        <p:spPr>
+          <a:xfrm>
+            <a:off x="6074207" y="2527882"/>
+            <a:ext cx="655838" cy="635048"/>
+          </a:xfrm>
+          <a:prstGeom prst="rect">
+            <a:avLst/>
+          </a:prstGeom>
+          <a:solidFill>
+            <a:srgbClr val="1C88DA"/>
+          </a:solidFill>
+          <a:ln w="6350" cmpd="sng">
+            <a:noFill/>
+            <a:prstDash val="solid"/>
+          </a:ln>
+          <a:effectLst/>
+        </p:spPr>
+        <p:style>
+          <a:lnRef idx="2">
+            <a:schemeClr val="accent1"/>
+          </a:lnRef>
+          <a:fillRef idx="0">
+            <a:schemeClr val="accent1"/>
+          </a:fillRef>
+          <a:effectRef idx="1">
+            <a:schemeClr val="accent1"/>
+          </a:effectRef>
+          <a:fontRef idx="minor">
+            <a:schemeClr val="tx1"/>
+          </a:fontRef>
+        </p:style>
+        <p:txBody>
+          <a:bodyPr rtlCol="0" anchor="ctr"/>
+          <a:lstStyle/>
+          <a:p>
             <a:pPr algn="ctr"/>
             <a:r>
-              <a:rPr lang="nl-NL" sz="2800" dirty="0" smtClean="0">
+              <a:rPr lang="nl-NL" dirty="0" err="1" smtClean="0">
+                <a:solidFill>
+                  <a:schemeClr val="bg1"/>
+                </a:solidFill>
+              </a:rPr>
+              <a:t>add</a:t>
+            </a:r>
+            <a:endParaRPr lang="nl-NL" dirty="0">
+              <a:solidFill>
+                <a:schemeClr val="bg1"/>
+              </a:solidFill>
+            </a:endParaRPr>
+          </a:p>
+        </p:txBody>
+      </p:sp>
+      <p:sp>
+        <p:nvSpPr>
+          <p:cNvPr id="13" name="Tekstvak 12"/>
+          <p:cNvSpPr txBox="1"/>
+          <p:nvPr/>
+        </p:nvSpPr>
+        <p:spPr>
+          <a:xfrm>
+            <a:off x="2649273" y="673426"/>
+            <a:ext cx="4736609" cy="369332"/>
+          </a:xfrm>
+          <a:prstGeom prst="rect">
+            <a:avLst/>
+          </a:prstGeom>
+          <a:noFill/>
+        </p:spPr>
+        <p:txBody>
+          <a:bodyPr wrap="square" rtlCol="0">
+            <a:spAutoFit/>
+          </a:bodyPr>
+          <a:lstStyle/>
+          <a:p>
+            <a:r>
+              <a:rPr lang="nl-NL" dirty="0" smtClean="0">
                 <a:solidFill>
                   <a:srgbClr val="FF0000"/>
                 </a:solidFill>
-                <a:latin typeface="Century Gothic"/>
-                <a:cs typeface="Century Gothic"/>
-              </a:rPr>
-              <a:t>OPDRACHT</a:t>
-            </a:r>
-          </a:p>
-          <a:p>
-            <a:pPr algn="ctr"/>
-            <a:endParaRPr lang="nl-NL" dirty="0" smtClean="0">
-              <a:latin typeface="Century Gothic"/>
-              <a:cs typeface="Century Gothic"/>
+              </a:rPr>
+              <a:t>Melding: vul uw datum in</a:t>
+            </a:r>
+            <a:endParaRPr lang="nl-NL" dirty="0">
+              <a:solidFill>
+                <a:srgbClr val="FF0000"/>
+              </a:solidFill>
             </a:endParaRPr>
-          </a:p>
-          <a:p>
-            <a:pPr marL="285750" indent="-285750">
-              <a:buFont typeface="Arial"/>
-              <a:buChar char="•"/>
-            </a:pPr>
-            <a:r>
-              <a:rPr lang="nl-NL" dirty="0" smtClean="0">
-                <a:latin typeface="Century Gothic"/>
-                <a:cs typeface="Century Gothic"/>
-              </a:rPr>
-              <a:t>Maak een array </a:t>
-            </a:r>
-            <a:r>
-              <a:rPr lang="nl-NL" dirty="0" smtClean="0">
-                <a:latin typeface="Courier New"/>
-                <a:cs typeface="Courier New"/>
-              </a:rPr>
-              <a:t>Mercedes</a:t>
-            </a:r>
-            <a:r>
-              <a:rPr lang="nl-NL" dirty="0" smtClean="0">
-                <a:latin typeface="Century Gothic"/>
-                <a:cs typeface="Century Gothic"/>
-              </a:rPr>
-              <a:t> met daarin twee waarden op positie 0 de versie (a1) en op positie 1 de aanschafprijs (18.750)</a:t>
-            </a:r>
-          </a:p>
-          <a:p>
-            <a:pPr marL="285750" indent="-285750">
-              <a:buFont typeface="Arial"/>
-              <a:buChar char="•"/>
-            </a:pPr>
-            <a:endParaRPr lang="nl-NL" dirty="0">
-              <a:latin typeface="Century Gothic"/>
-              <a:cs typeface="Century Gothic"/>
-            </a:endParaRPr>
-          </a:p>
-          <a:p>
-            <a:pPr marL="285750" indent="-285750">
-              <a:buFont typeface="Arial"/>
-              <a:buChar char="•"/>
-            </a:pPr>
-            <a:r>
-              <a:rPr lang="nl-NL" dirty="0" smtClean="0">
-                <a:latin typeface="Century Gothic"/>
-                <a:cs typeface="Century Gothic"/>
-              </a:rPr>
-              <a:t>Voeg een </a:t>
-            </a:r>
-            <a:r>
-              <a:rPr lang="nl-NL" dirty="0" smtClean="0">
-                <a:latin typeface="Courier New"/>
-                <a:cs typeface="Courier New"/>
-              </a:rPr>
-              <a:t>Opel</a:t>
-            </a:r>
-            <a:r>
-              <a:rPr lang="nl-NL" dirty="0" smtClean="0">
-                <a:latin typeface="Century Gothic"/>
-                <a:cs typeface="Century Gothic"/>
-              </a:rPr>
-              <a:t> Adam toe met de prijs 13.450 en ook nog een </a:t>
-            </a:r>
-            <a:r>
-              <a:rPr lang="nl-NL" dirty="0" smtClean="0">
-                <a:latin typeface="Courier New"/>
-                <a:cs typeface="Courier New"/>
-              </a:rPr>
-              <a:t>Ford</a:t>
-            </a:r>
-            <a:r>
-              <a:rPr lang="nl-NL" dirty="0" smtClean="0">
-                <a:latin typeface="Century Gothic"/>
-                <a:cs typeface="Century Gothic"/>
-              </a:rPr>
-              <a:t> Focus van 23.000.</a:t>
-            </a:r>
-          </a:p>
-          <a:p>
-            <a:pPr marL="285750" indent="-285750">
-              <a:buFont typeface="Arial"/>
-              <a:buChar char="•"/>
-            </a:pPr>
-            <a:endParaRPr lang="nl-NL" dirty="0">
-              <a:latin typeface="Century Gothic"/>
-              <a:cs typeface="Century Gothic"/>
-            </a:endParaRPr>
-          </a:p>
-          <a:p>
-            <a:pPr marL="285750" indent="-285750">
-              <a:buFont typeface="Arial"/>
-              <a:buChar char="•"/>
-            </a:pPr>
-            <a:r>
-              <a:rPr lang="nl-NL" dirty="0" smtClean="0">
-                <a:latin typeface="Century Gothic"/>
-                <a:cs typeface="Century Gothic"/>
-              </a:rPr>
-              <a:t>Voeg de de array </a:t>
-            </a:r>
-            <a:r>
-              <a:rPr lang="nl-NL" dirty="0" smtClean="0">
-                <a:latin typeface="Courier New"/>
-                <a:cs typeface="Courier New"/>
-              </a:rPr>
-              <a:t>Mercedes</a:t>
-            </a:r>
-            <a:r>
-              <a:rPr lang="nl-NL" dirty="0" smtClean="0">
-                <a:latin typeface="Century Gothic"/>
-                <a:cs typeface="Century Gothic"/>
-              </a:rPr>
-              <a:t>, </a:t>
-            </a:r>
-            <a:r>
-              <a:rPr lang="nl-NL" dirty="0" smtClean="0">
-                <a:latin typeface="Courier New"/>
-                <a:cs typeface="Courier New"/>
-              </a:rPr>
-              <a:t>Opel</a:t>
-            </a:r>
-            <a:r>
-              <a:rPr lang="nl-NL" dirty="0" smtClean="0">
-                <a:latin typeface="Century Gothic"/>
-                <a:cs typeface="Century Gothic"/>
-              </a:rPr>
-              <a:t> en </a:t>
-            </a:r>
-            <a:r>
-              <a:rPr lang="nl-NL" dirty="0" smtClean="0">
-                <a:latin typeface="Courier New"/>
-                <a:cs typeface="Courier New"/>
-              </a:rPr>
-              <a:t>Ford</a:t>
-            </a:r>
-            <a:r>
-              <a:rPr lang="nl-NL" dirty="0" smtClean="0">
-                <a:latin typeface="Century Gothic"/>
-                <a:cs typeface="Century Gothic"/>
-              </a:rPr>
-              <a:t> toe aan een array </a:t>
-            </a:r>
-            <a:r>
-              <a:rPr lang="nl-NL" dirty="0" err="1" smtClean="0">
-                <a:latin typeface="Courier New"/>
-                <a:cs typeface="Courier New"/>
-              </a:rPr>
-              <a:t>autos</a:t>
-            </a:r>
-            <a:r>
-              <a:rPr lang="nl-NL" dirty="0" smtClean="0">
-                <a:latin typeface="Century Gothic"/>
-                <a:cs typeface="Century Gothic"/>
-              </a:rPr>
-              <a:t>.</a:t>
-            </a:r>
-          </a:p>
-          <a:p>
-            <a:pPr marL="285750" indent="-285750">
-              <a:buFont typeface="Arial"/>
-              <a:buChar char="•"/>
-            </a:pPr>
-            <a:endParaRPr lang="nl-NL" dirty="0">
-              <a:latin typeface="Century Gothic"/>
-              <a:cs typeface="Century Gothic"/>
-            </a:endParaRPr>
-          </a:p>
-          <a:p>
-            <a:pPr marL="285750" indent="-285750">
-              <a:buFont typeface="Arial"/>
-              <a:buChar char="•"/>
-            </a:pPr>
-            <a:r>
-              <a:rPr lang="nl-NL" dirty="0" smtClean="0">
-                <a:latin typeface="Century Gothic"/>
-                <a:cs typeface="Century Gothic"/>
-              </a:rPr>
-              <a:t>Maak een </a:t>
-            </a:r>
-            <a:r>
-              <a:rPr lang="nl-NL" dirty="0" err="1" smtClean="0">
-                <a:latin typeface="Century Gothic"/>
-                <a:cs typeface="Century Gothic"/>
-              </a:rPr>
-              <a:t>forloop</a:t>
-            </a:r>
-            <a:r>
-              <a:rPr lang="nl-NL" dirty="0" smtClean="0">
-                <a:latin typeface="Century Gothic"/>
-                <a:cs typeface="Century Gothic"/>
-              </a:rPr>
-              <a:t> om van alle 3 de auto’s de prijs naar de console te schrijven</a:t>
-            </a:r>
           </a:p>
         </p:txBody>
       </p:sp>
     </p:spTree>
     <p:extLst>
       <p:ext uri="{BB962C8B-B14F-4D97-AF65-F5344CB8AC3E}">
-        <p14:creationId xmlns="" xmlns:p14="http://schemas.microsoft.com/office/powerpoint/2010/main" val="1575269767"/>
+        <p14:creationId xmlns="" xmlns:p14="http://schemas.microsoft.com/office/powerpoint/2010/main" val="2810983633"/>
       </p:ext>
     </p:extLst>
   </p:cSld>
   <p:clrMapOvr>
     <a:masterClrMapping/>
   </p:clrMapOvr>
+  <p:timing>
+    <p:tnLst>
+      <p:par>
+        <p:cTn id="1" dur="indefinite" restart="never" nodeType="tmRoot"/>
+      </p:par>
+    </p:tnLst>
+  </p:timing>
 </p:sld>
 </file>
 
 <file path=ppt/slides/slide14.xml><?xml version="1.0" encoding="utf-8"?>
 <p:sld xmlns:a="http://schemas.openxmlformats.org/drawingml/2006/main" xmlns:r="http://schemas.openxmlformats.org/officeDocument/2006/relationships" xmlns:p="http://schemas.openxmlformats.org/presentationml/2006/main">
   <p:cSld>
-    <p:bg>
-      <p:bgPr>
-        <a:solidFill>
-          <a:srgbClr val="1C88DA"/>
-        </a:solidFill>
-        <a:effectLst/>
-      </p:bgPr>
-    </p:bg>
     <p:spTree>
       <p:nvGrpSpPr>
         <p:cNvPr id="1" name=""/>
@@ -6187,14 +5746,130 @@
       </p:grpSpPr>
       <p:sp>
         <p:nvSpPr>
-          <p:cNvPr id="2" name="Tekstvak 1"/>
+          <p:cNvPr id="2" name="Rechthoek 1"/>
+          <p:cNvSpPr/>
+          <p:nvPr/>
+        </p:nvSpPr>
+        <p:spPr>
+          <a:xfrm>
+            <a:off x="2649273" y="1778999"/>
+            <a:ext cx="3277394" cy="635048"/>
+          </a:xfrm>
+          <a:prstGeom prst="rect">
+            <a:avLst/>
+          </a:prstGeom>
+          <a:ln w="6350" cmpd="sng">
+            <a:solidFill>
+              <a:schemeClr val="tx1"/>
+            </a:solidFill>
+            <a:prstDash val="lgDash"/>
+          </a:ln>
+          <a:effectLst/>
+        </p:spPr>
+        <p:style>
+          <a:lnRef idx="2">
+            <a:schemeClr val="accent1"/>
+          </a:lnRef>
+          <a:fillRef idx="0">
+            <a:schemeClr val="accent1"/>
+          </a:fillRef>
+          <a:effectRef idx="1">
+            <a:schemeClr val="accent1"/>
+          </a:effectRef>
+          <a:fontRef idx="minor">
+            <a:schemeClr val="tx1"/>
+          </a:fontRef>
+        </p:style>
+        <p:txBody>
+          <a:bodyPr rtlCol="0" anchor="ctr"/>
+          <a:lstStyle/>
+          <a:p>
+            <a:r>
+              <a:rPr lang="nl-NL" dirty="0" smtClean="0">
+                <a:solidFill>
+                  <a:schemeClr val="bg1">
+                    <a:lumMod val="75000"/>
+                  </a:schemeClr>
+                </a:solidFill>
+              </a:rPr>
+              <a:t>item</a:t>
+            </a:r>
+            <a:endParaRPr lang="nl-NL" dirty="0">
+              <a:solidFill>
+                <a:schemeClr val="bg1">
+                  <a:lumMod val="75000"/>
+                </a:schemeClr>
+              </a:solidFill>
+            </a:endParaRPr>
+          </a:p>
+        </p:txBody>
+      </p:sp>
+      <p:sp>
+        <p:nvSpPr>
+          <p:cNvPr id="3" name="Rechthoek 2"/>
+          <p:cNvSpPr/>
+          <p:nvPr/>
+        </p:nvSpPr>
+        <p:spPr>
+          <a:xfrm>
+            <a:off x="2649273" y="2527882"/>
+            <a:ext cx="3277394" cy="635048"/>
+          </a:xfrm>
+          <a:prstGeom prst="rect">
+            <a:avLst/>
+          </a:prstGeom>
+          <a:ln w="6350" cmpd="sng">
+            <a:solidFill>
+              <a:schemeClr val="tx1"/>
+            </a:solidFill>
+            <a:prstDash val="lgDash"/>
+          </a:ln>
+          <a:effectLst/>
+        </p:spPr>
+        <p:style>
+          <a:lnRef idx="2">
+            <a:schemeClr val="accent1"/>
+          </a:lnRef>
+          <a:fillRef idx="0">
+            <a:schemeClr val="accent1"/>
+          </a:fillRef>
+          <a:effectRef idx="1">
+            <a:schemeClr val="accent1"/>
+          </a:effectRef>
+          <a:fontRef idx="minor">
+            <a:schemeClr val="tx1"/>
+          </a:fontRef>
+        </p:style>
+        <p:txBody>
+          <a:bodyPr rtlCol="0" anchor="ctr"/>
+          <a:lstStyle/>
+          <a:p>
+            <a:r>
+              <a:rPr lang="nl-NL" dirty="0" smtClean="0">
+                <a:solidFill>
+                  <a:srgbClr val="FF0000"/>
+                </a:solidFill>
+              </a:rPr>
+              <a:t>datum</a:t>
+            </a:r>
+            <a:endParaRPr lang="nl-NL" dirty="0">
+              <a:solidFill>
+                <a:srgbClr val="FF0000"/>
+              </a:solidFill>
+            </a:endParaRPr>
+          </a:p>
+        </p:txBody>
+      </p:sp>
+      <p:sp>
+        <p:nvSpPr>
+          <p:cNvPr id="4" name="Tekstvak 3"/>
           <p:cNvSpPr txBox="1"/>
           <p:nvPr/>
         </p:nvSpPr>
         <p:spPr>
           <a:xfrm>
-            <a:off x="2274619" y="3091198"/>
-            <a:ext cx="5178258" cy="1107996"/>
+            <a:off x="2649273" y="1093172"/>
+            <a:ext cx="2690510" cy="461665"/>
           </a:xfrm>
           <a:prstGeom prst="rect">
             <a:avLst/>
@@ -6208,19 +5883,41 @@
           <a:lstStyle/>
           <a:p>
             <a:r>
-              <a:rPr lang="nl-NL" sz="6600" dirty="0" smtClean="0">
-                <a:solidFill>
-                  <a:schemeClr val="bg1"/>
-                </a:solidFill>
+              <a:rPr lang="nl-NL" sz="2400" b="1" dirty="0" err="1" smtClean="0">
                 <a:latin typeface="Century Gothic"/>
                 <a:cs typeface="Century Gothic"/>
               </a:rPr>
-              <a:t>VOORBEELD</a:t>
-            </a:r>
-            <a:endParaRPr lang="nl-NL" sz="6600" dirty="0">
-              <a:solidFill>
-                <a:schemeClr val="bg1"/>
-              </a:solidFill>
+              <a:t>What</a:t>
+            </a:r>
+            <a:r>
+              <a:rPr lang="nl-NL" sz="2400" b="1" dirty="0" smtClean="0">
+                <a:latin typeface="Century Gothic"/>
+                <a:cs typeface="Century Gothic"/>
+              </a:rPr>
+              <a:t> </a:t>
+            </a:r>
+            <a:r>
+              <a:rPr lang="nl-NL" sz="2400" b="1" dirty="0" err="1" smtClean="0">
+                <a:latin typeface="Century Gothic"/>
+                <a:cs typeface="Century Gothic"/>
+              </a:rPr>
+              <a:t>todo</a:t>
+            </a:r>
+            <a:r>
+              <a:rPr lang="nl-NL" sz="2400" b="1" dirty="0" smtClean="0">
+                <a:latin typeface="Century Gothic"/>
+                <a:cs typeface="Century Gothic"/>
+              </a:rPr>
+              <a:t> </a:t>
+            </a:r>
+            <a:r>
+              <a:rPr lang="nl-NL" sz="2400" b="1" dirty="0" err="1" smtClean="0">
+                <a:latin typeface="Century Gothic"/>
+                <a:cs typeface="Century Gothic"/>
+              </a:rPr>
+              <a:t>today</a:t>
+            </a:r>
+            <a:endParaRPr lang="nl-NL" sz="2400" b="1" dirty="0">
               <a:latin typeface="Century Gothic"/>
               <a:cs typeface="Century Gothic"/>
             </a:endParaRPr>
@@ -6229,55 +5926,623 @@
       </p:sp>
       <p:sp>
         <p:nvSpPr>
-          <p:cNvPr id="3" name="Tekstvak 2"/>
+          <p:cNvPr id="6" name="Tekstvak 5"/>
           <p:cNvSpPr txBox="1"/>
           <p:nvPr/>
         </p:nvSpPr>
         <p:spPr>
-          <a:xfrm rot="19431109">
-            <a:off x="1790876" y="2906533"/>
-            <a:ext cx="1272216" cy="369332"/>
+          <a:xfrm>
+            <a:off x="2649273" y="3721301"/>
+            <a:ext cx="4736610" cy="923330"/>
+          </a:xfrm>
+          <a:prstGeom prst="rect">
+            <a:avLst/>
+          </a:prstGeom>
+          <a:noFill/>
+        </p:spPr>
+        <p:txBody>
+          <a:bodyPr wrap="square" rtlCol="0">
+            <a:spAutoFit/>
+          </a:bodyPr>
+          <a:lstStyle/>
+          <a:p>
+            <a:r>
+              <a:rPr lang="nl-NL" dirty="0" smtClean="0"/>
+              <a:t>Reading the syllabus			2 okt 2012</a:t>
+            </a:r>
+            <a:endParaRPr lang="nl-NL" dirty="0" smtClean="0">
+              <a:solidFill>
+                <a:schemeClr val="tx2">
+                  <a:lumMod val="40000"/>
+                  <a:lumOff val="60000"/>
+                </a:schemeClr>
+              </a:solidFill>
+            </a:endParaRPr>
+          </a:p>
+          <a:p>
+            <a:r>
+              <a:rPr lang="nl-NL" dirty="0" smtClean="0"/>
+              <a:t>Clean </a:t>
+            </a:r>
+            <a:r>
+              <a:rPr lang="nl-NL" dirty="0" err="1" smtClean="0"/>
+              <a:t>my</a:t>
+            </a:r>
+            <a:r>
+              <a:rPr lang="nl-NL" dirty="0" smtClean="0"/>
+              <a:t> room				</a:t>
+            </a:r>
+            <a:r>
+              <a:rPr lang="nl-NL" dirty="0"/>
+              <a:t>2 okt </a:t>
+            </a:r>
+            <a:r>
+              <a:rPr lang="nl-NL" dirty="0" smtClean="0"/>
+              <a:t>201	</a:t>
+            </a:r>
+            <a:endParaRPr lang="nl-NL" dirty="0" smtClean="0">
+              <a:solidFill>
+                <a:srgbClr val="8EB4E3"/>
+              </a:solidFill>
+            </a:endParaRPr>
+          </a:p>
+          <a:p>
+            <a:r>
+              <a:rPr lang="nl-NL" dirty="0" err="1" smtClean="0"/>
+              <a:t>Buy</a:t>
+            </a:r>
+            <a:r>
+              <a:rPr lang="nl-NL" dirty="0" smtClean="0"/>
+              <a:t> a card					</a:t>
+            </a:r>
+            <a:r>
+              <a:rPr lang="nl-NL" dirty="0"/>
+              <a:t>2 okt </a:t>
+            </a:r>
+            <a:r>
+              <a:rPr lang="nl-NL" dirty="0" smtClean="0"/>
+              <a:t>2012</a:t>
+            </a:r>
+            <a:endParaRPr lang="nl-NL" dirty="0" smtClean="0">
+              <a:solidFill>
+                <a:srgbClr val="8EB4E3"/>
+              </a:solidFill>
+            </a:endParaRPr>
+          </a:p>
+        </p:txBody>
+      </p:sp>
+      <p:sp>
+        <p:nvSpPr>
+          <p:cNvPr id="9" name="Rechthoek 8"/>
+          <p:cNvSpPr/>
+          <p:nvPr/>
+        </p:nvSpPr>
+        <p:spPr>
+          <a:xfrm>
+            <a:off x="6074207" y="2527882"/>
+            <a:ext cx="655838" cy="635048"/>
           </a:xfrm>
           <a:prstGeom prst="rect">
             <a:avLst/>
           </a:prstGeom>
           <a:solidFill>
-            <a:srgbClr val="CD2400"/>
+            <a:srgbClr val="1C88DA"/>
           </a:solidFill>
-          <a:ln>
+          <a:ln w="6350" cmpd="sng">
             <a:noFill/>
+            <a:prstDash val="solid"/>
           </a:ln>
+          <a:effectLst/>
         </p:spPr>
-        <p:txBody>
-          <a:bodyPr wrap="none" rtlCol="0">
-            <a:spAutoFit/>
-          </a:bodyPr>
-          <a:lstStyle/>
-          <a:p>
-            <a:r>
-              <a:rPr lang="nl-NL" dirty="0" smtClean="0">
+        <p:style>
+          <a:lnRef idx="2">
+            <a:schemeClr val="accent1"/>
+          </a:lnRef>
+          <a:fillRef idx="0">
+            <a:schemeClr val="accent1"/>
+          </a:fillRef>
+          <a:effectRef idx="1">
+            <a:schemeClr val="accent1"/>
+          </a:effectRef>
+          <a:fontRef idx="minor">
+            <a:schemeClr val="tx1"/>
+          </a:fontRef>
+        </p:style>
+        <p:txBody>
+          <a:bodyPr rtlCol="0" anchor="ctr"/>
+          <a:lstStyle/>
+          <a:p>
+            <a:pPr algn="ctr"/>
+            <a:r>
+              <a:rPr lang="nl-NL" dirty="0" err="1" smtClean="0">
                 <a:solidFill>
                   <a:schemeClr val="bg1"/>
                 </a:solidFill>
-                <a:latin typeface="Century Gothic"/>
-                <a:cs typeface="Century Gothic"/>
-              </a:rPr>
-              <a:t>VERVOLG</a:t>
+              </a:rPr>
+              <a:t>add</a:t>
             </a:r>
             <a:endParaRPr lang="nl-NL" dirty="0">
               <a:solidFill>
                 <a:schemeClr val="bg1"/>
               </a:solidFill>
+            </a:endParaRPr>
+          </a:p>
+        </p:txBody>
+      </p:sp>
+      <p:sp>
+        <p:nvSpPr>
+          <p:cNvPr id="13" name="Tekstvak 12"/>
+          <p:cNvSpPr txBox="1"/>
+          <p:nvPr/>
+        </p:nvSpPr>
+        <p:spPr>
+          <a:xfrm>
+            <a:off x="2649273" y="673426"/>
+            <a:ext cx="4736609" cy="369332"/>
+          </a:xfrm>
+          <a:prstGeom prst="rect">
+            <a:avLst/>
+          </a:prstGeom>
+          <a:noFill/>
+        </p:spPr>
+        <p:txBody>
+          <a:bodyPr wrap="square" rtlCol="0">
+            <a:spAutoFit/>
+          </a:bodyPr>
+          <a:lstStyle/>
+          <a:p>
+            <a:r>
+              <a:rPr lang="nl-NL" dirty="0" smtClean="0">
+                <a:solidFill>
+                  <a:srgbClr val="FF0000"/>
+                </a:solidFill>
+              </a:rPr>
+              <a:t>Melding: vul uw datum in</a:t>
+            </a:r>
+            <a:endParaRPr lang="nl-NL" dirty="0">
+              <a:solidFill>
+                <a:srgbClr val="FF0000"/>
+              </a:solidFill>
+            </a:endParaRPr>
+          </a:p>
+        </p:txBody>
+      </p:sp>
+      <p:sp>
+        <p:nvSpPr>
+          <p:cNvPr id="8" name="Ovaal 7"/>
+          <p:cNvSpPr/>
+          <p:nvPr/>
+        </p:nvSpPr>
+        <p:spPr>
+          <a:xfrm>
+            <a:off x="604762" y="1781180"/>
+            <a:ext cx="1783442" cy="1106604"/>
+          </a:xfrm>
+          <a:prstGeom prst="ellipse">
+            <a:avLst/>
+          </a:prstGeom>
+          <a:ln w="6350" cmpd="sng">
+            <a:solidFill>
+              <a:schemeClr val="tx1"/>
+            </a:solidFill>
+            <a:prstDash val="lgDash"/>
+          </a:ln>
+          <a:effectLst/>
+        </p:spPr>
+        <p:style>
+          <a:lnRef idx="2">
+            <a:schemeClr val="accent1"/>
+          </a:lnRef>
+          <a:fillRef idx="0">
+            <a:schemeClr val="accent1"/>
+          </a:fillRef>
+          <a:effectRef idx="1">
+            <a:schemeClr val="accent1"/>
+          </a:effectRef>
+          <a:fontRef idx="minor">
+            <a:schemeClr val="tx1"/>
+          </a:fontRef>
+        </p:style>
+        <p:txBody>
+          <a:bodyPr rtlCol="0" anchor="ctr"/>
+          <a:lstStyle/>
+          <a:p>
+            <a:pPr algn="ctr"/>
+            <a:r>
+              <a:rPr lang="nl-NL" sz="1400" dirty="0" smtClean="0">
+                <a:latin typeface="Century Gothic"/>
+                <a:cs typeface="Century Gothic"/>
+              </a:rPr>
+              <a:t>Uitlezen tekstvelden</a:t>
+            </a:r>
+            <a:endParaRPr lang="nl-NL" sz="1400" dirty="0">
               <a:latin typeface="Century Gothic"/>
               <a:cs typeface="Century Gothic"/>
             </a:endParaRPr>
           </a:p>
         </p:txBody>
       </p:sp>
+      <p:sp>
+        <p:nvSpPr>
+          <p:cNvPr id="10" name="Ovaal 9"/>
+          <p:cNvSpPr/>
+          <p:nvPr/>
+        </p:nvSpPr>
+        <p:spPr>
+          <a:xfrm>
+            <a:off x="1948015" y="2385210"/>
+            <a:ext cx="539888" cy="539888"/>
+          </a:xfrm>
+          <a:prstGeom prst="ellipse">
+            <a:avLst/>
+          </a:prstGeom>
+          <a:solidFill>
+            <a:srgbClr val="CD2400"/>
+          </a:solidFill>
+          <a:ln w="6350" cmpd="sng">
+            <a:noFill/>
+            <a:prstDash val="lgDash"/>
+          </a:ln>
+          <a:effectLst/>
+        </p:spPr>
+        <p:style>
+          <a:lnRef idx="2">
+            <a:schemeClr val="accent1"/>
+          </a:lnRef>
+          <a:fillRef idx="0">
+            <a:schemeClr val="accent1"/>
+          </a:fillRef>
+          <a:effectRef idx="1">
+            <a:schemeClr val="accent1"/>
+          </a:effectRef>
+          <a:fontRef idx="minor">
+            <a:schemeClr val="tx1"/>
+          </a:fontRef>
+        </p:style>
+        <p:txBody>
+          <a:bodyPr rtlCol="0" anchor="ctr"/>
+          <a:lstStyle/>
+          <a:p>
+            <a:pPr algn="ctr"/>
+            <a:r>
+              <a:rPr lang="nl-NL" dirty="0">
+                <a:solidFill>
+                  <a:schemeClr val="bg1"/>
+                </a:solidFill>
+              </a:rPr>
+              <a:t>F</a:t>
+            </a:r>
+          </a:p>
+        </p:txBody>
+      </p:sp>
+      <p:sp>
+        <p:nvSpPr>
+          <p:cNvPr id="11" name="Ovaal 10"/>
+          <p:cNvSpPr/>
+          <p:nvPr/>
+        </p:nvSpPr>
+        <p:spPr>
+          <a:xfrm>
+            <a:off x="5114956" y="120124"/>
+            <a:ext cx="1783442" cy="1106604"/>
+          </a:xfrm>
+          <a:prstGeom prst="ellipse">
+            <a:avLst/>
+          </a:prstGeom>
+          <a:ln w="6350" cmpd="sng">
+            <a:solidFill>
+              <a:schemeClr val="tx1"/>
+            </a:solidFill>
+            <a:prstDash val="lgDash"/>
+          </a:ln>
+          <a:effectLst/>
+        </p:spPr>
+        <p:style>
+          <a:lnRef idx="2">
+            <a:schemeClr val="accent1"/>
+          </a:lnRef>
+          <a:fillRef idx="0">
+            <a:schemeClr val="accent1"/>
+          </a:fillRef>
+          <a:effectRef idx="1">
+            <a:schemeClr val="accent1"/>
+          </a:effectRef>
+          <a:fontRef idx="minor">
+            <a:schemeClr val="tx1"/>
+          </a:fontRef>
+        </p:style>
+        <p:txBody>
+          <a:bodyPr rtlCol="0" anchor="ctr"/>
+          <a:lstStyle/>
+          <a:p>
+            <a:pPr algn="ctr"/>
+            <a:r>
+              <a:rPr lang="nl-NL" sz="1400" dirty="0" smtClean="0">
+                <a:latin typeface="Century Gothic"/>
+                <a:cs typeface="Century Gothic"/>
+              </a:rPr>
+              <a:t>Foutmelding schrijven</a:t>
+            </a:r>
+            <a:endParaRPr lang="nl-NL" sz="1400" dirty="0">
+              <a:latin typeface="Century Gothic"/>
+              <a:cs typeface="Century Gothic"/>
+            </a:endParaRPr>
+          </a:p>
+        </p:txBody>
+      </p:sp>
+      <p:sp>
+        <p:nvSpPr>
+          <p:cNvPr id="12" name="Ovaal 11"/>
+          <p:cNvSpPr/>
+          <p:nvPr/>
+        </p:nvSpPr>
+        <p:spPr>
+          <a:xfrm>
+            <a:off x="4728590" y="241173"/>
+            <a:ext cx="539888" cy="539888"/>
+          </a:xfrm>
+          <a:prstGeom prst="ellipse">
+            <a:avLst/>
+          </a:prstGeom>
+          <a:solidFill>
+            <a:srgbClr val="CD2400"/>
+          </a:solidFill>
+          <a:ln w="6350" cmpd="sng">
+            <a:noFill/>
+            <a:prstDash val="lgDash"/>
+          </a:ln>
+          <a:effectLst/>
+        </p:spPr>
+        <p:style>
+          <a:lnRef idx="2">
+            <a:schemeClr val="accent1"/>
+          </a:lnRef>
+          <a:fillRef idx="0">
+            <a:schemeClr val="accent1"/>
+          </a:fillRef>
+          <a:effectRef idx="1">
+            <a:schemeClr val="accent1"/>
+          </a:effectRef>
+          <a:fontRef idx="minor">
+            <a:schemeClr val="tx1"/>
+          </a:fontRef>
+        </p:style>
+        <p:txBody>
+          <a:bodyPr rtlCol="0" anchor="ctr"/>
+          <a:lstStyle/>
+          <a:p>
+            <a:pPr algn="ctr"/>
+            <a:r>
+              <a:rPr lang="nl-NL" dirty="0">
+                <a:solidFill>
+                  <a:schemeClr val="bg1"/>
+                </a:solidFill>
+              </a:rPr>
+              <a:t>F</a:t>
+            </a:r>
+          </a:p>
+        </p:txBody>
+      </p:sp>
+      <p:sp>
+        <p:nvSpPr>
+          <p:cNvPr id="14" name="Ovaal 13"/>
+          <p:cNvSpPr/>
+          <p:nvPr/>
+        </p:nvSpPr>
+        <p:spPr>
+          <a:xfrm>
+            <a:off x="3556341" y="4644631"/>
+            <a:ext cx="1783442" cy="1106604"/>
+          </a:xfrm>
+          <a:prstGeom prst="ellipse">
+            <a:avLst/>
+          </a:prstGeom>
+          <a:ln w="6350" cmpd="sng">
+            <a:solidFill>
+              <a:schemeClr val="tx1"/>
+            </a:solidFill>
+            <a:prstDash val="lgDash"/>
+          </a:ln>
+          <a:effectLst/>
+        </p:spPr>
+        <p:style>
+          <a:lnRef idx="2">
+            <a:schemeClr val="accent1"/>
+          </a:lnRef>
+          <a:fillRef idx="0">
+            <a:schemeClr val="accent1"/>
+          </a:fillRef>
+          <a:effectRef idx="1">
+            <a:schemeClr val="accent1"/>
+          </a:effectRef>
+          <a:fontRef idx="minor">
+            <a:schemeClr val="tx1"/>
+          </a:fontRef>
+        </p:style>
+        <p:txBody>
+          <a:bodyPr rtlCol="0" anchor="ctr"/>
+          <a:lstStyle/>
+          <a:p>
+            <a:pPr algn="ctr"/>
+            <a:r>
+              <a:rPr lang="nl-NL" sz="1400" dirty="0" smtClean="0">
+                <a:latin typeface="Century Gothic"/>
+                <a:cs typeface="Century Gothic"/>
+              </a:rPr>
+              <a:t>Array uitlezen en op scherm zetten</a:t>
+            </a:r>
+            <a:endParaRPr lang="nl-NL" sz="1400" dirty="0">
+              <a:latin typeface="Century Gothic"/>
+              <a:cs typeface="Century Gothic"/>
+            </a:endParaRPr>
+          </a:p>
+        </p:txBody>
+      </p:sp>
+      <p:sp>
+        <p:nvSpPr>
+          <p:cNvPr id="15" name="Ovaal 14"/>
+          <p:cNvSpPr/>
+          <p:nvPr/>
+        </p:nvSpPr>
+        <p:spPr>
+          <a:xfrm>
+            <a:off x="4247363" y="4214995"/>
+            <a:ext cx="539888" cy="539888"/>
+          </a:xfrm>
+          <a:prstGeom prst="ellipse">
+            <a:avLst/>
+          </a:prstGeom>
+          <a:solidFill>
+            <a:srgbClr val="CD2400"/>
+          </a:solidFill>
+          <a:ln w="6350" cmpd="sng">
+            <a:noFill/>
+            <a:prstDash val="lgDash"/>
+          </a:ln>
+          <a:effectLst/>
+        </p:spPr>
+        <p:style>
+          <a:lnRef idx="2">
+            <a:schemeClr val="accent1"/>
+          </a:lnRef>
+          <a:fillRef idx="0">
+            <a:schemeClr val="accent1"/>
+          </a:fillRef>
+          <a:effectRef idx="1">
+            <a:schemeClr val="accent1"/>
+          </a:effectRef>
+          <a:fontRef idx="minor">
+            <a:schemeClr val="tx1"/>
+          </a:fontRef>
+        </p:style>
+        <p:txBody>
+          <a:bodyPr rtlCol="0" anchor="ctr"/>
+          <a:lstStyle/>
+          <a:p>
+            <a:pPr algn="ctr"/>
+            <a:r>
+              <a:rPr lang="nl-NL" dirty="0">
+                <a:solidFill>
+                  <a:schemeClr val="bg1"/>
+                </a:solidFill>
+              </a:rPr>
+              <a:t>F</a:t>
+            </a:r>
+          </a:p>
+        </p:txBody>
+      </p:sp>
+      <p:sp>
+        <p:nvSpPr>
+          <p:cNvPr id="16" name="Ovaal 15"/>
+          <p:cNvSpPr/>
+          <p:nvPr/>
+        </p:nvSpPr>
+        <p:spPr>
+          <a:xfrm>
+            <a:off x="604762" y="3108391"/>
+            <a:ext cx="1783442" cy="1106604"/>
+          </a:xfrm>
+          <a:prstGeom prst="ellipse">
+            <a:avLst/>
+          </a:prstGeom>
+          <a:ln w="6350" cmpd="sng">
+            <a:solidFill>
+              <a:schemeClr val="tx1"/>
+            </a:solidFill>
+            <a:prstDash val="lgDash"/>
+          </a:ln>
+          <a:effectLst/>
+        </p:spPr>
+        <p:style>
+          <a:lnRef idx="2">
+            <a:schemeClr val="accent1"/>
+          </a:lnRef>
+          <a:fillRef idx="0">
+            <a:schemeClr val="accent1"/>
+          </a:fillRef>
+          <a:effectRef idx="1">
+            <a:schemeClr val="accent1"/>
+          </a:effectRef>
+          <a:fontRef idx="minor">
+            <a:schemeClr val="tx1"/>
+          </a:fontRef>
+        </p:style>
+        <p:txBody>
+          <a:bodyPr rtlCol="0" anchor="ctr"/>
+          <a:lstStyle/>
+          <a:p>
+            <a:pPr algn="ctr"/>
+            <a:r>
+              <a:rPr lang="nl-NL" sz="1400" dirty="0" smtClean="0">
+                <a:latin typeface="Century Gothic"/>
+                <a:cs typeface="Century Gothic"/>
+              </a:rPr>
+              <a:t>Waarden in array zetten</a:t>
+            </a:r>
+            <a:endParaRPr lang="nl-NL" sz="1400" dirty="0">
+              <a:latin typeface="Century Gothic"/>
+              <a:cs typeface="Century Gothic"/>
+            </a:endParaRPr>
+          </a:p>
+        </p:txBody>
+      </p:sp>
+      <p:sp>
+        <p:nvSpPr>
+          <p:cNvPr id="17" name="Ovaal 16"/>
+          <p:cNvSpPr/>
+          <p:nvPr/>
+        </p:nvSpPr>
+        <p:spPr>
+          <a:xfrm>
+            <a:off x="2118260" y="3108391"/>
+            <a:ext cx="539888" cy="539888"/>
+          </a:xfrm>
+          <a:prstGeom prst="ellipse">
+            <a:avLst/>
+          </a:prstGeom>
+          <a:solidFill>
+            <a:srgbClr val="CD2400"/>
+          </a:solidFill>
+          <a:ln w="6350" cmpd="sng">
+            <a:noFill/>
+            <a:prstDash val="lgDash"/>
+          </a:ln>
+          <a:effectLst/>
+        </p:spPr>
+        <p:style>
+          <a:lnRef idx="2">
+            <a:schemeClr val="accent1"/>
+          </a:lnRef>
+          <a:fillRef idx="0">
+            <a:schemeClr val="accent1"/>
+          </a:fillRef>
+          <a:effectRef idx="1">
+            <a:schemeClr val="accent1"/>
+          </a:effectRef>
+          <a:fontRef idx="minor">
+            <a:schemeClr val="tx1"/>
+          </a:fontRef>
+        </p:style>
+        <p:txBody>
+          <a:bodyPr rtlCol="0" anchor="ctr"/>
+          <a:lstStyle/>
+          <a:p>
+            <a:pPr algn="ctr"/>
+            <a:r>
+              <a:rPr lang="nl-NL" dirty="0">
+                <a:solidFill>
+                  <a:schemeClr val="bg1"/>
+                </a:solidFill>
+              </a:rPr>
+              <a:t>F</a:t>
+            </a:r>
+          </a:p>
+        </p:txBody>
+      </p:sp>
     </p:spTree>
     <p:extLst>
       <p:ext uri="{BB962C8B-B14F-4D97-AF65-F5344CB8AC3E}">
-        <p14:creationId xmlns="" xmlns:p14="http://schemas.microsoft.com/office/powerpoint/2010/main" val="2965063915"/>
+        <p14:creationId xmlns="" xmlns:p14="http://schemas.microsoft.com/office/powerpoint/2010/main" val="3611308093"/>
       </p:ext>
     </p:extLst>
   </p:cSld>
@@ -6313,1234 +6578,6 @@
       </p:grpSpPr>
       <p:sp>
         <p:nvSpPr>
-          <p:cNvPr id="2" name="Rechthoek 1"/>
-          <p:cNvSpPr/>
-          <p:nvPr/>
-        </p:nvSpPr>
-        <p:spPr>
-          <a:xfrm>
-            <a:off x="2649273" y="1778999"/>
-            <a:ext cx="3277394" cy="635048"/>
-          </a:xfrm>
-          <a:prstGeom prst="rect">
-            <a:avLst/>
-          </a:prstGeom>
-          <a:ln w="6350" cmpd="sng">
-            <a:solidFill>
-              <a:schemeClr val="tx1"/>
-            </a:solidFill>
-            <a:prstDash val="lgDash"/>
-          </a:ln>
-          <a:effectLst/>
-        </p:spPr>
-        <p:style>
-          <a:lnRef idx="2">
-            <a:schemeClr val="accent1"/>
-          </a:lnRef>
-          <a:fillRef idx="0">
-            <a:schemeClr val="accent1"/>
-          </a:fillRef>
-          <a:effectRef idx="1">
-            <a:schemeClr val="accent1"/>
-          </a:effectRef>
-          <a:fontRef idx="minor">
-            <a:schemeClr val="tx1"/>
-          </a:fontRef>
-        </p:style>
-        <p:txBody>
-          <a:bodyPr rtlCol="0" anchor="ctr"/>
-          <a:lstStyle/>
-          <a:p>
-            <a:r>
-              <a:rPr lang="nl-NL" dirty="0" smtClean="0">
-                <a:solidFill>
-                  <a:schemeClr val="bg1">
-                    <a:lumMod val="75000"/>
-                  </a:schemeClr>
-                </a:solidFill>
-              </a:rPr>
-              <a:t>item</a:t>
-            </a:r>
-            <a:endParaRPr lang="nl-NL" dirty="0">
-              <a:solidFill>
-                <a:schemeClr val="bg1">
-                  <a:lumMod val="75000"/>
-                </a:schemeClr>
-              </a:solidFill>
-            </a:endParaRPr>
-          </a:p>
-        </p:txBody>
-      </p:sp>
-      <p:sp>
-        <p:nvSpPr>
-          <p:cNvPr id="3" name="Rechthoek 2"/>
-          <p:cNvSpPr/>
-          <p:nvPr/>
-        </p:nvSpPr>
-        <p:spPr>
-          <a:xfrm>
-            <a:off x="2649273" y="2527882"/>
-            <a:ext cx="3277394" cy="635048"/>
-          </a:xfrm>
-          <a:prstGeom prst="rect">
-            <a:avLst/>
-          </a:prstGeom>
-          <a:ln w="6350" cmpd="sng">
-            <a:solidFill>
-              <a:schemeClr val="tx1"/>
-            </a:solidFill>
-            <a:prstDash val="lgDash"/>
-          </a:ln>
-          <a:effectLst/>
-        </p:spPr>
-        <p:style>
-          <a:lnRef idx="2">
-            <a:schemeClr val="accent1"/>
-          </a:lnRef>
-          <a:fillRef idx="0">
-            <a:schemeClr val="accent1"/>
-          </a:fillRef>
-          <a:effectRef idx="1">
-            <a:schemeClr val="accent1"/>
-          </a:effectRef>
-          <a:fontRef idx="minor">
-            <a:schemeClr val="tx1"/>
-          </a:fontRef>
-        </p:style>
-        <p:txBody>
-          <a:bodyPr rtlCol="0" anchor="ctr"/>
-          <a:lstStyle/>
-          <a:p>
-            <a:r>
-              <a:rPr lang="nl-NL" dirty="0" smtClean="0">
-                <a:solidFill>
-                  <a:srgbClr val="FF0000"/>
-                </a:solidFill>
-              </a:rPr>
-              <a:t>datum</a:t>
-            </a:r>
-            <a:endParaRPr lang="nl-NL" dirty="0">
-              <a:solidFill>
-                <a:srgbClr val="FF0000"/>
-              </a:solidFill>
-            </a:endParaRPr>
-          </a:p>
-        </p:txBody>
-      </p:sp>
-      <p:sp>
-        <p:nvSpPr>
-          <p:cNvPr id="4" name="Tekstvak 3"/>
-          <p:cNvSpPr txBox="1"/>
-          <p:nvPr/>
-        </p:nvSpPr>
-        <p:spPr>
-          <a:xfrm>
-            <a:off x="2649273" y="1093172"/>
-            <a:ext cx="2690510" cy="461665"/>
-          </a:xfrm>
-          <a:prstGeom prst="rect">
-            <a:avLst/>
-          </a:prstGeom>
-          <a:noFill/>
-        </p:spPr>
-        <p:txBody>
-          <a:bodyPr wrap="none" rtlCol="0">
-            <a:spAutoFit/>
-          </a:bodyPr>
-          <a:lstStyle/>
-          <a:p>
-            <a:r>
-              <a:rPr lang="nl-NL" sz="2400" b="1" dirty="0" err="1" smtClean="0">
-                <a:latin typeface="Century Gothic"/>
-                <a:cs typeface="Century Gothic"/>
-              </a:rPr>
-              <a:t>What</a:t>
-            </a:r>
-            <a:r>
-              <a:rPr lang="nl-NL" sz="2400" b="1" dirty="0" smtClean="0">
-                <a:latin typeface="Century Gothic"/>
-                <a:cs typeface="Century Gothic"/>
-              </a:rPr>
-              <a:t> </a:t>
-            </a:r>
-            <a:r>
-              <a:rPr lang="nl-NL" sz="2400" b="1" dirty="0" err="1" smtClean="0">
-                <a:latin typeface="Century Gothic"/>
-                <a:cs typeface="Century Gothic"/>
-              </a:rPr>
-              <a:t>todo</a:t>
-            </a:r>
-            <a:r>
-              <a:rPr lang="nl-NL" sz="2400" b="1" dirty="0" smtClean="0">
-                <a:latin typeface="Century Gothic"/>
-                <a:cs typeface="Century Gothic"/>
-              </a:rPr>
-              <a:t> </a:t>
-            </a:r>
-            <a:r>
-              <a:rPr lang="nl-NL" sz="2400" b="1" dirty="0" err="1" smtClean="0">
-                <a:latin typeface="Century Gothic"/>
-                <a:cs typeface="Century Gothic"/>
-              </a:rPr>
-              <a:t>today</a:t>
-            </a:r>
-            <a:endParaRPr lang="nl-NL" sz="2400" b="1" dirty="0">
-              <a:latin typeface="Century Gothic"/>
-              <a:cs typeface="Century Gothic"/>
-            </a:endParaRPr>
-          </a:p>
-        </p:txBody>
-      </p:sp>
-      <p:sp>
-        <p:nvSpPr>
-          <p:cNvPr id="6" name="Tekstvak 5"/>
-          <p:cNvSpPr txBox="1"/>
-          <p:nvPr/>
-        </p:nvSpPr>
-        <p:spPr>
-          <a:xfrm>
-            <a:off x="2649273" y="3721301"/>
-            <a:ext cx="4736610" cy="923330"/>
-          </a:xfrm>
-          <a:prstGeom prst="rect">
-            <a:avLst/>
-          </a:prstGeom>
-          <a:noFill/>
-        </p:spPr>
-        <p:txBody>
-          <a:bodyPr wrap="square" rtlCol="0">
-            <a:spAutoFit/>
-          </a:bodyPr>
-          <a:lstStyle/>
-          <a:p>
-            <a:r>
-              <a:rPr lang="nl-NL" dirty="0" smtClean="0"/>
-              <a:t>Reading the syllabus			2 okt 2013</a:t>
-            </a:r>
-            <a:endParaRPr lang="nl-NL" dirty="0" smtClean="0">
-              <a:solidFill>
-                <a:schemeClr val="tx2">
-                  <a:lumMod val="40000"/>
-                  <a:lumOff val="60000"/>
-                </a:schemeClr>
-              </a:solidFill>
-            </a:endParaRPr>
-          </a:p>
-          <a:p>
-            <a:r>
-              <a:rPr lang="nl-NL" dirty="0" smtClean="0"/>
-              <a:t>Clean </a:t>
-            </a:r>
-            <a:r>
-              <a:rPr lang="nl-NL" dirty="0" err="1" smtClean="0"/>
-              <a:t>my</a:t>
-            </a:r>
-            <a:r>
-              <a:rPr lang="nl-NL" dirty="0" smtClean="0"/>
-              <a:t> room				</a:t>
-            </a:r>
-            <a:r>
-              <a:rPr lang="nl-NL" dirty="0"/>
-              <a:t>2 okt </a:t>
-            </a:r>
-            <a:r>
-              <a:rPr lang="nl-NL" dirty="0" smtClean="0"/>
-              <a:t>2013</a:t>
-            </a:r>
-            <a:endParaRPr lang="nl-NL" dirty="0"/>
-          </a:p>
-          <a:p>
-            <a:r>
-              <a:rPr lang="nl-NL" dirty="0" err="1" smtClean="0"/>
-              <a:t>Buy</a:t>
-            </a:r>
-            <a:r>
-              <a:rPr lang="nl-NL" dirty="0" smtClean="0"/>
-              <a:t> a card					</a:t>
-            </a:r>
-            <a:r>
-              <a:rPr lang="nl-NL" dirty="0"/>
-              <a:t>2 okt </a:t>
-            </a:r>
-            <a:r>
-              <a:rPr lang="nl-NL" dirty="0" smtClean="0"/>
-              <a:t>2013</a:t>
-            </a:r>
-            <a:endParaRPr lang="nl-NL" dirty="0" smtClean="0">
-              <a:solidFill>
-                <a:srgbClr val="8EB4E3"/>
-              </a:solidFill>
-            </a:endParaRPr>
-          </a:p>
-        </p:txBody>
-      </p:sp>
-      <p:sp>
-        <p:nvSpPr>
-          <p:cNvPr id="9" name="Rechthoek 8"/>
-          <p:cNvSpPr/>
-          <p:nvPr/>
-        </p:nvSpPr>
-        <p:spPr>
-          <a:xfrm>
-            <a:off x="6074207" y="2527882"/>
-            <a:ext cx="655838" cy="635048"/>
-          </a:xfrm>
-          <a:prstGeom prst="rect">
-            <a:avLst/>
-          </a:prstGeom>
-          <a:solidFill>
-            <a:srgbClr val="1C88DA"/>
-          </a:solidFill>
-          <a:ln w="6350" cmpd="sng">
-            <a:noFill/>
-            <a:prstDash val="solid"/>
-          </a:ln>
-          <a:effectLst/>
-        </p:spPr>
-        <p:style>
-          <a:lnRef idx="2">
-            <a:schemeClr val="accent1"/>
-          </a:lnRef>
-          <a:fillRef idx="0">
-            <a:schemeClr val="accent1"/>
-          </a:fillRef>
-          <a:effectRef idx="1">
-            <a:schemeClr val="accent1"/>
-          </a:effectRef>
-          <a:fontRef idx="minor">
-            <a:schemeClr val="tx1"/>
-          </a:fontRef>
-        </p:style>
-        <p:txBody>
-          <a:bodyPr rtlCol="0" anchor="ctr"/>
-          <a:lstStyle/>
-          <a:p>
-            <a:pPr algn="ctr"/>
-            <a:r>
-              <a:rPr lang="nl-NL" dirty="0" err="1" smtClean="0">
-                <a:solidFill>
-                  <a:schemeClr val="bg1"/>
-                </a:solidFill>
-              </a:rPr>
-              <a:t>add</a:t>
-            </a:r>
-            <a:endParaRPr lang="nl-NL" dirty="0">
-              <a:solidFill>
-                <a:schemeClr val="bg1"/>
-              </a:solidFill>
-            </a:endParaRPr>
-          </a:p>
-        </p:txBody>
-      </p:sp>
-      <p:sp>
-        <p:nvSpPr>
-          <p:cNvPr id="13" name="Tekstvak 12"/>
-          <p:cNvSpPr txBox="1"/>
-          <p:nvPr/>
-        </p:nvSpPr>
-        <p:spPr>
-          <a:xfrm>
-            <a:off x="2649273" y="673426"/>
-            <a:ext cx="4736609" cy="369332"/>
-          </a:xfrm>
-          <a:prstGeom prst="rect">
-            <a:avLst/>
-          </a:prstGeom>
-          <a:noFill/>
-        </p:spPr>
-        <p:txBody>
-          <a:bodyPr wrap="square" rtlCol="0">
-            <a:spAutoFit/>
-          </a:bodyPr>
-          <a:lstStyle/>
-          <a:p>
-            <a:r>
-              <a:rPr lang="nl-NL" dirty="0" smtClean="0">
-                <a:solidFill>
-                  <a:srgbClr val="FF0000"/>
-                </a:solidFill>
-              </a:rPr>
-              <a:t>Melding: vul uw datum in</a:t>
-            </a:r>
-            <a:endParaRPr lang="nl-NL" dirty="0">
-              <a:solidFill>
-                <a:srgbClr val="FF0000"/>
-              </a:solidFill>
-            </a:endParaRPr>
-          </a:p>
-        </p:txBody>
-      </p:sp>
-    </p:spTree>
-    <p:extLst>
-      <p:ext uri="{BB962C8B-B14F-4D97-AF65-F5344CB8AC3E}">
-        <p14:creationId xmlns="" xmlns:p14="http://schemas.microsoft.com/office/powerpoint/2010/main" val="2810983633"/>
-      </p:ext>
-    </p:extLst>
-  </p:cSld>
-  <p:clrMapOvr>
-    <a:masterClrMapping/>
-  </p:clrMapOvr>
-  <p:timing>
-    <p:tnLst>
-      <p:par>
-        <p:cTn id="1" dur="indefinite" restart="never" nodeType="tmRoot"/>
-      </p:par>
-    </p:tnLst>
-  </p:timing>
-</p:sld>
-</file>
-
-<file path=ppt/slides/slide16.xml><?xml version="1.0" encoding="utf-8"?>
-<p:sld xmlns:a="http://schemas.openxmlformats.org/drawingml/2006/main" xmlns:r="http://schemas.openxmlformats.org/officeDocument/2006/relationships" xmlns:p="http://schemas.openxmlformats.org/presentationml/2006/main">
-  <p:cSld>
-    <p:spTree>
-      <p:nvGrpSpPr>
-        <p:cNvPr id="1" name=""/>
-        <p:cNvGrpSpPr/>
-        <p:nvPr/>
-      </p:nvGrpSpPr>
-      <p:grpSpPr>
-        <a:xfrm>
-          <a:off x="0" y="0"/>
-          <a:ext cx="0" cy="0"/>
-          <a:chOff x="0" y="0"/>
-          <a:chExt cx="0" cy="0"/>
-        </a:xfrm>
-      </p:grpSpPr>
-      <p:sp>
-        <p:nvSpPr>
-          <p:cNvPr id="2" name="Rechthoek 1"/>
-          <p:cNvSpPr/>
-          <p:nvPr/>
-        </p:nvSpPr>
-        <p:spPr>
-          <a:xfrm>
-            <a:off x="2649273" y="1778999"/>
-            <a:ext cx="3277394" cy="635048"/>
-          </a:xfrm>
-          <a:prstGeom prst="rect">
-            <a:avLst/>
-          </a:prstGeom>
-          <a:ln w="6350" cmpd="sng">
-            <a:solidFill>
-              <a:schemeClr val="tx1"/>
-            </a:solidFill>
-            <a:prstDash val="lgDash"/>
-          </a:ln>
-          <a:effectLst/>
-        </p:spPr>
-        <p:style>
-          <a:lnRef idx="2">
-            <a:schemeClr val="accent1"/>
-          </a:lnRef>
-          <a:fillRef idx="0">
-            <a:schemeClr val="accent1"/>
-          </a:fillRef>
-          <a:effectRef idx="1">
-            <a:schemeClr val="accent1"/>
-          </a:effectRef>
-          <a:fontRef idx="minor">
-            <a:schemeClr val="tx1"/>
-          </a:fontRef>
-        </p:style>
-        <p:txBody>
-          <a:bodyPr rtlCol="0" anchor="ctr"/>
-          <a:lstStyle/>
-          <a:p>
-            <a:r>
-              <a:rPr lang="nl-NL" dirty="0" smtClean="0">
-                <a:solidFill>
-                  <a:schemeClr val="bg1">
-                    <a:lumMod val="75000"/>
-                  </a:schemeClr>
-                </a:solidFill>
-              </a:rPr>
-              <a:t>item</a:t>
-            </a:r>
-            <a:endParaRPr lang="nl-NL" dirty="0">
-              <a:solidFill>
-                <a:schemeClr val="bg1">
-                  <a:lumMod val="75000"/>
-                </a:schemeClr>
-              </a:solidFill>
-            </a:endParaRPr>
-          </a:p>
-        </p:txBody>
-      </p:sp>
-      <p:sp>
-        <p:nvSpPr>
-          <p:cNvPr id="3" name="Rechthoek 2"/>
-          <p:cNvSpPr/>
-          <p:nvPr/>
-        </p:nvSpPr>
-        <p:spPr>
-          <a:xfrm>
-            <a:off x="2649273" y="2527882"/>
-            <a:ext cx="3277394" cy="635048"/>
-          </a:xfrm>
-          <a:prstGeom prst="rect">
-            <a:avLst/>
-          </a:prstGeom>
-          <a:ln w="6350" cmpd="sng">
-            <a:solidFill>
-              <a:schemeClr val="tx1"/>
-            </a:solidFill>
-            <a:prstDash val="lgDash"/>
-          </a:ln>
-          <a:effectLst/>
-        </p:spPr>
-        <p:style>
-          <a:lnRef idx="2">
-            <a:schemeClr val="accent1"/>
-          </a:lnRef>
-          <a:fillRef idx="0">
-            <a:schemeClr val="accent1"/>
-          </a:fillRef>
-          <a:effectRef idx="1">
-            <a:schemeClr val="accent1"/>
-          </a:effectRef>
-          <a:fontRef idx="minor">
-            <a:schemeClr val="tx1"/>
-          </a:fontRef>
-        </p:style>
-        <p:txBody>
-          <a:bodyPr rtlCol="0" anchor="ctr"/>
-          <a:lstStyle/>
-          <a:p>
-            <a:r>
-              <a:rPr lang="nl-NL" dirty="0" smtClean="0">
-                <a:solidFill>
-                  <a:srgbClr val="FF0000"/>
-                </a:solidFill>
-              </a:rPr>
-              <a:t>datum</a:t>
-            </a:r>
-            <a:endParaRPr lang="nl-NL" dirty="0">
-              <a:solidFill>
-                <a:srgbClr val="FF0000"/>
-              </a:solidFill>
-            </a:endParaRPr>
-          </a:p>
-        </p:txBody>
-      </p:sp>
-      <p:sp>
-        <p:nvSpPr>
-          <p:cNvPr id="4" name="Tekstvak 3"/>
-          <p:cNvSpPr txBox="1"/>
-          <p:nvPr/>
-        </p:nvSpPr>
-        <p:spPr>
-          <a:xfrm>
-            <a:off x="2649273" y="1093172"/>
-            <a:ext cx="2690510" cy="461665"/>
-          </a:xfrm>
-          <a:prstGeom prst="rect">
-            <a:avLst/>
-          </a:prstGeom>
-          <a:noFill/>
-        </p:spPr>
-        <p:txBody>
-          <a:bodyPr wrap="none" rtlCol="0">
-            <a:spAutoFit/>
-          </a:bodyPr>
-          <a:lstStyle/>
-          <a:p>
-            <a:r>
-              <a:rPr lang="nl-NL" sz="2400" b="1" dirty="0" err="1" smtClean="0">
-                <a:latin typeface="Century Gothic"/>
-                <a:cs typeface="Century Gothic"/>
-              </a:rPr>
-              <a:t>What</a:t>
-            </a:r>
-            <a:r>
-              <a:rPr lang="nl-NL" sz="2400" b="1" dirty="0" smtClean="0">
-                <a:latin typeface="Century Gothic"/>
-                <a:cs typeface="Century Gothic"/>
-              </a:rPr>
-              <a:t> </a:t>
-            </a:r>
-            <a:r>
-              <a:rPr lang="nl-NL" sz="2400" b="1" dirty="0" err="1" smtClean="0">
-                <a:latin typeface="Century Gothic"/>
-                <a:cs typeface="Century Gothic"/>
-              </a:rPr>
-              <a:t>todo</a:t>
-            </a:r>
-            <a:r>
-              <a:rPr lang="nl-NL" sz="2400" b="1" dirty="0" smtClean="0">
-                <a:latin typeface="Century Gothic"/>
-                <a:cs typeface="Century Gothic"/>
-              </a:rPr>
-              <a:t> </a:t>
-            </a:r>
-            <a:r>
-              <a:rPr lang="nl-NL" sz="2400" b="1" dirty="0" err="1" smtClean="0">
-                <a:latin typeface="Century Gothic"/>
-                <a:cs typeface="Century Gothic"/>
-              </a:rPr>
-              <a:t>today</a:t>
-            </a:r>
-            <a:endParaRPr lang="nl-NL" sz="2400" b="1" dirty="0">
-              <a:latin typeface="Century Gothic"/>
-              <a:cs typeface="Century Gothic"/>
-            </a:endParaRPr>
-          </a:p>
-        </p:txBody>
-      </p:sp>
-      <p:sp>
-        <p:nvSpPr>
-          <p:cNvPr id="6" name="Tekstvak 5"/>
-          <p:cNvSpPr txBox="1"/>
-          <p:nvPr/>
-        </p:nvSpPr>
-        <p:spPr>
-          <a:xfrm>
-            <a:off x="2649273" y="3721301"/>
-            <a:ext cx="4736610" cy="923330"/>
-          </a:xfrm>
-          <a:prstGeom prst="rect">
-            <a:avLst/>
-          </a:prstGeom>
-          <a:noFill/>
-        </p:spPr>
-        <p:txBody>
-          <a:bodyPr wrap="square" rtlCol="0">
-            <a:spAutoFit/>
-          </a:bodyPr>
-          <a:lstStyle/>
-          <a:p>
-            <a:r>
-              <a:rPr lang="nl-NL" dirty="0" smtClean="0"/>
-              <a:t>Reading the syllabus			2 okt 2012</a:t>
-            </a:r>
-            <a:endParaRPr lang="nl-NL" dirty="0" smtClean="0">
-              <a:solidFill>
-                <a:schemeClr val="tx2">
-                  <a:lumMod val="40000"/>
-                  <a:lumOff val="60000"/>
-                </a:schemeClr>
-              </a:solidFill>
-            </a:endParaRPr>
-          </a:p>
-          <a:p>
-            <a:r>
-              <a:rPr lang="nl-NL" dirty="0" smtClean="0"/>
-              <a:t>Clean </a:t>
-            </a:r>
-            <a:r>
-              <a:rPr lang="nl-NL" dirty="0" err="1" smtClean="0"/>
-              <a:t>my</a:t>
-            </a:r>
-            <a:r>
-              <a:rPr lang="nl-NL" dirty="0" smtClean="0"/>
-              <a:t> room				</a:t>
-            </a:r>
-            <a:r>
-              <a:rPr lang="nl-NL" dirty="0"/>
-              <a:t>2 okt </a:t>
-            </a:r>
-            <a:r>
-              <a:rPr lang="nl-NL" dirty="0" smtClean="0"/>
-              <a:t>201	</a:t>
-            </a:r>
-            <a:endParaRPr lang="nl-NL" dirty="0" smtClean="0">
-              <a:solidFill>
-                <a:srgbClr val="8EB4E3"/>
-              </a:solidFill>
-            </a:endParaRPr>
-          </a:p>
-          <a:p>
-            <a:r>
-              <a:rPr lang="nl-NL" dirty="0" err="1" smtClean="0"/>
-              <a:t>Buy</a:t>
-            </a:r>
-            <a:r>
-              <a:rPr lang="nl-NL" dirty="0" smtClean="0"/>
-              <a:t> a card					</a:t>
-            </a:r>
-            <a:r>
-              <a:rPr lang="nl-NL" dirty="0"/>
-              <a:t>2 okt </a:t>
-            </a:r>
-            <a:r>
-              <a:rPr lang="nl-NL" dirty="0" smtClean="0"/>
-              <a:t>2012</a:t>
-            </a:r>
-            <a:endParaRPr lang="nl-NL" dirty="0" smtClean="0">
-              <a:solidFill>
-                <a:srgbClr val="8EB4E3"/>
-              </a:solidFill>
-            </a:endParaRPr>
-          </a:p>
-        </p:txBody>
-      </p:sp>
-      <p:sp>
-        <p:nvSpPr>
-          <p:cNvPr id="9" name="Rechthoek 8"/>
-          <p:cNvSpPr/>
-          <p:nvPr/>
-        </p:nvSpPr>
-        <p:spPr>
-          <a:xfrm>
-            <a:off x="6074207" y="2527882"/>
-            <a:ext cx="655838" cy="635048"/>
-          </a:xfrm>
-          <a:prstGeom prst="rect">
-            <a:avLst/>
-          </a:prstGeom>
-          <a:solidFill>
-            <a:srgbClr val="1C88DA"/>
-          </a:solidFill>
-          <a:ln w="6350" cmpd="sng">
-            <a:noFill/>
-            <a:prstDash val="solid"/>
-          </a:ln>
-          <a:effectLst/>
-        </p:spPr>
-        <p:style>
-          <a:lnRef idx="2">
-            <a:schemeClr val="accent1"/>
-          </a:lnRef>
-          <a:fillRef idx="0">
-            <a:schemeClr val="accent1"/>
-          </a:fillRef>
-          <a:effectRef idx="1">
-            <a:schemeClr val="accent1"/>
-          </a:effectRef>
-          <a:fontRef idx="minor">
-            <a:schemeClr val="tx1"/>
-          </a:fontRef>
-        </p:style>
-        <p:txBody>
-          <a:bodyPr rtlCol="0" anchor="ctr"/>
-          <a:lstStyle/>
-          <a:p>
-            <a:pPr algn="ctr"/>
-            <a:r>
-              <a:rPr lang="nl-NL" dirty="0" err="1" smtClean="0">
-                <a:solidFill>
-                  <a:schemeClr val="bg1"/>
-                </a:solidFill>
-              </a:rPr>
-              <a:t>add</a:t>
-            </a:r>
-            <a:endParaRPr lang="nl-NL" dirty="0">
-              <a:solidFill>
-                <a:schemeClr val="bg1"/>
-              </a:solidFill>
-            </a:endParaRPr>
-          </a:p>
-        </p:txBody>
-      </p:sp>
-      <p:sp>
-        <p:nvSpPr>
-          <p:cNvPr id="13" name="Tekstvak 12"/>
-          <p:cNvSpPr txBox="1"/>
-          <p:nvPr/>
-        </p:nvSpPr>
-        <p:spPr>
-          <a:xfrm>
-            <a:off x="2649273" y="673426"/>
-            <a:ext cx="4736609" cy="369332"/>
-          </a:xfrm>
-          <a:prstGeom prst="rect">
-            <a:avLst/>
-          </a:prstGeom>
-          <a:noFill/>
-        </p:spPr>
-        <p:txBody>
-          <a:bodyPr wrap="square" rtlCol="0">
-            <a:spAutoFit/>
-          </a:bodyPr>
-          <a:lstStyle/>
-          <a:p>
-            <a:r>
-              <a:rPr lang="nl-NL" dirty="0" smtClean="0">
-                <a:solidFill>
-                  <a:srgbClr val="FF0000"/>
-                </a:solidFill>
-              </a:rPr>
-              <a:t>Melding: vul uw datum in</a:t>
-            </a:r>
-            <a:endParaRPr lang="nl-NL" dirty="0">
-              <a:solidFill>
-                <a:srgbClr val="FF0000"/>
-              </a:solidFill>
-            </a:endParaRPr>
-          </a:p>
-        </p:txBody>
-      </p:sp>
-      <p:sp>
-        <p:nvSpPr>
-          <p:cNvPr id="8" name="Ovaal 7"/>
-          <p:cNvSpPr/>
-          <p:nvPr/>
-        </p:nvSpPr>
-        <p:spPr>
-          <a:xfrm>
-            <a:off x="604762" y="1781180"/>
-            <a:ext cx="1783442" cy="1106604"/>
-          </a:xfrm>
-          <a:prstGeom prst="ellipse">
-            <a:avLst/>
-          </a:prstGeom>
-          <a:ln w="6350" cmpd="sng">
-            <a:solidFill>
-              <a:schemeClr val="tx1"/>
-            </a:solidFill>
-            <a:prstDash val="lgDash"/>
-          </a:ln>
-          <a:effectLst/>
-        </p:spPr>
-        <p:style>
-          <a:lnRef idx="2">
-            <a:schemeClr val="accent1"/>
-          </a:lnRef>
-          <a:fillRef idx="0">
-            <a:schemeClr val="accent1"/>
-          </a:fillRef>
-          <a:effectRef idx="1">
-            <a:schemeClr val="accent1"/>
-          </a:effectRef>
-          <a:fontRef idx="minor">
-            <a:schemeClr val="tx1"/>
-          </a:fontRef>
-        </p:style>
-        <p:txBody>
-          <a:bodyPr rtlCol="0" anchor="ctr"/>
-          <a:lstStyle/>
-          <a:p>
-            <a:pPr algn="ctr"/>
-            <a:r>
-              <a:rPr lang="nl-NL" sz="1400" dirty="0" smtClean="0">
-                <a:latin typeface="Century Gothic"/>
-                <a:cs typeface="Century Gothic"/>
-              </a:rPr>
-              <a:t>Uitlezen tekstvelden</a:t>
-            </a:r>
-            <a:endParaRPr lang="nl-NL" sz="1400" dirty="0">
-              <a:latin typeface="Century Gothic"/>
-              <a:cs typeface="Century Gothic"/>
-            </a:endParaRPr>
-          </a:p>
-        </p:txBody>
-      </p:sp>
-      <p:sp>
-        <p:nvSpPr>
-          <p:cNvPr id="10" name="Ovaal 9"/>
-          <p:cNvSpPr/>
-          <p:nvPr/>
-        </p:nvSpPr>
-        <p:spPr>
-          <a:xfrm>
-            <a:off x="1948015" y="2385210"/>
-            <a:ext cx="539888" cy="539888"/>
-          </a:xfrm>
-          <a:prstGeom prst="ellipse">
-            <a:avLst/>
-          </a:prstGeom>
-          <a:solidFill>
-            <a:srgbClr val="CD2400"/>
-          </a:solidFill>
-          <a:ln w="6350" cmpd="sng">
-            <a:noFill/>
-            <a:prstDash val="lgDash"/>
-          </a:ln>
-          <a:effectLst/>
-        </p:spPr>
-        <p:style>
-          <a:lnRef idx="2">
-            <a:schemeClr val="accent1"/>
-          </a:lnRef>
-          <a:fillRef idx="0">
-            <a:schemeClr val="accent1"/>
-          </a:fillRef>
-          <a:effectRef idx="1">
-            <a:schemeClr val="accent1"/>
-          </a:effectRef>
-          <a:fontRef idx="minor">
-            <a:schemeClr val="tx1"/>
-          </a:fontRef>
-        </p:style>
-        <p:txBody>
-          <a:bodyPr rtlCol="0" anchor="ctr"/>
-          <a:lstStyle/>
-          <a:p>
-            <a:pPr algn="ctr"/>
-            <a:r>
-              <a:rPr lang="nl-NL" dirty="0">
-                <a:solidFill>
-                  <a:schemeClr val="bg1"/>
-                </a:solidFill>
-              </a:rPr>
-              <a:t>F</a:t>
-            </a:r>
-          </a:p>
-        </p:txBody>
-      </p:sp>
-      <p:sp>
-        <p:nvSpPr>
-          <p:cNvPr id="11" name="Ovaal 10"/>
-          <p:cNvSpPr/>
-          <p:nvPr/>
-        </p:nvSpPr>
-        <p:spPr>
-          <a:xfrm>
-            <a:off x="5114956" y="120124"/>
-            <a:ext cx="1783442" cy="1106604"/>
-          </a:xfrm>
-          <a:prstGeom prst="ellipse">
-            <a:avLst/>
-          </a:prstGeom>
-          <a:ln w="6350" cmpd="sng">
-            <a:solidFill>
-              <a:schemeClr val="tx1"/>
-            </a:solidFill>
-            <a:prstDash val="lgDash"/>
-          </a:ln>
-          <a:effectLst/>
-        </p:spPr>
-        <p:style>
-          <a:lnRef idx="2">
-            <a:schemeClr val="accent1"/>
-          </a:lnRef>
-          <a:fillRef idx="0">
-            <a:schemeClr val="accent1"/>
-          </a:fillRef>
-          <a:effectRef idx="1">
-            <a:schemeClr val="accent1"/>
-          </a:effectRef>
-          <a:fontRef idx="minor">
-            <a:schemeClr val="tx1"/>
-          </a:fontRef>
-        </p:style>
-        <p:txBody>
-          <a:bodyPr rtlCol="0" anchor="ctr"/>
-          <a:lstStyle/>
-          <a:p>
-            <a:pPr algn="ctr"/>
-            <a:r>
-              <a:rPr lang="nl-NL" sz="1400" dirty="0" smtClean="0">
-                <a:latin typeface="Century Gothic"/>
-                <a:cs typeface="Century Gothic"/>
-              </a:rPr>
-              <a:t>Foutmelding schrijven</a:t>
-            </a:r>
-            <a:endParaRPr lang="nl-NL" sz="1400" dirty="0">
-              <a:latin typeface="Century Gothic"/>
-              <a:cs typeface="Century Gothic"/>
-            </a:endParaRPr>
-          </a:p>
-        </p:txBody>
-      </p:sp>
-      <p:sp>
-        <p:nvSpPr>
-          <p:cNvPr id="12" name="Ovaal 11"/>
-          <p:cNvSpPr/>
-          <p:nvPr/>
-        </p:nvSpPr>
-        <p:spPr>
-          <a:xfrm>
-            <a:off x="4728590" y="241173"/>
-            <a:ext cx="539888" cy="539888"/>
-          </a:xfrm>
-          <a:prstGeom prst="ellipse">
-            <a:avLst/>
-          </a:prstGeom>
-          <a:solidFill>
-            <a:srgbClr val="CD2400"/>
-          </a:solidFill>
-          <a:ln w="6350" cmpd="sng">
-            <a:noFill/>
-            <a:prstDash val="lgDash"/>
-          </a:ln>
-          <a:effectLst/>
-        </p:spPr>
-        <p:style>
-          <a:lnRef idx="2">
-            <a:schemeClr val="accent1"/>
-          </a:lnRef>
-          <a:fillRef idx="0">
-            <a:schemeClr val="accent1"/>
-          </a:fillRef>
-          <a:effectRef idx="1">
-            <a:schemeClr val="accent1"/>
-          </a:effectRef>
-          <a:fontRef idx="minor">
-            <a:schemeClr val="tx1"/>
-          </a:fontRef>
-        </p:style>
-        <p:txBody>
-          <a:bodyPr rtlCol="0" anchor="ctr"/>
-          <a:lstStyle/>
-          <a:p>
-            <a:pPr algn="ctr"/>
-            <a:r>
-              <a:rPr lang="nl-NL" dirty="0">
-                <a:solidFill>
-                  <a:schemeClr val="bg1"/>
-                </a:solidFill>
-              </a:rPr>
-              <a:t>F</a:t>
-            </a:r>
-          </a:p>
-        </p:txBody>
-      </p:sp>
-      <p:sp>
-        <p:nvSpPr>
-          <p:cNvPr id="14" name="Ovaal 13"/>
-          <p:cNvSpPr/>
-          <p:nvPr/>
-        </p:nvSpPr>
-        <p:spPr>
-          <a:xfrm>
-            <a:off x="3556341" y="4644631"/>
-            <a:ext cx="1783442" cy="1106604"/>
-          </a:xfrm>
-          <a:prstGeom prst="ellipse">
-            <a:avLst/>
-          </a:prstGeom>
-          <a:ln w="6350" cmpd="sng">
-            <a:solidFill>
-              <a:schemeClr val="tx1"/>
-            </a:solidFill>
-            <a:prstDash val="lgDash"/>
-          </a:ln>
-          <a:effectLst/>
-        </p:spPr>
-        <p:style>
-          <a:lnRef idx="2">
-            <a:schemeClr val="accent1"/>
-          </a:lnRef>
-          <a:fillRef idx="0">
-            <a:schemeClr val="accent1"/>
-          </a:fillRef>
-          <a:effectRef idx="1">
-            <a:schemeClr val="accent1"/>
-          </a:effectRef>
-          <a:fontRef idx="minor">
-            <a:schemeClr val="tx1"/>
-          </a:fontRef>
-        </p:style>
-        <p:txBody>
-          <a:bodyPr rtlCol="0" anchor="ctr"/>
-          <a:lstStyle/>
-          <a:p>
-            <a:pPr algn="ctr"/>
-            <a:r>
-              <a:rPr lang="nl-NL" sz="1400" dirty="0" smtClean="0">
-                <a:latin typeface="Century Gothic"/>
-                <a:cs typeface="Century Gothic"/>
-              </a:rPr>
-              <a:t>Array uitlezen en op scherm zetten</a:t>
-            </a:r>
-            <a:endParaRPr lang="nl-NL" sz="1400" dirty="0">
-              <a:latin typeface="Century Gothic"/>
-              <a:cs typeface="Century Gothic"/>
-            </a:endParaRPr>
-          </a:p>
-        </p:txBody>
-      </p:sp>
-      <p:sp>
-        <p:nvSpPr>
-          <p:cNvPr id="15" name="Ovaal 14"/>
-          <p:cNvSpPr/>
-          <p:nvPr/>
-        </p:nvSpPr>
-        <p:spPr>
-          <a:xfrm>
-            <a:off x="4247363" y="4214995"/>
-            <a:ext cx="539888" cy="539888"/>
-          </a:xfrm>
-          <a:prstGeom prst="ellipse">
-            <a:avLst/>
-          </a:prstGeom>
-          <a:solidFill>
-            <a:srgbClr val="CD2400"/>
-          </a:solidFill>
-          <a:ln w="6350" cmpd="sng">
-            <a:noFill/>
-            <a:prstDash val="lgDash"/>
-          </a:ln>
-          <a:effectLst/>
-        </p:spPr>
-        <p:style>
-          <a:lnRef idx="2">
-            <a:schemeClr val="accent1"/>
-          </a:lnRef>
-          <a:fillRef idx="0">
-            <a:schemeClr val="accent1"/>
-          </a:fillRef>
-          <a:effectRef idx="1">
-            <a:schemeClr val="accent1"/>
-          </a:effectRef>
-          <a:fontRef idx="minor">
-            <a:schemeClr val="tx1"/>
-          </a:fontRef>
-        </p:style>
-        <p:txBody>
-          <a:bodyPr rtlCol="0" anchor="ctr"/>
-          <a:lstStyle/>
-          <a:p>
-            <a:pPr algn="ctr"/>
-            <a:r>
-              <a:rPr lang="nl-NL" dirty="0">
-                <a:solidFill>
-                  <a:schemeClr val="bg1"/>
-                </a:solidFill>
-              </a:rPr>
-              <a:t>F</a:t>
-            </a:r>
-          </a:p>
-        </p:txBody>
-      </p:sp>
-      <p:sp>
-        <p:nvSpPr>
-          <p:cNvPr id="16" name="Ovaal 15"/>
-          <p:cNvSpPr/>
-          <p:nvPr/>
-        </p:nvSpPr>
-        <p:spPr>
-          <a:xfrm>
-            <a:off x="604762" y="3108391"/>
-            <a:ext cx="1783442" cy="1106604"/>
-          </a:xfrm>
-          <a:prstGeom prst="ellipse">
-            <a:avLst/>
-          </a:prstGeom>
-          <a:ln w="6350" cmpd="sng">
-            <a:solidFill>
-              <a:schemeClr val="tx1"/>
-            </a:solidFill>
-            <a:prstDash val="lgDash"/>
-          </a:ln>
-          <a:effectLst/>
-        </p:spPr>
-        <p:style>
-          <a:lnRef idx="2">
-            <a:schemeClr val="accent1"/>
-          </a:lnRef>
-          <a:fillRef idx="0">
-            <a:schemeClr val="accent1"/>
-          </a:fillRef>
-          <a:effectRef idx="1">
-            <a:schemeClr val="accent1"/>
-          </a:effectRef>
-          <a:fontRef idx="minor">
-            <a:schemeClr val="tx1"/>
-          </a:fontRef>
-        </p:style>
-        <p:txBody>
-          <a:bodyPr rtlCol="0" anchor="ctr"/>
-          <a:lstStyle/>
-          <a:p>
-            <a:pPr algn="ctr"/>
-            <a:r>
-              <a:rPr lang="nl-NL" sz="1400" dirty="0" smtClean="0">
-                <a:latin typeface="Century Gothic"/>
-                <a:cs typeface="Century Gothic"/>
-              </a:rPr>
-              <a:t>Waarden in array zetten</a:t>
-            </a:r>
-            <a:endParaRPr lang="nl-NL" sz="1400" dirty="0">
-              <a:latin typeface="Century Gothic"/>
-              <a:cs typeface="Century Gothic"/>
-            </a:endParaRPr>
-          </a:p>
-        </p:txBody>
-      </p:sp>
-      <p:sp>
-        <p:nvSpPr>
-          <p:cNvPr id="17" name="Ovaal 16"/>
-          <p:cNvSpPr/>
-          <p:nvPr/>
-        </p:nvSpPr>
-        <p:spPr>
-          <a:xfrm>
-            <a:off x="2118260" y="3108391"/>
-            <a:ext cx="539888" cy="539888"/>
-          </a:xfrm>
-          <a:prstGeom prst="ellipse">
-            <a:avLst/>
-          </a:prstGeom>
-          <a:solidFill>
-            <a:srgbClr val="CD2400"/>
-          </a:solidFill>
-          <a:ln w="6350" cmpd="sng">
-            <a:noFill/>
-            <a:prstDash val="lgDash"/>
-          </a:ln>
-          <a:effectLst/>
-        </p:spPr>
-        <p:style>
-          <a:lnRef idx="2">
-            <a:schemeClr val="accent1"/>
-          </a:lnRef>
-          <a:fillRef idx="0">
-            <a:schemeClr val="accent1"/>
-          </a:fillRef>
-          <a:effectRef idx="1">
-            <a:schemeClr val="accent1"/>
-          </a:effectRef>
-          <a:fontRef idx="minor">
-            <a:schemeClr val="tx1"/>
-          </a:fontRef>
-        </p:style>
-        <p:txBody>
-          <a:bodyPr rtlCol="0" anchor="ctr"/>
-          <a:lstStyle/>
-          <a:p>
-            <a:pPr algn="ctr"/>
-            <a:r>
-              <a:rPr lang="nl-NL" dirty="0">
-                <a:solidFill>
-                  <a:schemeClr val="bg1"/>
-                </a:solidFill>
-              </a:rPr>
-              <a:t>F</a:t>
-            </a:r>
-          </a:p>
-        </p:txBody>
-      </p:sp>
-    </p:spTree>
-    <p:extLst>
-      <p:ext uri="{BB962C8B-B14F-4D97-AF65-F5344CB8AC3E}">
-        <p14:creationId xmlns="" xmlns:p14="http://schemas.microsoft.com/office/powerpoint/2010/main" val="3611308093"/>
-      </p:ext>
-    </p:extLst>
-  </p:cSld>
-  <p:clrMapOvr>
-    <a:masterClrMapping/>
-  </p:clrMapOvr>
-  <p:timing>
-    <p:tnLst>
-      <p:par>
-        <p:cTn id="1" dur="indefinite" restart="never" nodeType="tmRoot"/>
-      </p:par>
-    </p:tnLst>
-  </p:timing>
-</p:sld>
-</file>
-
-<file path=ppt/slides/slide17.xml><?xml version="1.0" encoding="utf-8"?>
-<p:sld xmlns:a="http://schemas.openxmlformats.org/drawingml/2006/main" xmlns:r="http://schemas.openxmlformats.org/officeDocument/2006/relationships" xmlns:p="http://schemas.openxmlformats.org/presentationml/2006/main">
-  <p:cSld>
-    <p:spTree>
-      <p:nvGrpSpPr>
-        <p:cNvPr id="1" name=""/>
-        <p:cNvGrpSpPr/>
-        <p:nvPr/>
-      </p:nvGrpSpPr>
-      <p:grpSpPr>
-        <a:xfrm>
-          <a:off x="0" y="0"/>
-          <a:ext cx="0" cy="0"/>
-          <a:chOff x="0" y="0"/>
-          <a:chExt cx="0" cy="0"/>
-        </a:xfrm>
-      </p:grpSpPr>
-      <p:sp>
-        <p:nvSpPr>
           <p:cNvPr id="2" name="Tekstvak 1"/>
           <p:cNvSpPr txBox="1"/>
           <p:nvPr/>
@@ -7761,7 +6798,7 @@
 </p:sld>
 </file>
 
-<file path=ppt/slides/slide18.xml><?xml version="1.0" encoding="utf-8"?>
+<file path=ppt/slides/slide16.xml><?xml version="1.0" encoding="utf-8"?>
 <p:sld xmlns:a="http://schemas.openxmlformats.org/drawingml/2006/main" xmlns:r="http://schemas.openxmlformats.org/officeDocument/2006/relationships" xmlns:p="http://schemas.openxmlformats.org/presentationml/2006/main">
   <p:cSld>
     <p:bg>
@@ -7848,7 +6885,7 @@
 </p:sld>
 </file>
 
-<file path=ppt/slides/slide19.xml><?xml version="1.0" encoding="utf-8"?>
+<file path=ppt/slides/slide17.xml><?xml version="1.0" encoding="utf-8"?>
 <p:sld xmlns:a="http://schemas.openxmlformats.org/drawingml/2006/main" xmlns:r="http://schemas.openxmlformats.org/officeDocument/2006/relationships" xmlns:p="http://schemas.openxmlformats.org/presentationml/2006/main">
   <p:cSld>
     <p:spTree>
@@ -8651,6 +7688,127 @@
 </p:sld>
 </file>
 
+<file path=ppt/slides/slide18.xml><?xml version="1.0" encoding="utf-8"?>
+<p:sld xmlns:a="http://schemas.openxmlformats.org/drawingml/2006/main" xmlns:r="http://schemas.openxmlformats.org/officeDocument/2006/relationships" xmlns:p="http://schemas.openxmlformats.org/presentationml/2006/main">
+  <p:cSld>
+    <p:spTree>
+      <p:nvGrpSpPr>
+        <p:cNvPr id="1" name=""/>
+        <p:cNvGrpSpPr/>
+        <p:nvPr/>
+      </p:nvGrpSpPr>
+      <p:grpSpPr>
+        <a:xfrm>
+          <a:off x="0" y="0"/>
+          <a:ext cx="0" cy="0"/>
+          <a:chOff x="0" y="0"/>
+          <a:chExt cx="0" cy="0"/>
+        </a:xfrm>
+      </p:grpSpPr>
+      <p:sp>
+        <p:nvSpPr>
+          <p:cNvPr id="8" name="Tekstvak 7"/>
+          <p:cNvSpPr txBox="1"/>
+          <p:nvPr/>
+        </p:nvSpPr>
+        <p:spPr>
+          <a:xfrm>
+            <a:off x="1443789" y="1501988"/>
+            <a:ext cx="6614912" cy="3785652"/>
+          </a:xfrm>
+          <a:prstGeom prst="rect">
+            <a:avLst/>
+          </a:prstGeom>
+          <a:noFill/>
+        </p:spPr>
+        <p:txBody>
+          <a:bodyPr wrap="none" rtlCol="0">
+            <a:spAutoFit/>
+          </a:bodyPr>
+          <a:lstStyle/>
+          <a:p>
+            <a:r>
+              <a:rPr lang="nl-NL" sz="4800" b="1" dirty="0" smtClean="0">
+                <a:latin typeface="Century Gothic"/>
+                <a:cs typeface="Century Gothic"/>
+              </a:rPr>
+              <a:t>Maak</a:t>
+            </a:r>
+            <a:endParaRPr lang="nl-NL" sz="4800" b="1" dirty="0">
+              <a:solidFill>
+                <a:srgbClr val="000000"/>
+              </a:solidFill>
+              <a:latin typeface="Century Gothic"/>
+              <a:cs typeface="Century Gothic"/>
+            </a:endParaRPr>
+          </a:p>
+          <a:p>
+            <a:r>
+              <a:rPr lang="nl-NL" sz="4800" dirty="0" smtClean="0">
+                <a:solidFill>
+                  <a:srgbClr val="000000"/>
+                </a:solidFill>
+                <a:latin typeface="Century Gothic"/>
+                <a:cs typeface="Century Gothic"/>
+              </a:rPr>
+              <a:t>Boodschappenlijstje</a:t>
+            </a:r>
+          </a:p>
+          <a:p>
+            <a:endParaRPr lang="nl-NL" sz="4800" dirty="0" smtClean="0">
+              <a:solidFill>
+                <a:srgbClr val="000000"/>
+              </a:solidFill>
+              <a:latin typeface="Century Gothic"/>
+              <a:cs typeface="Century Gothic"/>
+            </a:endParaRPr>
+          </a:p>
+          <a:p>
+            <a:r>
+              <a:rPr lang="nl-NL" sz="4800" b="1" dirty="0" smtClean="0">
+                <a:solidFill>
+                  <a:srgbClr val="000000"/>
+                </a:solidFill>
+                <a:latin typeface="Century Gothic"/>
+                <a:cs typeface="Century Gothic"/>
+              </a:rPr>
+              <a:t>Maak </a:t>
+            </a:r>
+          </a:p>
+          <a:p>
+            <a:r>
+              <a:rPr lang="nl-NL" sz="4800" dirty="0" smtClean="0">
+                <a:solidFill>
+                  <a:srgbClr val="000000"/>
+                </a:solidFill>
+                <a:latin typeface="Century Gothic"/>
+                <a:cs typeface="Century Gothic"/>
+              </a:rPr>
+              <a:t>Beoordeelopdracht 2</a:t>
+            </a:r>
+          </a:p>
+        </p:txBody>
+      </p:sp>
+    </p:spTree>
+    <p:extLst>
+      <p:ext uri="{BB962C8B-B14F-4D97-AF65-F5344CB8AC3E}">
+        <p14:creationId xmlns="" xmlns:p14="http://schemas.microsoft.com/office/powerpoint/2010/main" val="1543278352"/>
+      </p:ext>
+    </p:extLst>
+  </p:cSld>
+  <p:clrMapOvr>
+    <a:masterClrMapping/>
+  </p:clrMapOvr>
+  <p:timing>
+    <p:tnLst>
+      <p:par>
+        <p:cTn id="1" dur="indefinite" restart="never" nodeType="tmRoot"/>
+      </p:par>
+    </p:tnLst>
+  </p:timing>
+</p:sld>
+</file>
+
 <file path=ppt/slides/slide2.xml><?xml version="1.0" encoding="utf-8"?>
 <p:sld xmlns:a="http://schemas.openxmlformats.org/drawingml/2006/main" xmlns:r="http://schemas.openxmlformats.org/officeDocument/2006/relationships" xmlns:p="http://schemas.openxmlformats.org/presentationml/2006/main">
   <p:cSld>
@@ -8722,127 +7880,6 @@
     <p:extLst>
       <p:ext uri="{BB962C8B-B14F-4D97-AF65-F5344CB8AC3E}">
         <p14:creationId xmlns="" xmlns:p14="http://schemas.microsoft.com/office/powerpoint/2010/main" val="734020736"/>
-      </p:ext>
-    </p:extLst>
-  </p:cSld>
-  <p:clrMapOvr>
-    <a:masterClrMapping/>
-  </p:clrMapOvr>
-  <p:timing>
-    <p:tnLst>
-      <p:par>
-        <p:cTn id="1" dur="indefinite" restart="never" nodeType="tmRoot"/>
-      </p:par>
-    </p:tnLst>
-  </p:timing>
-</p:sld>
-</file>
-
-<file path=ppt/slides/slide20.xml><?xml version="1.0" encoding="utf-8"?>
-<p:sld xmlns:a="http://schemas.openxmlformats.org/drawingml/2006/main" xmlns:r="http://schemas.openxmlformats.org/officeDocument/2006/relationships" xmlns:p="http://schemas.openxmlformats.org/presentationml/2006/main">
-  <p:cSld>
-    <p:spTree>
-      <p:nvGrpSpPr>
-        <p:cNvPr id="1" name=""/>
-        <p:cNvGrpSpPr/>
-        <p:nvPr/>
-      </p:nvGrpSpPr>
-      <p:grpSpPr>
-        <a:xfrm>
-          <a:off x="0" y="0"/>
-          <a:ext cx="0" cy="0"/>
-          <a:chOff x="0" y="0"/>
-          <a:chExt cx="0" cy="0"/>
-        </a:xfrm>
-      </p:grpSpPr>
-      <p:sp>
-        <p:nvSpPr>
-          <p:cNvPr id="8" name="Tekstvak 7"/>
-          <p:cNvSpPr txBox="1"/>
-          <p:nvPr/>
-        </p:nvSpPr>
-        <p:spPr>
-          <a:xfrm>
-            <a:off x="1443789" y="1501988"/>
-            <a:ext cx="6614912" cy="3785652"/>
-          </a:xfrm>
-          <a:prstGeom prst="rect">
-            <a:avLst/>
-          </a:prstGeom>
-          <a:noFill/>
-        </p:spPr>
-        <p:txBody>
-          <a:bodyPr wrap="none" rtlCol="0">
-            <a:spAutoFit/>
-          </a:bodyPr>
-          <a:lstStyle/>
-          <a:p>
-            <a:r>
-              <a:rPr lang="nl-NL" sz="4800" b="1" dirty="0" smtClean="0">
-                <a:latin typeface="Century Gothic"/>
-                <a:cs typeface="Century Gothic"/>
-              </a:rPr>
-              <a:t>Maak</a:t>
-            </a:r>
-            <a:endParaRPr lang="nl-NL" sz="4800" b="1" dirty="0">
-              <a:solidFill>
-                <a:srgbClr val="000000"/>
-              </a:solidFill>
-              <a:latin typeface="Century Gothic"/>
-              <a:cs typeface="Century Gothic"/>
-            </a:endParaRPr>
-          </a:p>
-          <a:p>
-            <a:r>
-              <a:rPr lang="nl-NL" sz="4800" dirty="0" smtClean="0">
-                <a:solidFill>
-                  <a:srgbClr val="000000"/>
-                </a:solidFill>
-                <a:latin typeface="Century Gothic"/>
-                <a:cs typeface="Century Gothic"/>
-              </a:rPr>
-              <a:t>Boodschappenlijstje</a:t>
-            </a:r>
-          </a:p>
-          <a:p>
-            <a:endParaRPr lang="nl-NL" sz="4800" dirty="0" smtClean="0">
-              <a:solidFill>
-                <a:srgbClr val="000000"/>
-              </a:solidFill>
-              <a:latin typeface="Century Gothic"/>
-              <a:cs typeface="Century Gothic"/>
-            </a:endParaRPr>
-          </a:p>
-          <a:p>
-            <a:r>
-              <a:rPr lang="nl-NL" sz="4800" b="1" dirty="0" smtClean="0">
-                <a:solidFill>
-                  <a:srgbClr val="000000"/>
-                </a:solidFill>
-                <a:latin typeface="Century Gothic"/>
-                <a:cs typeface="Century Gothic"/>
-              </a:rPr>
-              <a:t>Maak </a:t>
-            </a:r>
-          </a:p>
-          <a:p>
-            <a:r>
-              <a:rPr lang="nl-NL" sz="4800" dirty="0" smtClean="0">
-                <a:solidFill>
-                  <a:srgbClr val="000000"/>
-                </a:solidFill>
-                <a:latin typeface="Century Gothic"/>
-                <a:cs typeface="Century Gothic"/>
-              </a:rPr>
-              <a:t>Beoordeelopdracht 2</a:t>
-            </a:r>
-          </a:p>
-        </p:txBody>
-      </p:sp>
-    </p:spTree>
-    <p:extLst>
-      <p:ext uri="{BB962C8B-B14F-4D97-AF65-F5344CB8AC3E}">
-        <p14:creationId xmlns="" xmlns:p14="http://schemas.microsoft.com/office/powerpoint/2010/main" val="1543278352"/>
       </p:ext>
     </p:extLst>
   </p:cSld>
@@ -10148,1945 +9185,6 @@
 <file path=ppt/slides/slide6.xml><?xml version="1.0" encoding="utf-8"?>
 <p:sld xmlns:a="http://schemas.openxmlformats.org/drawingml/2006/main" xmlns:r="http://schemas.openxmlformats.org/officeDocument/2006/relationships" xmlns:p="http://schemas.openxmlformats.org/presentationml/2006/main">
   <p:cSld>
-    <p:spTree>
-      <p:nvGrpSpPr>
-        <p:cNvPr id="1" name=""/>
-        <p:cNvGrpSpPr/>
-        <p:nvPr/>
-      </p:nvGrpSpPr>
-      <p:grpSpPr>
-        <a:xfrm>
-          <a:off x="0" y="0"/>
-          <a:ext cx="0" cy="0"/>
-          <a:chOff x="0" y="0"/>
-          <a:chExt cx="0" cy="0"/>
-        </a:xfrm>
-      </p:grpSpPr>
-      <p:sp>
-        <p:nvSpPr>
-          <p:cNvPr id="5" name="Afgeronde rechthoek 4"/>
-          <p:cNvSpPr/>
-          <p:nvPr/>
-        </p:nvSpPr>
-        <p:spPr>
-          <a:xfrm>
-            <a:off x="3421297" y="2021996"/>
-            <a:ext cx="1686442" cy="451339"/>
-          </a:xfrm>
-          <a:prstGeom prst="roundRect">
-            <a:avLst/>
-          </a:prstGeom>
-          <a:solidFill>
-            <a:srgbClr val="CD2400"/>
-          </a:solidFill>
-          <a:ln>
-            <a:noFill/>
-          </a:ln>
-          <a:effectLst/>
-        </p:spPr>
-        <p:style>
-          <a:lnRef idx="1">
-            <a:schemeClr val="accent1"/>
-          </a:lnRef>
-          <a:fillRef idx="3">
-            <a:schemeClr val="accent1"/>
-          </a:fillRef>
-          <a:effectRef idx="2">
-            <a:schemeClr val="accent1"/>
-          </a:effectRef>
-          <a:fontRef idx="minor">
-            <a:schemeClr val="lt1"/>
-          </a:fontRef>
-        </p:style>
-        <p:txBody>
-          <a:bodyPr rtlCol="0" anchor="t"/>
-          <a:lstStyle/>
-          <a:p>
-            <a:pPr algn="ctr"/>
-            <a:r>
-              <a:rPr lang="nl-NL" sz="1600" dirty="0" err="1" smtClean="0"/>
-              <a:t>Table</a:t>
-            </a:r>
-            <a:r>
-              <a:rPr lang="nl-NL" sz="1600" dirty="0" smtClean="0"/>
-              <a:t> </a:t>
-            </a:r>
-            <a:r>
-              <a:rPr lang="nl-NL" sz="1600" dirty="0" err="1" smtClean="0"/>
-              <a:t>id</a:t>
-            </a:r>
-            <a:r>
-              <a:rPr lang="nl-NL" sz="1600" dirty="0" smtClean="0"/>
-              <a:t>=</a:t>
-            </a:r>
-            <a:r>
-              <a:rPr lang="nl-NL" sz="1600" dirty="0" err="1" smtClean="0"/>
-              <a:t>todo</a:t>
-            </a:r>
-            <a:endParaRPr lang="nl-NL" sz="1600" dirty="0"/>
-          </a:p>
-        </p:txBody>
-      </p:sp>
-      <p:cxnSp>
-        <p:nvCxnSpPr>
-          <p:cNvPr id="14" name="Rechte verbindingslijn met pijl 13"/>
-          <p:cNvCxnSpPr>
-            <a:endCxn id="24" idx="0"/>
-          </p:cNvCxnSpPr>
-          <p:nvPr/>
-        </p:nvCxnSpPr>
-        <p:spPr>
-          <a:xfrm>
-            <a:off x="1662738" y="2746032"/>
-            <a:ext cx="0" cy="619474"/>
-          </a:xfrm>
-          <a:prstGeom prst="straightConnector1">
-            <a:avLst/>
-          </a:prstGeom>
-          <a:ln>
-            <a:solidFill>
-              <a:schemeClr val="tx1"/>
-            </a:solidFill>
-            <a:tailEnd type="arrow"/>
-          </a:ln>
-          <a:effectLst/>
-        </p:spPr>
-        <p:style>
-          <a:lnRef idx="2">
-            <a:schemeClr val="accent1"/>
-          </a:lnRef>
-          <a:fillRef idx="0">
-            <a:schemeClr val="accent1"/>
-          </a:fillRef>
-          <a:effectRef idx="1">
-            <a:schemeClr val="accent1"/>
-          </a:effectRef>
-          <a:fontRef idx="minor">
-            <a:schemeClr val="tx1"/>
-          </a:fontRef>
-        </p:style>
-      </p:cxnSp>
-      <p:cxnSp>
-        <p:nvCxnSpPr>
-          <p:cNvPr id="17" name="Rechte verbindingslijn met pijl 16"/>
-          <p:cNvCxnSpPr/>
-          <p:nvPr/>
-        </p:nvCxnSpPr>
-        <p:spPr>
-          <a:xfrm>
-            <a:off x="4139337" y="2737335"/>
-            <a:ext cx="0" cy="652030"/>
-          </a:xfrm>
-          <a:prstGeom prst="straightConnector1">
-            <a:avLst/>
-          </a:prstGeom>
-          <a:ln>
-            <a:solidFill>
-              <a:schemeClr val="tx1"/>
-            </a:solidFill>
-            <a:tailEnd type="arrow"/>
-          </a:ln>
-          <a:effectLst/>
-        </p:spPr>
-        <p:style>
-          <a:lnRef idx="2">
-            <a:schemeClr val="accent1"/>
-          </a:lnRef>
-          <a:fillRef idx="0">
-            <a:schemeClr val="accent1"/>
-          </a:fillRef>
-          <a:effectRef idx="1">
-            <a:schemeClr val="accent1"/>
-          </a:effectRef>
-          <a:fontRef idx="minor">
-            <a:schemeClr val="tx1"/>
-          </a:fontRef>
-        </p:style>
-      </p:cxnSp>
-      <p:sp>
-        <p:nvSpPr>
-          <p:cNvPr id="19" name="Afgeronde rechthoek 18"/>
-          <p:cNvSpPr/>
-          <p:nvPr/>
-        </p:nvSpPr>
-        <p:spPr>
-          <a:xfrm>
-            <a:off x="3751834" y="1161043"/>
-            <a:ext cx="1025368" cy="451339"/>
-          </a:xfrm>
-          <a:prstGeom prst="roundRect">
-            <a:avLst/>
-          </a:prstGeom>
-          <a:solidFill>
-            <a:srgbClr val="CD2400"/>
-          </a:solidFill>
-          <a:ln>
-            <a:noFill/>
-          </a:ln>
-          <a:effectLst/>
-        </p:spPr>
-        <p:style>
-          <a:lnRef idx="1">
-            <a:schemeClr val="accent1"/>
-          </a:lnRef>
-          <a:fillRef idx="3">
-            <a:schemeClr val="accent1"/>
-          </a:fillRef>
-          <a:effectRef idx="2">
-            <a:schemeClr val="accent1"/>
-          </a:effectRef>
-          <a:fontRef idx="minor">
-            <a:schemeClr val="lt1"/>
-          </a:fontRef>
-        </p:style>
-        <p:txBody>
-          <a:bodyPr rtlCol="0" anchor="t"/>
-          <a:lstStyle/>
-          <a:p>
-            <a:pPr algn="ctr"/>
-            <a:r>
-              <a:rPr lang="nl-NL" sz="1600" dirty="0" smtClean="0"/>
-              <a:t>body</a:t>
-            </a:r>
-            <a:endParaRPr lang="nl-NL" sz="1600" dirty="0"/>
-          </a:p>
-        </p:txBody>
-      </p:sp>
-      <p:sp>
-        <p:nvSpPr>
-          <p:cNvPr id="24" name="Afgeronde rechthoek 23"/>
-          <p:cNvSpPr/>
-          <p:nvPr/>
-        </p:nvSpPr>
-        <p:spPr>
-          <a:xfrm>
-            <a:off x="1047374" y="3365506"/>
-            <a:ext cx="1230728" cy="451339"/>
-          </a:xfrm>
-          <a:prstGeom prst="roundRect">
-            <a:avLst/>
-          </a:prstGeom>
-          <a:solidFill>
-            <a:schemeClr val="bg1">
-              <a:lumMod val="85000"/>
-            </a:schemeClr>
-          </a:solidFill>
-          <a:ln>
-            <a:noFill/>
-          </a:ln>
-          <a:effectLst/>
-        </p:spPr>
-        <p:style>
-          <a:lnRef idx="1">
-            <a:schemeClr val="accent1"/>
-          </a:lnRef>
-          <a:fillRef idx="3">
-            <a:schemeClr val="accent1"/>
-          </a:fillRef>
-          <a:effectRef idx="2">
-            <a:schemeClr val="accent1"/>
-          </a:effectRef>
-          <a:fontRef idx="minor">
-            <a:schemeClr val="lt1"/>
-          </a:fontRef>
-        </p:style>
-        <p:txBody>
-          <a:bodyPr rtlCol="0" anchor="t"/>
-          <a:lstStyle/>
-          <a:p>
-            <a:pPr algn="ctr"/>
-            <a:r>
-              <a:rPr lang="nl-NL" sz="1600" dirty="0" err="1" smtClean="0"/>
-              <a:t>tr</a:t>
-            </a:r>
-            <a:endParaRPr lang="nl-NL" sz="1600" dirty="0"/>
-          </a:p>
-        </p:txBody>
-      </p:sp>
-      <p:cxnSp>
-        <p:nvCxnSpPr>
-          <p:cNvPr id="56" name="Rechte verbindingslijn 55"/>
-          <p:cNvCxnSpPr/>
-          <p:nvPr/>
-        </p:nvCxnSpPr>
-        <p:spPr>
-          <a:xfrm flipV="1">
-            <a:off x="1674437" y="2746032"/>
-            <a:ext cx="5524137" cy="1"/>
-          </a:xfrm>
-          <a:prstGeom prst="line">
-            <a:avLst/>
-          </a:prstGeom>
-          <a:ln>
-            <a:solidFill>
-              <a:schemeClr val="tx1"/>
-            </a:solidFill>
-          </a:ln>
-          <a:effectLst/>
-        </p:spPr>
-        <p:style>
-          <a:lnRef idx="2">
-            <a:schemeClr val="accent1"/>
-          </a:lnRef>
-          <a:fillRef idx="0">
-            <a:schemeClr val="accent1"/>
-          </a:fillRef>
-          <a:effectRef idx="1">
-            <a:schemeClr val="accent1"/>
-          </a:effectRef>
-          <a:fontRef idx="minor">
-            <a:schemeClr val="tx1"/>
-          </a:fontRef>
-        </p:style>
-      </p:cxnSp>
-      <p:cxnSp>
-        <p:nvCxnSpPr>
-          <p:cNvPr id="62" name="Rechte verbindingslijn met pijl 61"/>
-          <p:cNvCxnSpPr>
-            <a:stCxn id="5" idx="2"/>
-          </p:cNvCxnSpPr>
-          <p:nvPr/>
-        </p:nvCxnSpPr>
-        <p:spPr>
-          <a:xfrm>
-            <a:off x="4264518" y="2473335"/>
-            <a:ext cx="0" cy="272697"/>
-          </a:xfrm>
-          <a:prstGeom prst="straightConnector1">
-            <a:avLst/>
-          </a:prstGeom>
-          <a:ln>
-            <a:solidFill>
-              <a:schemeClr val="tx1"/>
-            </a:solidFill>
-            <a:tailEnd type="arrow"/>
-          </a:ln>
-          <a:effectLst/>
-        </p:spPr>
-        <p:style>
-          <a:lnRef idx="2">
-            <a:schemeClr val="accent1"/>
-          </a:lnRef>
-          <a:fillRef idx="0">
-            <a:schemeClr val="accent1"/>
-          </a:fillRef>
-          <a:effectRef idx="1">
-            <a:schemeClr val="accent1"/>
-          </a:effectRef>
-          <a:fontRef idx="minor">
-            <a:schemeClr val="tx1"/>
-          </a:fontRef>
-        </p:style>
-      </p:cxnSp>
-      <p:cxnSp>
-        <p:nvCxnSpPr>
-          <p:cNvPr id="63" name="Rechte verbindingslijn met pijl 62"/>
-          <p:cNvCxnSpPr/>
-          <p:nvPr/>
-        </p:nvCxnSpPr>
-        <p:spPr>
-          <a:xfrm flipH="1">
-            <a:off x="7193162" y="2746032"/>
-            <a:ext cx="5412" cy="652030"/>
-          </a:xfrm>
-          <a:prstGeom prst="straightConnector1">
-            <a:avLst/>
-          </a:prstGeom>
-          <a:ln>
-            <a:solidFill>
-              <a:schemeClr val="tx1"/>
-            </a:solidFill>
-            <a:tailEnd type="arrow"/>
-          </a:ln>
-          <a:effectLst/>
-        </p:spPr>
-        <p:style>
-          <a:lnRef idx="2">
-            <a:schemeClr val="accent1"/>
-          </a:lnRef>
-          <a:fillRef idx="0">
-            <a:schemeClr val="accent1"/>
-          </a:fillRef>
-          <a:effectRef idx="1">
-            <a:schemeClr val="accent1"/>
-          </a:effectRef>
-          <a:fontRef idx="minor">
-            <a:schemeClr val="tx1"/>
-          </a:fontRef>
-        </p:style>
-      </p:cxnSp>
-      <p:cxnSp>
-        <p:nvCxnSpPr>
-          <p:cNvPr id="81" name="Rechte verbindingslijn met pijl 80"/>
-          <p:cNvCxnSpPr>
-            <a:stCxn id="19" idx="2"/>
-            <a:endCxn id="5" idx="0"/>
-          </p:cNvCxnSpPr>
-          <p:nvPr/>
-        </p:nvCxnSpPr>
-        <p:spPr>
-          <a:xfrm>
-            <a:off x="4264518" y="1612382"/>
-            <a:ext cx="0" cy="409614"/>
-          </a:xfrm>
-          <a:prstGeom prst="straightConnector1">
-            <a:avLst/>
-          </a:prstGeom>
-          <a:ln>
-            <a:solidFill>
-              <a:schemeClr val="tx1"/>
-            </a:solidFill>
-            <a:tailEnd type="arrow"/>
-          </a:ln>
-          <a:effectLst/>
-        </p:spPr>
-        <p:style>
-          <a:lnRef idx="2">
-            <a:schemeClr val="accent1"/>
-          </a:lnRef>
-          <a:fillRef idx="0">
-            <a:schemeClr val="accent1"/>
-          </a:fillRef>
-          <a:effectRef idx="1">
-            <a:schemeClr val="accent1"/>
-          </a:effectRef>
-          <a:fontRef idx="minor">
-            <a:schemeClr val="tx1"/>
-          </a:fontRef>
-        </p:style>
-      </p:cxnSp>
-      <p:sp>
-        <p:nvSpPr>
-          <p:cNvPr id="84" name="Tekstvak 83"/>
-          <p:cNvSpPr txBox="1"/>
-          <p:nvPr/>
-        </p:nvSpPr>
-        <p:spPr>
-          <a:xfrm>
-            <a:off x="200644" y="228003"/>
-            <a:ext cx="1891794" cy="584776"/>
-          </a:xfrm>
-          <a:prstGeom prst="rect">
-            <a:avLst/>
-          </a:prstGeom>
-          <a:solidFill>
-            <a:srgbClr val="1C88DA"/>
-          </a:solidFill>
-        </p:spPr>
-        <p:txBody>
-          <a:bodyPr wrap="square" rtlCol="0">
-            <a:spAutoFit/>
-          </a:bodyPr>
-          <a:lstStyle/>
-          <a:p>
-            <a:r>
-              <a:rPr lang="nl-NL" sz="3200" dirty="0" smtClean="0">
-                <a:solidFill>
-                  <a:schemeClr val="bg1"/>
-                </a:solidFill>
-                <a:latin typeface="Century Gothic"/>
-                <a:cs typeface="Century Gothic"/>
-              </a:rPr>
-              <a:t>DOM</a:t>
-            </a:r>
-            <a:endParaRPr lang="nl-NL" sz="3200" dirty="0">
-              <a:solidFill>
-                <a:schemeClr val="bg1"/>
-              </a:solidFill>
-              <a:latin typeface="Century Gothic"/>
-              <a:cs typeface="Century Gothic"/>
-            </a:endParaRPr>
-          </a:p>
-        </p:txBody>
-      </p:sp>
-      <p:cxnSp>
-        <p:nvCxnSpPr>
-          <p:cNvPr id="33" name="Rechte verbindingslijn met pijl 32"/>
-          <p:cNvCxnSpPr>
-            <a:stCxn id="24" idx="2"/>
-          </p:cNvCxnSpPr>
-          <p:nvPr/>
-        </p:nvCxnSpPr>
-        <p:spPr>
-          <a:xfrm>
-            <a:off x="1662738" y="3816845"/>
-            <a:ext cx="11699" cy="548508"/>
-          </a:xfrm>
-          <a:prstGeom prst="straightConnector1">
-            <a:avLst/>
-          </a:prstGeom>
-          <a:ln>
-            <a:solidFill>
-              <a:schemeClr val="tx1"/>
-            </a:solidFill>
-            <a:tailEnd type="arrow"/>
-          </a:ln>
-          <a:effectLst/>
-        </p:spPr>
-        <p:style>
-          <a:lnRef idx="2">
-            <a:schemeClr val="accent1"/>
-          </a:lnRef>
-          <a:fillRef idx="0">
-            <a:schemeClr val="accent1"/>
-          </a:fillRef>
-          <a:effectRef idx="1">
-            <a:schemeClr val="accent1"/>
-          </a:effectRef>
-          <a:fontRef idx="minor">
-            <a:schemeClr val="tx1"/>
-          </a:fontRef>
-        </p:style>
-      </p:cxnSp>
-      <p:sp>
-        <p:nvSpPr>
-          <p:cNvPr id="53" name="Afgeronde rechthoek 52"/>
-          <p:cNvSpPr/>
-          <p:nvPr/>
-        </p:nvSpPr>
-        <p:spPr>
-          <a:xfrm>
-            <a:off x="534690" y="4698140"/>
-            <a:ext cx="1025368" cy="451339"/>
-          </a:xfrm>
-          <a:prstGeom prst="roundRect">
-            <a:avLst/>
-          </a:prstGeom>
-          <a:solidFill>
-            <a:schemeClr val="bg1">
-              <a:lumMod val="85000"/>
-            </a:schemeClr>
-          </a:solidFill>
-          <a:ln>
-            <a:noFill/>
-          </a:ln>
-          <a:effectLst/>
-        </p:spPr>
-        <p:style>
-          <a:lnRef idx="1">
-            <a:schemeClr val="accent1"/>
-          </a:lnRef>
-          <a:fillRef idx="3">
-            <a:schemeClr val="accent1"/>
-          </a:fillRef>
-          <a:effectRef idx="2">
-            <a:schemeClr val="accent1"/>
-          </a:effectRef>
-          <a:fontRef idx="minor">
-            <a:schemeClr val="lt1"/>
-          </a:fontRef>
-        </p:style>
-        <p:txBody>
-          <a:bodyPr rtlCol="0" anchor="t"/>
-          <a:lstStyle/>
-          <a:p>
-            <a:pPr algn="ctr"/>
-            <a:r>
-              <a:rPr lang="nl-NL" sz="1600" dirty="0" err="1" smtClean="0"/>
-              <a:t>td</a:t>
-            </a:r>
-            <a:endParaRPr lang="nl-NL" sz="1600" dirty="0"/>
-          </a:p>
-        </p:txBody>
-      </p:sp>
-      <p:sp>
-        <p:nvSpPr>
-          <p:cNvPr id="54" name="Afgeronde rechthoek 53"/>
-          <p:cNvSpPr/>
-          <p:nvPr/>
-        </p:nvSpPr>
-        <p:spPr>
-          <a:xfrm>
-            <a:off x="1978935" y="4698140"/>
-            <a:ext cx="1025368" cy="451339"/>
-          </a:xfrm>
-          <a:prstGeom prst="roundRect">
-            <a:avLst/>
-          </a:prstGeom>
-          <a:solidFill>
-            <a:schemeClr val="bg1">
-              <a:lumMod val="85000"/>
-            </a:schemeClr>
-          </a:solidFill>
-          <a:ln>
-            <a:noFill/>
-          </a:ln>
-          <a:effectLst/>
-        </p:spPr>
-        <p:style>
-          <a:lnRef idx="1">
-            <a:schemeClr val="accent1"/>
-          </a:lnRef>
-          <a:fillRef idx="3">
-            <a:schemeClr val="accent1"/>
-          </a:fillRef>
-          <a:effectRef idx="2">
-            <a:schemeClr val="accent1"/>
-          </a:effectRef>
-          <a:fontRef idx="minor">
-            <a:schemeClr val="lt1"/>
-          </a:fontRef>
-        </p:style>
-        <p:txBody>
-          <a:bodyPr rtlCol="0" anchor="t"/>
-          <a:lstStyle/>
-          <a:p>
-            <a:pPr algn="ctr"/>
-            <a:r>
-              <a:rPr lang="nl-NL" sz="1600" dirty="0" err="1" smtClean="0"/>
-              <a:t>td</a:t>
-            </a:r>
-            <a:endParaRPr lang="nl-NL" sz="1600" dirty="0"/>
-          </a:p>
-        </p:txBody>
-      </p:sp>
-      <p:cxnSp>
-        <p:nvCxnSpPr>
-          <p:cNvPr id="58" name="Rechte verbindingslijn 57"/>
-          <p:cNvCxnSpPr/>
-          <p:nvPr/>
-        </p:nvCxnSpPr>
-        <p:spPr>
-          <a:xfrm>
-            <a:off x="1047374" y="4365353"/>
-            <a:ext cx="1444245" cy="0"/>
-          </a:xfrm>
-          <a:prstGeom prst="line">
-            <a:avLst/>
-          </a:prstGeom>
-          <a:ln>
-            <a:solidFill>
-              <a:schemeClr val="tx1"/>
-            </a:solidFill>
-          </a:ln>
-          <a:effectLst/>
-        </p:spPr>
-        <p:style>
-          <a:lnRef idx="2">
-            <a:schemeClr val="accent1"/>
-          </a:lnRef>
-          <a:fillRef idx="0">
-            <a:schemeClr val="accent1"/>
-          </a:fillRef>
-          <a:effectRef idx="1">
-            <a:schemeClr val="accent1"/>
-          </a:effectRef>
-          <a:fontRef idx="minor">
-            <a:schemeClr val="tx1"/>
-          </a:fontRef>
-        </p:style>
-      </p:cxnSp>
-      <p:cxnSp>
-        <p:nvCxnSpPr>
-          <p:cNvPr id="71" name="Rechte verbindingslijn met pijl 70"/>
-          <p:cNvCxnSpPr>
-            <a:endCxn id="53" idx="0"/>
-          </p:cNvCxnSpPr>
-          <p:nvPr/>
-        </p:nvCxnSpPr>
-        <p:spPr>
-          <a:xfrm>
-            <a:off x="1047374" y="4365353"/>
-            <a:ext cx="0" cy="332787"/>
-          </a:xfrm>
-          <a:prstGeom prst="straightConnector1">
-            <a:avLst/>
-          </a:prstGeom>
-          <a:ln>
-            <a:solidFill>
-              <a:schemeClr val="tx1"/>
-            </a:solidFill>
-            <a:tailEnd type="arrow"/>
-          </a:ln>
-          <a:effectLst/>
-        </p:spPr>
-        <p:style>
-          <a:lnRef idx="2">
-            <a:schemeClr val="accent1"/>
-          </a:lnRef>
-          <a:fillRef idx="0">
-            <a:schemeClr val="accent1"/>
-          </a:fillRef>
-          <a:effectRef idx="1">
-            <a:schemeClr val="accent1"/>
-          </a:effectRef>
-          <a:fontRef idx="minor">
-            <a:schemeClr val="tx1"/>
-          </a:fontRef>
-        </p:style>
-      </p:cxnSp>
-      <p:cxnSp>
-        <p:nvCxnSpPr>
-          <p:cNvPr id="72" name="Rechte verbindingslijn met pijl 71"/>
-          <p:cNvCxnSpPr>
-            <a:endCxn id="54" idx="0"/>
-          </p:cNvCxnSpPr>
-          <p:nvPr/>
-        </p:nvCxnSpPr>
-        <p:spPr>
-          <a:xfrm>
-            <a:off x="2491619" y="4365353"/>
-            <a:ext cx="0" cy="332787"/>
-          </a:xfrm>
-          <a:prstGeom prst="straightConnector1">
-            <a:avLst/>
-          </a:prstGeom>
-          <a:ln>
-            <a:solidFill>
-              <a:schemeClr val="tx1"/>
-            </a:solidFill>
-            <a:tailEnd type="arrow"/>
-          </a:ln>
-          <a:effectLst/>
-        </p:spPr>
-        <p:style>
-          <a:lnRef idx="2">
-            <a:schemeClr val="accent1"/>
-          </a:lnRef>
-          <a:fillRef idx="0">
-            <a:schemeClr val="accent1"/>
-          </a:fillRef>
-          <a:effectRef idx="1">
-            <a:schemeClr val="accent1"/>
-          </a:effectRef>
-          <a:fontRef idx="minor">
-            <a:schemeClr val="tx1"/>
-          </a:fontRef>
-        </p:style>
-      </p:cxnSp>
-      <p:cxnSp>
-        <p:nvCxnSpPr>
-          <p:cNvPr id="79" name="Rechte verbindingslijn met pijl 78"/>
-          <p:cNvCxnSpPr/>
-          <p:nvPr/>
-        </p:nvCxnSpPr>
-        <p:spPr>
-          <a:xfrm>
-            <a:off x="1047374" y="5149479"/>
-            <a:ext cx="0" cy="332787"/>
-          </a:xfrm>
-          <a:prstGeom prst="straightConnector1">
-            <a:avLst/>
-          </a:prstGeom>
-          <a:ln>
-            <a:solidFill>
-              <a:schemeClr val="tx1"/>
-            </a:solidFill>
-            <a:tailEnd type="arrow"/>
-          </a:ln>
-          <a:effectLst/>
-        </p:spPr>
-        <p:style>
-          <a:lnRef idx="2">
-            <a:schemeClr val="accent1"/>
-          </a:lnRef>
-          <a:fillRef idx="0">
-            <a:schemeClr val="accent1"/>
-          </a:fillRef>
-          <a:effectRef idx="1">
-            <a:schemeClr val="accent1"/>
-          </a:effectRef>
-          <a:fontRef idx="minor">
-            <a:schemeClr val="tx1"/>
-          </a:fontRef>
-        </p:style>
-      </p:cxnSp>
-      <p:cxnSp>
-        <p:nvCxnSpPr>
-          <p:cNvPr id="80" name="Rechte verbindingslijn met pijl 79"/>
-          <p:cNvCxnSpPr>
-            <a:stCxn id="54" idx="2"/>
-          </p:cNvCxnSpPr>
-          <p:nvPr/>
-        </p:nvCxnSpPr>
-        <p:spPr>
-          <a:xfrm>
-            <a:off x="2491619" y="5149479"/>
-            <a:ext cx="0" cy="332787"/>
-          </a:xfrm>
-          <a:prstGeom prst="straightConnector1">
-            <a:avLst/>
-          </a:prstGeom>
-          <a:ln>
-            <a:solidFill>
-              <a:schemeClr val="tx1"/>
-            </a:solidFill>
-            <a:tailEnd type="arrow"/>
-          </a:ln>
-          <a:effectLst/>
-        </p:spPr>
-        <p:style>
-          <a:lnRef idx="2">
-            <a:schemeClr val="accent1"/>
-          </a:lnRef>
-          <a:fillRef idx="0">
-            <a:schemeClr val="accent1"/>
-          </a:fillRef>
-          <a:effectRef idx="1">
-            <a:schemeClr val="accent1"/>
-          </a:effectRef>
-          <a:fontRef idx="minor">
-            <a:schemeClr val="tx1"/>
-          </a:fontRef>
-        </p:style>
-      </p:cxnSp>
-      <p:sp>
-        <p:nvSpPr>
-          <p:cNvPr id="83" name="Afgeronde rechthoek 82"/>
-          <p:cNvSpPr/>
-          <p:nvPr/>
-        </p:nvSpPr>
-        <p:spPr>
-          <a:xfrm>
-            <a:off x="534690" y="5482266"/>
-            <a:ext cx="1025368" cy="451339"/>
-          </a:xfrm>
-          <a:prstGeom prst="roundRect">
-            <a:avLst/>
-          </a:prstGeom>
-          <a:solidFill>
-            <a:schemeClr val="bg1">
-              <a:lumMod val="85000"/>
-            </a:schemeClr>
-          </a:solidFill>
-          <a:ln>
-            <a:noFill/>
-          </a:ln>
-          <a:effectLst/>
-        </p:spPr>
-        <p:style>
-          <a:lnRef idx="1">
-            <a:schemeClr val="accent1"/>
-          </a:lnRef>
-          <a:fillRef idx="3">
-            <a:schemeClr val="accent1"/>
-          </a:fillRef>
-          <a:effectRef idx="2">
-            <a:schemeClr val="accent1"/>
-          </a:effectRef>
-          <a:fontRef idx="minor">
-            <a:schemeClr val="lt1"/>
-          </a:fontRef>
-        </p:style>
-        <p:txBody>
-          <a:bodyPr rtlCol="0" anchor="t"/>
-          <a:lstStyle/>
-          <a:p>
-            <a:pPr algn="ctr"/>
-            <a:r>
-              <a:rPr lang="nl-NL" sz="1600" dirty="0" smtClean="0">
-                <a:solidFill>
-                  <a:schemeClr val="tx1"/>
-                </a:solidFill>
-              </a:rPr>
-              <a:t>Reading..</a:t>
-            </a:r>
-            <a:endParaRPr lang="nl-NL" sz="1600" dirty="0">
-              <a:solidFill>
-                <a:schemeClr val="tx1"/>
-              </a:solidFill>
-            </a:endParaRPr>
-          </a:p>
-        </p:txBody>
-      </p:sp>
-      <p:sp>
-        <p:nvSpPr>
-          <p:cNvPr id="85" name="Afgeronde rechthoek 84"/>
-          <p:cNvSpPr/>
-          <p:nvPr/>
-        </p:nvSpPr>
-        <p:spPr>
-          <a:xfrm>
-            <a:off x="1978935" y="5454983"/>
-            <a:ext cx="1025368" cy="451339"/>
-          </a:xfrm>
-          <a:prstGeom prst="roundRect">
-            <a:avLst/>
-          </a:prstGeom>
-          <a:solidFill>
-            <a:schemeClr val="bg1">
-              <a:lumMod val="85000"/>
-            </a:schemeClr>
-          </a:solidFill>
-          <a:ln>
-            <a:noFill/>
-          </a:ln>
-          <a:effectLst/>
-        </p:spPr>
-        <p:style>
-          <a:lnRef idx="1">
-            <a:schemeClr val="accent1"/>
-          </a:lnRef>
-          <a:fillRef idx="3">
-            <a:schemeClr val="accent1"/>
-          </a:fillRef>
-          <a:effectRef idx="2">
-            <a:schemeClr val="accent1"/>
-          </a:effectRef>
-          <a:fontRef idx="minor">
-            <a:schemeClr val="lt1"/>
-          </a:fontRef>
-        </p:style>
-        <p:txBody>
-          <a:bodyPr rtlCol="0" anchor="t"/>
-          <a:lstStyle/>
-          <a:p>
-            <a:pPr algn="ctr"/>
-            <a:r>
-              <a:rPr lang="nl-NL" sz="1600" dirty="0" smtClean="0">
-                <a:solidFill>
-                  <a:schemeClr val="tx1"/>
-                </a:solidFill>
-              </a:rPr>
-              <a:t>2012..</a:t>
-            </a:r>
-            <a:endParaRPr lang="nl-NL" sz="1600" dirty="0">
-              <a:solidFill>
-                <a:schemeClr val="tx1"/>
-              </a:solidFill>
-            </a:endParaRPr>
-          </a:p>
-        </p:txBody>
-      </p:sp>
-      <p:sp>
-        <p:nvSpPr>
-          <p:cNvPr id="86" name="Afgeronde rechthoek 85"/>
-          <p:cNvSpPr/>
-          <p:nvPr/>
-        </p:nvSpPr>
-        <p:spPr>
-          <a:xfrm>
-            <a:off x="3751834" y="3389365"/>
-            <a:ext cx="1230728" cy="451339"/>
-          </a:xfrm>
-          <a:prstGeom prst="roundRect">
-            <a:avLst/>
-          </a:prstGeom>
-          <a:solidFill>
-            <a:schemeClr val="bg1">
-              <a:lumMod val="85000"/>
-            </a:schemeClr>
-          </a:solidFill>
-          <a:ln>
-            <a:noFill/>
-          </a:ln>
-          <a:effectLst/>
-        </p:spPr>
-        <p:style>
-          <a:lnRef idx="1">
-            <a:schemeClr val="accent1"/>
-          </a:lnRef>
-          <a:fillRef idx="3">
-            <a:schemeClr val="accent1"/>
-          </a:fillRef>
-          <a:effectRef idx="2">
-            <a:schemeClr val="accent1"/>
-          </a:effectRef>
-          <a:fontRef idx="minor">
-            <a:schemeClr val="lt1"/>
-          </a:fontRef>
-        </p:style>
-        <p:txBody>
-          <a:bodyPr rtlCol="0" anchor="t"/>
-          <a:lstStyle/>
-          <a:p>
-            <a:pPr algn="ctr"/>
-            <a:r>
-              <a:rPr lang="nl-NL" sz="1600" dirty="0" err="1" smtClean="0"/>
-              <a:t>tr</a:t>
-            </a:r>
-            <a:endParaRPr lang="nl-NL" sz="1600" dirty="0"/>
-          </a:p>
-        </p:txBody>
-      </p:sp>
-      <p:cxnSp>
-        <p:nvCxnSpPr>
-          <p:cNvPr id="87" name="Rechte verbindingslijn met pijl 86"/>
-          <p:cNvCxnSpPr>
-            <a:stCxn id="86" idx="2"/>
-          </p:cNvCxnSpPr>
-          <p:nvPr/>
-        </p:nvCxnSpPr>
-        <p:spPr>
-          <a:xfrm>
-            <a:off x="4367198" y="3840704"/>
-            <a:ext cx="11699" cy="548508"/>
-          </a:xfrm>
-          <a:prstGeom prst="straightConnector1">
-            <a:avLst/>
-          </a:prstGeom>
-          <a:ln>
-            <a:solidFill>
-              <a:schemeClr val="tx1"/>
-            </a:solidFill>
-            <a:tailEnd type="arrow"/>
-          </a:ln>
-          <a:effectLst/>
-        </p:spPr>
-        <p:style>
-          <a:lnRef idx="2">
-            <a:schemeClr val="accent1"/>
-          </a:lnRef>
-          <a:fillRef idx="0">
-            <a:schemeClr val="accent1"/>
-          </a:fillRef>
-          <a:effectRef idx="1">
-            <a:schemeClr val="accent1"/>
-          </a:effectRef>
-          <a:fontRef idx="minor">
-            <a:schemeClr val="tx1"/>
-          </a:fontRef>
-        </p:style>
-      </p:cxnSp>
-      <p:sp>
-        <p:nvSpPr>
-          <p:cNvPr id="88" name="Afgeronde rechthoek 87"/>
-          <p:cNvSpPr/>
-          <p:nvPr/>
-        </p:nvSpPr>
-        <p:spPr>
-          <a:xfrm>
-            <a:off x="3239150" y="4721999"/>
-            <a:ext cx="1025368" cy="451339"/>
-          </a:xfrm>
-          <a:prstGeom prst="roundRect">
-            <a:avLst/>
-          </a:prstGeom>
-          <a:solidFill>
-            <a:schemeClr val="bg1">
-              <a:lumMod val="85000"/>
-            </a:schemeClr>
-          </a:solidFill>
-          <a:ln>
-            <a:noFill/>
-          </a:ln>
-          <a:effectLst/>
-        </p:spPr>
-        <p:style>
-          <a:lnRef idx="1">
-            <a:schemeClr val="accent1"/>
-          </a:lnRef>
-          <a:fillRef idx="3">
-            <a:schemeClr val="accent1"/>
-          </a:fillRef>
-          <a:effectRef idx="2">
-            <a:schemeClr val="accent1"/>
-          </a:effectRef>
-          <a:fontRef idx="minor">
-            <a:schemeClr val="lt1"/>
-          </a:fontRef>
-        </p:style>
-        <p:txBody>
-          <a:bodyPr rtlCol="0" anchor="t"/>
-          <a:lstStyle/>
-          <a:p>
-            <a:pPr algn="ctr"/>
-            <a:r>
-              <a:rPr lang="nl-NL" sz="1600" dirty="0" err="1" smtClean="0"/>
-              <a:t>td</a:t>
-            </a:r>
-            <a:endParaRPr lang="nl-NL" sz="1600" dirty="0"/>
-          </a:p>
-        </p:txBody>
-      </p:sp>
-      <p:sp>
-        <p:nvSpPr>
-          <p:cNvPr id="89" name="Afgeronde rechthoek 88"/>
-          <p:cNvSpPr/>
-          <p:nvPr/>
-        </p:nvSpPr>
-        <p:spPr>
-          <a:xfrm>
-            <a:off x="4683395" y="4721999"/>
-            <a:ext cx="1025368" cy="451339"/>
-          </a:xfrm>
-          <a:prstGeom prst="roundRect">
-            <a:avLst/>
-          </a:prstGeom>
-          <a:solidFill>
-            <a:schemeClr val="bg1">
-              <a:lumMod val="85000"/>
-            </a:schemeClr>
-          </a:solidFill>
-          <a:ln>
-            <a:noFill/>
-          </a:ln>
-          <a:effectLst/>
-        </p:spPr>
-        <p:style>
-          <a:lnRef idx="1">
-            <a:schemeClr val="accent1"/>
-          </a:lnRef>
-          <a:fillRef idx="3">
-            <a:schemeClr val="accent1"/>
-          </a:fillRef>
-          <a:effectRef idx="2">
-            <a:schemeClr val="accent1"/>
-          </a:effectRef>
-          <a:fontRef idx="minor">
-            <a:schemeClr val="lt1"/>
-          </a:fontRef>
-        </p:style>
-        <p:txBody>
-          <a:bodyPr rtlCol="0" anchor="t"/>
-          <a:lstStyle/>
-          <a:p>
-            <a:pPr algn="ctr"/>
-            <a:r>
-              <a:rPr lang="nl-NL" sz="1600" dirty="0" err="1" smtClean="0"/>
-              <a:t>td</a:t>
-            </a:r>
-            <a:endParaRPr lang="nl-NL" sz="1600" dirty="0"/>
-          </a:p>
-        </p:txBody>
-      </p:sp>
-      <p:cxnSp>
-        <p:nvCxnSpPr>
-          <p:cNvPr id="90" name="Rechte verbindingslijn 89"/>
-          <p:cNvCxnSpPr/>
-          <p:nvPr/>
-        </p:nvCxnSpPr>
-        <p:spPr>
-          <a:xfrm>
-            <a:off x="3751834" y="4389212"/>
-            <a:ext cx="1444245" cy="0"/>
-          </a:xfrm>
-          <a:prstGeom prst="line">
-            <a:avLst/>
-          </a:prstGeom>
-          <a:ln>
-            <a:solidFill>
-              <a:schemeClr val="tx1"/>
-            </a:solidFill>
-          </a:ln>
-          <a:effectLst/>
-        </p:spPr>
-        <p:style>
-          <a:lnRef idx="2">
-            <a:schemeClr val="accent1"/>
-          </a:lnRef>
-          <a:fillRef idx="0">
-            <a:schemeClr val="accent1"/>
-          </a:fillRef>
-          <a:effectRef idx="1">
-            <a:schemeClr val="accent1"/>
-          </a:effectRef>
-          <a:fontRef idx="minor">
-            <a:schemeClr val="tx1"/>
-          </a:fontRef>
-        </p:style>
-      </p:cxnSp>
-      <p:cxnSp>
-        <p:nvCxnSpPr>
-          <p:cNvPr id="91" name="Rechte verbindingslijn met pijl 90"/>
-          <p:cNvCxnSpPr>
-            <a:endCxn id="88" idx="0"/>
-          </p:cNvCxnSpPr>
-          <p:nvPr/>
-        </p:nvCxnSpPr>
-        <p:spPr>
-          <a:xfrm>
-            <a:off x="3751834" y="4389212"/>
-            <a:ext cx="0" cy="332787"/>
-          </a:xfrm>
-          <a:prstGeom prst="straightConnector1">
-            <a:avLst/>
-          </a:prstGeom>
-          <a:ln>
-            <a:solidFill>
-              <a:schemeClr val="tx1"/>
-            </a:solidFill>
-            <a:tailEnd type="arrow"/>
-          </a:ln>
-          <a:effectLst/>
-        </p:spPr>
-        <p:style>
-          <a:lnRef idx="2">
-            <a:schemeClr val="accent1"/>
-          </a:lnRef>
-          <a:fillRef idx="0">
-            <a:schemeClr val="accent1"/>
-          </a:fillRef>
-          <a:effectRef idx="1">
-            <a:schemeClr val="accent1"/>
-          </a:effectRef>
-          <a:fontRef idx="minor">
-            <a:schemeClr val="tx1"/>
-          </a:fontRef>
-        </p:style>
-      </p:cxnSp>
-      <p:cxnSp>
-        <p:nvCxnSpPr>
-          <p:cNvPr id="92" name="Rechte verbindingslijn met pijl 91"/>
-          <p:cNvCxnSpPr>
-            <a:endCxn id="89" idx="0"/>
-          </p:cNvCxnSpPr>
-          <p:nvPr/>
-        </p:nvCxnSpPr>
-        <p:spPr>
-          <a:xfrm>
-            <a:off x="5196079" y="4389212"/>
-            <a:ext cx="0" cy="332787"/>
-          </a:xfrm>
-          <a:prstGeom prst="straightConnector1">
-            <a:avLst/>
-          </a:prstGeom>
-          <a:ln>
-            <a:solidFill>
-              <a:schemeClr val="tx1"/>
-            </a:solidFill>
-            <a:tailEnd type="arrow"/>
-          </a:ln>
-          <a:effectLst/>
-        </p:spPr>
-        <p:style>
-          <a:lnRef idx="2">
-            <a:schemeClr val="accent1"/>
-          </a:lnRef>
-          <a:fillRef idx="0">
-            <a:schemeClr val="accent1"/>
-          </a:fillRef>
-          <a:effectRef idx="1">
-            <a:schemeClr val="accent1"/>
-          </a:effectRef>
-          <a:fontRef idx="minor">
-            <a:schemeClr val="tx1"/>
-          </a:fontRef>
-        </p:style>
-      </p:cxnSp>
-      <p:cxnSp>
-        <p:nvCxnSpPr>
-          <p:cNvPr id="93" name="Rechte verbindingslijn met pijl 92"/>
-          <p:cNvCxnSpPr/>
-          <p:nvPr/>
-        </p:nvCxnSpPr>
-        <p:spPr>
-          <a:xfrm>
-            <a:off x="3751834" y="5173338"/>
-            <a:ext cx="0" cy="332787"/>
-          </a:xfrm>
-          <a:prstGeom prst="straightConnector1">
-            <a:avLst/>
-          </a:prstGeom>
-          <a:ln>
-            <a:solidFill>
-              <a:schemeClr val="tx1"/>
-            </a:solidFill>
-            <a:tailEnd type="arrow"/>
-          </a:ln>
-          <a:effectLst/>
-        </p:spPr>
-        <p:style>
-          <a:lnRef idx="2">
-            <a:schemeClr val="accent1"/>
-          </a:lnRef>
-          <a:fillRef idx="0">
-            <a:schemeClr val="accent1"/>
-          </a:fillRef>
-          <a:effectRef idx="1">
-            <a:schemeClr val="accent1"/>
-          </a:effectRef>
-          <a:fontRef idx="minor">
-            <a:schemeClr val="tx1"/>
-          </a:fontRef>
-        </p:style>
-      </p:cxnSp>
-      <p:cxnSp>
-        <p:nvCxnSpPr>
-          <p:cNvPr id="94" name="Rechte verbindingslijn met pijl 93"/>
-          <p:cNvCxnSpPr>
-            <a:stCxn id="89" idx="2"/>
-          </p:cNvCxnSpPr>
-          <p:nvPr/>
-        </p:nvCxnSpPr>
-        <p:spPr>
-          <a:xfrm>
-            <a:off x="5196079" y="5173338"/>
-            <a:ext cx="0" cy="332787"/>
-          </a:xfrm>
-          <a:prstGeom prst="straightConnector1">
-            <a:avLst/>
-          </a:prstGeom>
-          <a:ln>
-            <a:solidFill>
-              <a:schemeClr val="tx1"/>
-            </a:solidFill>
-            <a:tailEnd type="arrow"/>
-          </a:ln>
-          <a:effectLst/>
-        </p:spPr>
-        <p:style>
-          <a:lnRef idx="2">
-            <a:schemeClr val="accent1"/>
-          </a:lnRef>
-          <a:fillRef idx="0">
-            <a:schemeClr val="accent1"/>
-          </a:fillRef>
-          <a:effectRef idx="1">
-            <a:schemeClr val="accent1"/>
-          </a:effectRef>
-          <a:fontRef idx="minor">
-            <a:schemeClr val="tx1"/>
-          </a:fontRef>
-        </p:style>
-      </p:cxnSp>
-      <p:sp>
-        <p:nvSpPr>
-          <p:cNvPr id="95" name="Afgeronde rechthoek 94"/>
-          <p:cNvSpPr/>
-          <p:nvPr/>
-        </p:nvSpPr>
-        <p:spPr>
-          <a:xfrm>
-            <a:off x="3239150" y="5506125"/>
-            <a:ext cx="1025368" cy="451339"/>
-          </a:xfrm>
-          <a:prstGeom prst="roundRect">
-            <a:avLst/>
-          </a:prstGeom>
-          <a:solidFill>
-            <a:schemeClr val="bg1">
-              <a:lumMod val="85000"/>
-            </a:schemeClr>
-          </a:solidFill>
-          <a:ln>
-            <a:noFill/>
-          </a:ln>
-          <a:effectLst/>
-        </p:spPr>
-        <p:style>
-          <a:lnRef idx="1">
-            <a:schemeClr val="accent1"/>
-          </a:lnRef>
-          <a:fillRef idx="3">
-            <a:schemeClr val="accent1"/>
-          </a:fillRef>
-          <a:effectRef idx="2">
-            <a:schemeClr val="accent1"/>
-          </a:effectRef>
-          <a:fontRef idx="minor">
-            <a:schemeClr val="lt1"/>
-          </a:fontRef>
-        </p:style>
-        <p:txBody>
-          <a:bodyPr rtlCol="0" anchor="t"/>
-          <a:lstStyle/>
-          <a:p>
-            <a:pPr algn="ctr"/>
-            <a:r>
-              <a:rPr lang="nl-NL" sz="1600" dirty="0">
-                <a:solidFill>
-                  <a:schemeClr val="tx1"/>
-                </a:solidFill>
-              </a:rPr>
-              <a:t>c</a:t>
-            </a:r>
-            <a:r>
-              <a:rPr lang="nl-NL" sz="1600" dirty="0" smtClean="0">
-                <a:solidFill>
-                  <a:schemeClr val="tx1"/>
-                </a:solidFill>
-              </a:rPr>
-              <a:t>lean..</a:t>
-            </a:r>
-            <a:endParaRPr lang="nl-NL" sz="1600" dirty="0">
-              <a:solidFill>
-                <a:schemeClr val="tx1"/>
-              </a:solidFill>
-            </a:endParaRPr>
-          </a:p>
-        </p:txBody>
-      </p:sp>
-      <p:sp>
-        <p:nvSpPr>
-          <p:cNvPr id="96" name="Afgeronde rechthoek 95"/>
-          <p:cNvSpPr/>
-          <p:nvPr/>
-        </p:nvSpPr>
-        <p:spPr>
-          <a:xfrm>
-            <a:off x="4683395" y="5478842"/>
-            <a:ext cx="1025368" cy="451339"/>
-          </a:xfrm>
-          <a:prstGeom prst="roundRect">
-            <a:avLst/>
-          </a:prstGeom>
-          <a:solidFill>
-            <a:schemeClr val="bg1">
-              <a:lumMod val="85000"/>
-            </a:schemeClr>
-          </a:solidFill>
-          <a:ln>
-            <a:noFill/>
-          </a:ln>
-          <a:effectLst/>
-        </p:spPr>
-        <p:style>
-          <a:lnRef idx="1">
-            <a:schemeClr val="accent1"/>
-          </a:lnRef>
-          <a:fillRef idx="3">
-            <a:schemeClr val="accent1"/>
-          </a:fillRef>
-          <a:effectRef idx="2">
-            <a:schemeClr val="accent1"/>
-          </a:effectRef>
-          <a:fontRef idx="minor">
-            <a:schemeClr val="lt1"/>
-          </a:fontRef>
-        </p:style>
-        <p:txBody>
-          <a:bodyPr rtlCol="0" anchor="t"/>
-          <a:lstStyle/>
-          <a:p>
-            <a:pPr algn="ctr"/>
-            <a:r>
-              <a:rPr lang="nl-NL" sz="1600" dirty="0" smtClean="0">
-                <a:solidFill>
-                  <a:schemeClr val="tx1"/>
-                </a:solidFill>
-              </a:rPr>
-              <a:t>2012..</a:t>
-            </a:r>
-            <a:endParaRPr lang="nl-NL" sz="1600" dirty="0">
-              <a:solidFill>
-                <a:schemeClr val="tx1"/>
-              </a:solidFill>
-            </a:endParaRPr>
-          </a:p>
-        </p:txBody>
-      </p:sp>
-      <p:sp>
-        <p:nvSpPr>
-          <p:cNvPr id="97" name="Afgeronde rechthoek 96"/>
-          <p:cNvSpPr/>
-          <p:nvPr/>
-        </p:nvSpPr>
-        <p:spPr>
-          <a:xfrm>
-            <a:off x="6583210" y="3389365"/>
-            <a:ext cx="1230728" cy="451339"/>
-          </a:xfrm>
-          <a:prstGeom prst="roundRect">
-            <a:avLst/>
-          </a:prstGeom>
-          <a:solidFill>
-            <a:schemeClr val="bg1">
-              <a:lumMod val="85000"/>
-            </a:schemeClr>
-          </a:solidFill>
-          <a:ln>
-            <a:noFill/>
-          </a:ln>
-          <a:effectLst/>
-        </p:spPr>
-        <p:style>
-          <a:lnRef idx="1">
-            <a:schemeClr val="accent1"/>
-          </a:lnRef>
-          <a:fillRef idx="3">
-            <a:schemeClr val="accent1"/>
-          </a:fillRef>
-          <a:effectRef idx="2">
-            <a:schemeClr val="accent1"/>
-          </a:effectRef>
-          <a:fontRef idx="minor">
-            <a:schemeClr val="lt1"/>
-          </a:fontRef>
-        </p:style>
-        <p:txBody>
-          <a:bodyPr rtlCol="0" anchor="t"/>
-          <a:lstStyle/>
-          <a:p>
-            <a:pPr algn="ctr"/>
-            <a:r>
-              <a:rPr lang="nl-NL" sz="1600" dirty="0" err="1" smtClean="0"/>
-              <a:t>tr</a:t>
-            </a:r>
-            <a:endParaRPr lang="nl-NL" sz="1600" dirty="0"/>
-          </a:p>
-        </p:txBody>
-      </p:sp>
-      <p:cxnSp>
-        <p:nvCxnSpPr>
-          <p:cNvPr id="98" name="Rechte verbindingslijn met pijl 97"/>
-          <p:cNvCxnSpPr>
-            <a:stCxn id="97" idx="2"/>
-          </p:cNvCxnSpPr>
-          <p:nvPr/>
-        </p:nvCxnSpPr>
-        <p:spPr>
-          <a:xfrm>
-            <a:off x="7198574" y="3840704"/>
-            <a:ext cx="11699" cy="548508"/>
-          </a:xfrm>
-          <a:prstGeom prst="straightConnector1">
-            <a:avLst/>
-          </a:prstGeom>
-          <a:ln>
-            <a:solidFill>
-              <a:schemeClr val="tx1"/>
-            </a:solidFill>
-            <a:tailEnd type="arrow"/>
-          </a:ln>
-          <a:effectLst/>
-        </p:spPr>
-        <p:style>
-          <a:lnRef idx="2">
-            <a:schemeClr val="accent1"/>
-          </a:lnRef>
-          <a:fillRef idx="0">
-            <a:schemeClr val="accent1"/>
-          </a:fillRef>
-          <a:effectRef idx="1">
-            <a:schemeClr val="accent1"/>
-          </a:effectRef>
-          <a:fontRef idx="minor">
-            <a:schemeClr val="tx1"/>
-          </a:fontRef>
-        </p:style>
-      </p:cxnSp>
-      <p:sp>
-        <p:nvSpPr>
-          <p:cNvPr id="99" name="Afgeronde rechthoek 98"/>
-          <p:cNvSpPr/>
-          <p:nvPr/>
-        </p:nvSpPr>
-        <p:spPr>
-          <a:xfrm>
-            <a:off x="6070526" y="4721999"/>
-            <a:ext cx="1025368" cy="451339"/>
-          </a:xfrm>
-          <a:prstGeom prst="roundRect">
-            <a:avLst/>
-          </a:prstGeom>
-          <a:solidFill>
-            <a:schemeClr val="bg1">
-              <a:lumMod val="85000"/>
-            </a:schemeClr>
-          </a:solidFill>
-          <a:ln>
-            <a:noFill/>
-          </a:ln>
-          <a:effectLst/>
-        </p:spPr>
-        <p:style>
-          <a:lnRef idx="1">
-            <a:schemeClr val="accent1"/>
-          </a:lnRef>
-          <a:fillRef idx="3">
-            <a:schemeClr val="accent1"/>
-          </a:fillRef>
-          <a:effectRef idx="2">
-            <a:schemeClr val="accent1"/>
-          </a:effectRef>
-          <a:fontRef idx="minor">
-            <a:schemeClr val="lt1"/>
-          </a:fontRef>
-        </p:style>
-        <p:txBody>
-          <a:bodyPr rtlCol="0" anchor="t"/>
-          <a:lstStyle/>
-          <a:p>
-            <a:pPr algn="ctr"/>
-            <a:r>
-              <a:rPr lang="nl-NL" sz="1600" dirty="0" err="1" smtClean="0"/>
-              <a:t>td</a:t>
-            </a:r>
-            <a:endParaRPr lang="nl-NL" sz="1600" dirty="0"/>
-          </a:p>
-        </p:txBody>
-      </p:sp>
-      <p:sp>
-        <p:nvSpPr>
-          <p:cNvPr id="100" name="Afgeronde rechthoek 99"/>
-          <p:cNvSpPr/>
-          <p:nvPr/>
-        </p:nvSpPr>
-        <p:spPr>
-          <a:xfrm>
-            <a:off x="7514771" y="4721999"/>
-            <a:ext cx="1025368" cy="451339"/>
-          </a:xfrm>
-          <a:prstGeom prst="roundRect">
-            <a:avLst/>
-          </a:prstGeom>
-          <a:solidFill>
-            <a:schemeClr val="bg1">
-              <a:lumMod val="85000"/>
-            </a:schemeClr>
-          </a:solidFill>
-          <a:ln>
-            <a:noFill/>
-          </a:ln>
-          <a:effectLst/>
-        </p:spPr>
-        <p:style>
-          <a:lnRef idx="1">
-            <a:schemeClr val="accent1"/>
-          </a:lnRef>
-          <a:fillRef idx="3">
-            <a:schemeClr val="accent1"/>
-          </a:fillRef>
-          <a:effectRef idx="2">
-            <a:schemeClr val="accent1"/>
-          </a:effectRef>
-          <a:fontRef idx="minor">
-            <a:schemeClr val="lt1"/>
-          </a:fontRef>
-        </p:style>
-        <p:txBody>
-          <a:bodyPr rtlCol="0" anchor="t"/>
-          <a:lstStyle/>
-          <a:p>
-            <a:pPr algn="ctr"/>
-            <a:r>
-              <a:rPr lang="nl-NL" sz="1600" dirty="0" err="1" smtClean="0"/>
-              <a:t>td</a:t>
-            </a:r>
-            <a:endParaRPr lang="nl-NL" sz="1600" dirty="0"/>
-          </a:p>
-        </p:txBody>
-      </p:sp>
-      <p:cxnSp>
-        <p:nvCxnSpPr>
-          <p:cNvPr id="101" name="Rechte verbindingslijn 100"/>
-          <p:cNvCxnSpPr/>
-          <p:nvPr/>
-        </p:nvCxnSpPr>
-        <p:spPr>
-          <a:xfrm>
-            <a:off x="6583210" y="4389212"/>
-            <a:ext cx="1444245" cy="0"/>
-          </a:xfrm>
-          <a:prstGeom prst="line">
-            <a:avLst/>
-          </a:prstGeom>
-          <a:ln>
-            <a:solidFill>
-              <a:schemeClr val="tx1"/>
-            </a:solidFill>
-          </a:ln>
-          <a:effectLst/>
-        </p:spPr>
-        <p:style>
-          <a:lnRef idx="2">
-            <a:schemeClr val="accent1"/>
-          </a:lnRef>
-          <a:fillRef idx="0">
-            <a:schemeClr val="accent1"/>
-          </a:fillRef>
-          <a:effectRef idx="1">
-            <a:schemeClr val="accent1"/>
-          </a:effectRef>
-          <a:fontRef idx="minor">
-            <a:schemeClr val="tx1"/>
-          </a:fontRef>
-        </p:style>
-      </p:cxnSp>
-      <p:cxnSp>
-        <p:nvCxnSpPr>
-          <p:cNvPr id="102" name="Rechte verbindingslijn met pijl 101"/>
-          <p:cNvCxnSpPr>
-            <a:endCxn id="99" idx="0"/>
-          </p:cNvCxnSpPr>
-          <p:nvPr/>
-        </p:nvCxnSpPr>
-        <p:spPr>
-          <a:xfrm>
-            <a:off x="6583210" y="4389212"/>
-            <a:ext cx="0" cy="332787"/>
-          </a:xfrm>
-          <a:prstGeom prst="straightConnector1">
-            <a:avLst/>
-          </a:prstGeom>
-          <a:ln>
-            <a:solidFill>
-              <a:schemeClr val="tx1"/>
-            </a:solidFill>
-            <a:tailEnd type="arrow"/>
-          </a:ln>
-          <a:effectLst/>
-        </p:spPr>
-        <p:style>
-          <a:lnRef idx="2">
-            <a:schemeClr val="accent1"/>
-          </a:lnRef>
-          <a:fillRef idx="0">
-            <a:schemeClr val="accent1"/>
-          </a:fillRef>
-          <a:effectRef idx="1">
-            <a:schemeClr val="accent1"/>
-          </a:effectRef>
-          <a:fontRef idx="minor">
-            <a:schemeClr val="tx1"/>
-          </a:fontRef>
-        </p:style>
-      </p:cxnSp>
-      <p:cxnSp>
-        <p:nvCxnSpPr>
-          <p:cNvPr id="103" name="Rechte verbindingslijn met pijl 102"/>
-          <p:cNvCxnSpPr>
-            <a:endCxn id="100" idx="0"/>
-          </p:cNvCxnSpPr>
-          <p:nvPr/>
-        </p:nvCxnSpPr>
-        <p:spPr>
-          <a:xfrm>
-            <a:off x="8027455" y="4389212"/>
-            <a:ext cx="0" cy="332787"/>
-          </a:xfrm>
-          <a:prstGeom prst="straightConnector1">
-            <a:avLst/>
-          </a:prstGeom>
-          <a:ln>
-            <a:solidFill>
-              <a:schemeClr val="tx1"/>
-            </a:solidFill>
-            <a:tailEnd type="arrow"/>
-          </a:ln>
-          <a:effectLst/>
-        </p:spPr>
-        <p:style>
-          <a:lnRef idx="2">
-            <a:schemeClr val="accent1"/>
-          </a:lnRef>
-          <a:fillRef idx="0">
-            <a:schemeClr val="accent1"/>
-          </a:fillRef>
-          <a:effectRef idx="1">
-            <a:schemeClr val="accent1"/>
-          </a:effectRef>
-          <a:fontRef idx="minor">
-            <a:schemeClr val="tx1"/>
-          </a:fontRef>
-        </p:style>
-      </p:cxnSp>
-      <p:cxnSp>
-        <p:nvCxnSpPr>
-          <p:cNvPr id="104" name="Rechte verbindingslijn met pijl 103"/>
-          <p:cNvCxnSpPr/>
-          <p:nvPr/>
-        </p:nvCxnSpPr>
-        <p:spPr>
-          <a:xfrm>
-            <a:off x="6583210" y="5173338"/>
-            <a:ext cx="0" cy="332787"/>
-          </a:xfrm>
-          <a:prstGeom prst="straightConnector1">
-            <a:avLst/>
-          </a:prstGeom>
-          <a:ln>
-            <a:solidFill>
-              <a:schemeClr val="tx1"/>
-            </a:solidFill>
-            <a:tailEnd type="arrow"/>
-          </a:ln>
-          <a:effectLst/>
-        </p:spPr>
-        <p:style>
-          <a:lnRef idx="2">
-            <a:schemeClr val="accent1"/>
-          </a:lnRef>
-          <a:fillRef idx="0">
-            <a:schemeClr val="accent1"/>
-          </a:fillRef>
-          <a:effectRef idx="1">
-            <a:schemeClr val="accent1"/>
-          </a:effectRef>
-          <a:fontRef idx="minor">
-            <a:schemeClr val="tx1"/>
-          </a:fontRef>
-        </p:style>
-      </p:cxnSp>
-      <p:cxnSp>
-        <p:nvCxnSpPr>
-          <p:cNvPr id="105" name="Rechte verbindingslijn met pijl 104"/>
-          <p:cNvCxnSpPr>
-            <a:stCxn id="100" idx="2"/>
-          </p:cNvCxnSpPr>
-          <p:nvPr/>
-        </p:nvCxnSpPr>
-        <p:spPr>
-          <a:xfrm>
-            <a:off x="8027455" y="5173338"/>
-            <a:ext cx="0" cy="332787"/>
-          </a:xfrm>
-          <a:prstGeom prst="straightConnector1">
-            <a:avLst/>
-          </a:prstGeom>
-          <a:ln>
-            <a:solidFill>
-              <a:schemeClr val="tx1"/>
-            </a:solidFill>
-            <a:tailEnd type="arrow"/>
-          </a:ln>
-          <a:effectLst/>
-        </p:spPr>
-        <p:style>
-          <a:lnRef idx="2">
-            <a:schemeClr val="accent1"/>
-          </a:lnRef>
-          <a:fillRef idx="0">
-            <a:schemeClr val="accent1"/>
-          </a:fillRef>
-          <a:effectRef idx="1">
-            <a:schemeClr val="accent1"/>
-          </a:effectRef>
-          <a:fontRef idx="minor">
-            <a:schemeClr val="tx1"/>
-          </a:fontRef>
-        </p:style>
-      </p:cxnSp>
-      <p:sp>
-        <p:nvSpPr>
-          <p:cNvPr id="106" name="Afgeronde rechthoek 105"/>
-          <p:cNvSpPr/>
-          <p:nvPr/>
-        </p:nvSpPr>
-        <p:spPr>
-          <a:xfrm>
-            <a:off x="6070526" y="5506125"/>
-            <a:ext cx="1025368" cy="451339"/>
-          </a:xfrm>
-          <a:prstGeom prst="roundRect">
-            <a:avLst/>
-          </a:prstGeom>
-          <a:solidFill>
-            <a:schemeClr val="bg1">
-              <a:lumMod val="85000"/>
-            </a:schemeClr>
-          </a:solidFill>
-          <a:ln>
-            <a:noFill/>
-          </a:ln>
-          <a:effectLst/>
-        </p:spPr>
-        <p:style>
-          <a:lnRef idx="1">
-            <a:schemeClr val="accent1"/>
-          </a:lnRef>
-          <a:fillRef idx="3">
-            <a:schemeClr val="accent1"/>
-          </a:fillRef>
-          <a:effectRef idx="2">
-            <a:schemeClr val="accent1"/>
-          </a:effectRef>
-          <a:fontRef idx="minor">
-            <a:schemeClr val="lt1"/>
-          </a:fontRef>
-        </p:style>
-        <p:txBody>
-          <a:bodyPr rtlCol="0" anchor="t"/>
-          <a:lstStyle/>
-          <a:p>
-            <a:pPr algn="ctr"/>
-            <a:r>
-              <a:rPr lang="nl-NL" sz="1600" dirty="0" err="1" smtClean="0">
-                <a:solidFill>
-                  <a:schemeClr val="tx1"/>
-                </a:solidFill>
-              </a:rPr>
-              <a:t>Buy</a:t>
-            </a:r>
-            <a:r>
-              <a:rPr lang="nl-NL" sz="1600" dirty="0" smtClean="0">
-                <a:solidFill>
-                  <a:schemeClr val="tx1"/>
-                </a:solidFill>
-              </a:rPr>
-              <a:t>…</a:t>
-            </a:r>
-            <a:endParaRPr lang="nl-NL" sz="1600" dirty="0">
-              <a:solidFill>
-                <a:schemeClr val="tx1"/>
-              </a:solidFill>
-            </a:endParaRPr>
-          </a:p>
-        </p:txBody>
-      </p:sp>
-      <p:sp>
-        <p:nvSpPr>
-          <p:cNvPr id="107" name="Afgeronde rechthoek 106"/>
-          <p:cNvSpPr/>
-          <p:nvPr/>
-        </p:nvSpPr>
-        <p:spPr>
-          <a:xfrm>
-            <a:off x="7514771" y="5478842"/>
-            <a:ext cx="1025368" cy="451339"/>
-          </a:xfrm>
-          <a:prstGeom prst="roundRect">
-            <a:avLst/>
-          </a:prstGeom>
-          <a:solidFill>
-            <a:schemeClr val="bg1">
-              <a:lumMod val="85000"/>
-            </a:schemeClr>
-          </a:solidFill>
-          <a:ln>
-            <a:noFill/>
-          </a:ln>
-          <a:effectLst/>
-        </p:spPr>
-        <p:style>
-          <a:lnRef idx="1">
-            <a:schemeClr val="accent1"/>
-          </a:lnRef>
-          <a:fillRef idx="3">
-            <a:schemeClr val="accent1"/>
-          </a:fillRef>
-          <a:effectRef idx="2">
-            <a:schemeClr val="accent1"/>
-          </a:effectRef>
-          <a:fontRef idx="minor">
-            <a:schemeClr val="lt1"/>
-          </a:fontRef>
-        </p:style>
-        <p:txBody>
-          <a:bodyPr rtlCol="0" anchor="t"/>
-          <a:lstStyle/>
-          <a:p>
-            <a:pPr algn="ctr"/>
-            <a:r>
-              <a:rPr lang="nl-NL" sz="1600" dirty="0" smtClean="0">
-                <a:solidFill>
-                  <a:schemeClr val="tx1"/>
-                </a:solidFill>
-              </a:rPr>
-              <a:t>2012…</a:t>
-            </a:r>
-            <a:endParaRPr lang="nl-NL" sz="1600" dirty="0">
-              <a:solidFill>
-                <a:schemeClr val="tx1"/>
-              </a:solidFill>
-            </a:endParaRPr>
-          </a:p>
-        </p:txBody>
-      </p:sp>
-    </p:spTree>
-    <p:extLst>
-      <p:ext uri="{BB962C8B-B14F-4D97-AF65-F5344CB8AC3E}">
-        <p14:creationId xmlns="" xmlns:p14="http://schemas.microsoft.com/office/powerpoint/2010/main" val="3083670141"/>
-      </p:ext>
-    </p:extLst>
-  </p:cSld>
-  <p:clrMapOvr>
-    <a:masterClrMapping/>
-  </p:clrMapOvr>
-  <p:timing>
-    <p:tnLst>
-      <p:par>
-        <p:cTn id="1" dur="indefinite" restart="never" nodeType="tmRoot"/>
-      </p:par>
-    </p:tnLst>
-  </p:timing>
-</p:sld>
-</file>
-
-<file path=ppt/slides/slide7.xml><?xml version="1.0" encoding="utf-8"?>
-<p:sld xmlns:a="http://schemas.openxmlformats.org/drawingml/2006/main" xmlns:r="http://schemas.openxmlformats.org/officeDocument/2006/relationships" xmlns:p="http://schemas.openxmlformats.org/presentationml/2006/main">
-  <p:cSld>
     <p:bg>
       <p:bgPr>
         <a:solidFill>
@@ -12218,7 +9316,7 @@
 </p:sld>
 </file>
 
-<file path=ppt/slides/slide8.xml><?xml version="1.0" encoding="utf-8"?>
+<file path=ppt/slides/slide7.xml><?xml version="1.0" encoding="utf-8"?>
 <p:sld xmlns:a="http://schemas.openxmlformats.org/drawingml/2006/main" xmlns:r="http://schemas.openxmlformats.org/officeDocument/2006/relationships" xmlns:p="http://schemas.openxmlformats.org/presentationml/2006/main">
   <p:cSld>
     <p:spTree>
@@ -12285,7 +9383,7 @@
 </p:sld>
 </file>
 
-<file path=ppt/slides/slide9.xml><?xml version="1.0" encoding="utf-8"?>
+<file path=ppt/slides/slide8.xml><?xml version="1.0" encoding="utf-8"?>
 <p:sld xmlns:a="http://schemas.openxmlformats.org/drawingml/2006/main" xmlns:r="http://schemas.openxmlformats.org/officeDocument/2006/relationships" xmlns:p="http://schemas.openxmlformats.org/presentationml/2006/main">
   <p:cSld>
     <p:spTree>
@@ -12336,6 +9434,111 @@
     <p:extLst>
       <p:ext uri="{BB962C8B-B14F-4D97-AF65-F5344CB8AC3E}">
         <p14:creationId xmlns="" xmlns:p14="http://schemas.microsoft.com/office/powerpoint/2010/main" val="2280945150"/>
+      </p:ext>
+    </p:extLst>
+  </p:cSld>
+  <p:clrMapOvr>
+    <a:masterClrMapping/>
+  </p:clrMapOvr>
+</p:sld>
+</file>
+
+<file path=ppt/slides/slide9.xml><?xml version="1.0" encoding="utf-8"?>
+<p:sld xmlns:a="http://schemas.openxmlformats.org/drawingml/2006/main" xmlns:r="http://schemas.openxmlformats.org/officeDocument/2006/relationships" xmlns:p="http://schemas.openxmlformats.org/presentationml/2006/main">
+  <p:cSld>
+    <p:spTree>
+      <p:nvGrpSpPr>
+        <p:cNvPr id="1" name=""/>
+        <p:cNvGrpSpPr/>
+        <p:nvPr/>
+      </p:nvGrpSpPr>
+      <p:grpSpPr>
+        <a:xfrm>
+          <a:off x="0" y="0"/>
+          <a:ext cx="0" cy="0"/>
+          <a:chOff x="0" y="0"/>
+          <a:chExt cx="0" cy="0"/>
+        </a:xfrm>
+      </p:grpSpPr>
+      <p:pic>
+        <p:nvPicPr>
+          <p:cNvPr id="2" name="Afbeelding 1" descr="Screen Shot 2012-10-16 at 2.01.30 PM.png"/>
+          <p:cNvPicPr>
+            <a:picLocks noChangeAspect="1"/>
+          </p:cNvPicPr>
+          <p:nvPr/>
+        </p:nvPicPr>
+        <p:blipFill rotWithShape="1">
+          <a:blip r:embed="rId2">
+            <a:extLst>
+              <a:ext uri="{28A0092B-C50C-407E-A947-70E740481C1C}">
+                <a14:useLocalDpi xmlns="" xmlns:a14="http://schemas.microsoft.com/office/drawing/2010/main" val="0"/>
+              </a:ext>
+            </a:extLst>
+          </a:blip>
+          <a:srcRect l="14465" r="6562"/>
+          <a:stretch/>
+        </p:blipFill>
+        <p:spPr>
+          <a:xfrm>
+            <a:off x="0" y="193524"/>
+            <a:ext cx="8938382" cy="6446762"/>
+          </a:xfrm>
+          <a:prstGeom prst="rect">
+            <a:avLst/>
+          </a:prstGeom>
+        </p:spPr>
+      </p:pic>
+      <p:sp>
+        <p:nvSpPr>
+          <p:cNvPr id="3" name="Rechthoek 2"/>
+          <p:cNvSpPr/>
+          <p:nvPr/>
+        </p:nvSpPr>
+        <p:spPr>
+          <a:xfrm>
+            <a:off x="0" y="471714"/>
+            <a:ext cx="3217333" cy="2382762"/>
+          </a:xfrm>
+          <a:prstGeom prst="rect">
+            <a:avLst/>
+          </a:prstGeom>
+          <a:solidFill>
+            <a:schemeClr val="bg1"/>
+          </a:solidFill>
+          <a:ln w="6350" cmpd="sng">
+            <a:noFill/>
+            <a:prstDash val="lgDash"/>
+          </a:ln>
+          <a:effectLst/>
+        </p:spPr>
+        <p:style>
+          <a:lnRef idx="2">
+            <a:schemeClr val="accent1"/>
+          </a:lnRef>
+          <a:fillRef idx="0">
+            <a:schemeClr val="accent1"/>
+          </a:fillRef>
+          <a:effectRef idx="1">
+            <a:schemeClr val="accent1"/>
+          </a:effectRef>
+          <a:fontRef idx="minor">
+            <a:schemeClr val="tx1"/>
+          </a:fontRef>
+        </p:style>
+        <p:txBody>
+          <a:bodyPr rtlCol="0" anchor="ctr"/>
+          <a:lstStyle/>
+          <a:p>
+            <a:pPr algn="ctr"/>
+            <a:endParaRPr lang="nl-NL"/>
+          </a:p>
+        </p:txBody>
+      </p:sp>
+    </p:spTree>
+    <p:extLst>
+      <p:ext uri="{BB962C8B-B14F-4D97-AF65-F5344CB8AC3E}">
+        <p14:creationId xmlns="" xmlns:p14="http://schemas.microsoft.com/office/powerpoint/2010/main" val="514779248"/>
       </p:ext>
     </p:extLst>
   </p:cSld>
